--- a/Aufgabe01_Praesentation.pptx
+++ b/Aufgabe01_Praesentation.pptx
@@ -5,7 +5,7 @@
     <p:sldMasterId id="2147483840" r:id="rId1"/>
   </p:sldMasterIdLst>
   <p:notesMasterIdLst>
-    <p:notesMasterId r:id="rId23"/>
+    <p:notesMasterId r:id="rId25"/>
   </p:notesMasterIdLst>
   <p:sldIdLst>
     <p:sldId id="257" r:id="rId2"/>
@@ -27,8 +27,10 @@
     <p:sldId id="277" r:id="rId18"/>
     <p:sldId id="275" r:id="rId19"/>
     <p:sldId id="276" r:id="rId20"/>
-    <p:sldId id="258" r:id="rId21"/>
-    <p:sldId id="259" r:id="rId22"/>
+    <p:sldId id="278" r:id="rId21"/>
+    <p:sldId id="279" r:id="rId22"/>
+    <p:sldId id="258" r:id="rId23"/>
+    <p:sldId id="259" r:id="rId24"/>
   </p:sldIdLst>
   <p:sldSz cx="12192000" cy="6858000"/>
   <p:notesSz cx="6858000" cy="9144000"/>
@@ -641,11 +643,17 @@
           <a:p>
             <a:r>
               <a:rPr lang="de-DE" dirty="0" smtClean="0"/>
-              <a:t>Problem</a:t>
+              <a:t>f (10) = 6</a:t>
+            </a:r>
+          </a:p>
+          <a:p>
+            <a:r>
+              <a:rPr lang="de-DE" dirty="0" smtClean="0"/>
+              <a:t>f (3) ≈ 2,5</a:t>
             </a:r>
             <a:r>
               <a:rPr lang="de-DE" baseline="0" dirty="0" smtClean="0"/>
-              <a:t> mit vielen Möglichkeiten</a:t>
+              <a:t>   =&gt; ABRUNDEN</a:t>
             </a:r>
             <a:endParaRPr lang="de-DE" dirty="0"/>
           </a:p>
@@ -668,7 +676,7 @@
           <a:p>
             <a:fld id="{810D4865-68C4-459E-8CFF-E7E8DA057A3D}" type="slidenum">
               <a:rPr lang="de-DE" smtClean="0"/>
-              <a:t>19</a:t>
+              <a:t>17</a:t>
             </a:fld>
             <a:endParaRPr lang="de-DE"/>
           </a:p>
@@ -677,7 +685,7 @@
     </p:spTree>
     <p:extLst>
       <p:ext uri="{BB962C8B-B14F-4D97-AF65-F5344CB8AC3E}">
-        <p14:creationId xmlns:p14="http://schemas.microsoft.com/office/powerpoint/2010/main" val="3346499035"/>
+        <p14:creationId xmlns:p14="http://schemas.microsoft.com/office/powerpoint/2010/main" val="1198197340"/>
       </p:ext>
     </p:extLst>
   </p:cSld>
@@ -733,13 +741,11 @@
           <a:p>
             <a:r>
               <a:rPr lang="de-DE" dirty="0" smtClean="0"/>
-              <a:t>Quellen</a:t>
-            </a:r>
-          </a:p>
-          <a:p>
-            <a:r>
-              <a:rPr lang="de-DE" dirty="0" smtClean="0"/>
-              <a:t>bwinf.de vorbeigucken</a:t>
+              <a:t>Problem</a:t>
+            </a:r>
+            <a:r>
+              <a:rPr lang="de-DE" baseline="0" dirty="0" smtClean="0"/>
+              <a:t> mit vielen Möglichkeiten</a:t>
             </a:r>
             <a:endParaRPr lang="de-DE" dirty="0"/>
           </a:p>
@@ -762,7 +768,7 @@
           <a:p>
             <a:fld id="{810D4865-68C4-459E-8CFF-E7E8DA057A3D}" type="slidenum">
               <a:rPr lang="de-DE" smtClean="0"/>
-              <a:t>20</a:t>
+              <a:t>19</a:t>
             </a:fld>
             <a:endParaRPr lang="de-DE"/>
           </a:p>
@@ -771,7 +777,7 @@
     </p:spTree>
     <p:extLst>
       <p:ext uri="{BB962C8B-B14F-4D97-AF65-F5344CB8AC3E}">
-        <p14:creationId xmlns:p14="http://schemas.microsoft.com/office/powerpoint/2010/main" val="3560782435"/>
+        <p14:creationId xmlns:p14="http://schemas.microsoft.com/office/powerpoint/2010/main" val="3346499035"/>
       </p:ext>
     </p:extLst>
   </p:cSld>
@@ -827,7 +833,13 @@
           <a:p>
             <a:r>
               <a:rPr lang="de-DE" dirty="0" smtClean="0"/>
-              <a:t>Bildquellen</a:t>
+              <a:t>Quellen</a:t>
+            </a:r>
+          </a:p>
+          <a:p>
+            <a:r>
+              <a:rPr lang="de-DE" dirty="0" smtClean="0"/>
+              <a:t>bwinf.de vorbeigucken</a:t>
             </a:r>
             <a:endParaRPr lang="de-DE" dirty="0"/>
           </a:p>
@@ -850,7 +862,95 @@
           <a:p>
             <a:fld id="{810D4865-68C4-459E-8CFF-E7E8DA057A3D}" type="slidenum">
               <a:rPr lang="de-DE" smtClean="0"/>
-              <a:t>21</a:t>
+              <a:t>22</a:t>
+            </a:fld>
+            <a:endParaRPr lang="de-DE"/>
+          </a:p>
+        </p:txBody>
+      </p:sp>
+    </p:spTree>
+    <p:extLst>
+      <p:ext uri="{BB962C8B-B14F-4D97-AF65-F5344CB8AC3E}">
+        <p14:creationId xmlns:p14="http://schemas.microsoft.com/office/powerpoint/2010/main" val="3560782435"/>
+      </p:ext>
+    </p:extLst>
+  </p:cSld>
+  <p:clrMapOvr>
+    <a:masterClrMapping/>
+  </p:clrMapOvr>
+</p:notes>
+</file>
+
+<file path=ppt/notesSlides/notesSlide13.xml><?xml version="1.0" encoding="utf-8"?>
+<p:notes xmlns:a="http://schemas.openxmlformats.org/drawingml/2006/main" xmlns:r="http://schemas.openxmlformats.org/officeDocument/2006/relationships" xmlns:p="http://schemas.openxmlformats.org/presentationml/2006/main">
+  <p:cSld>
+    <p:spTree>
+      <p:nvGrpSpPr>
+        <p:cNvPr id="1" name=""/>
+        <p:cNvGrpSpPr/>
+        <p:nvPr/>
+      </p:nvGrpSpPr>
+      <p:grpSpPr>
+        <a:xfrm>
+          <a:off x="0" y="0"/>
+          <a:ext cx="0" cy="0"/>
+          <a:chOff x="0" y="0"/>
+          <a:chExt cx="0" cy="0"/>
+        </a:xfrm>
+      </p:grpSpPr>
+      <p:sp>
+        <p:nvSpPr>
+          <p:cNvPr id="2" name="Folienbildplatzhalter 1"/>
+          <p:cNvSpPr>
+            <a:spLocks noGrp="1" noRot="1" noChangeAspect="1"/>
+          </p:cNvSpPr>
+          <p:nvPr>
+            <p:ph type="sldImg"/>
+          </p:nvPr>
+        </p:nvSpPr>
+        <p:spPr/>
+      </p:sp>
+      <p:sp>
+        <p:nvSpPr>
+          <p:cNvPr id="3" name="Notizenplatzhalter 2"/>
+          <p:cNvSpPr>
+            <a:spLocks noGrp="1"/>
+          </p:cNvSpPr>
+          <p:nvPr>
+            <p:ph type="body" idx="1"/>
+          </p:nvPr>
+        </p:nvSpPr>
+        <p:spPr/>
+        <p:txBody>
+          <a:bodyPr/>
+          <a:lstStyle/>
+          <a:p>
+            <a:r>
+              <a:rPr lang="de-DE" dirty="0" smtClean="0"/>
+              <a:t>Bildquellen</a:t>
+            </a:r>
+            <a:endParaRPr lang="de-DE" dirty="0"/>
+          </a:p>
+        </p:txBody>
+      </p:sp>
+      <p:sp>
+        <p:nvSpPr>
+          <p:cNvPr id="4" name="Foliennummernplatzhalter 3"/>
+          <p:cNvSpPr>
+            <a:spLocks noGrp="1"/>
+          </p:cNvSpPr>
+          <p:nvPr>
+            <p:ph type="sldNum" sz="quarter" idx="10"/>
+          </p:nvPr>
+        </p:nvSpPr>
+        <p:spPr/>
+        <p:txBody>
+          <a:bodyPr/>
+          <a:lstStyle/>
+          <a:p>
+            <a:fld id="{810D4865-68C4-459E-8CFF-E7E8DA057A3D}" type="slidenum">
+              <a:rPr lang="de-DE" smtClean="0"/>
+              <a:t>23</a:t>
             </a:fld>
             <a:endParaRPr lang="de-DE"/>
           </a:p>
@@ -1127,44 +1227,6 @@
           <a:bodyPr/>
           <a:lstStyle/>
           <a:p>
-            <a:r>
-              <a:rPr lang="de-DE" dirty="0" smtClean="0"/>
-              <a:t>Legobauen</a:t>
-            </a:r>
-          </a:p>
-          <a:p>
-            <a:r>
-              <a:rPr lang="de-DE" dirty="0" smtClean="0"/>
-              <a:t>Verschiedene</a:t>
-            </a:r>
-            <a:r>
-              <a:rPr lang="de-DE" baseline="0" dirty="0" smtClean="0"/>
-              <a:t> Längen</a:t>
-            </a:r>
-          </a:p>
-          <a:p>
-            <a:r>
-              <a:rPr lang="de-DE" baseline="0" dirty="0" smtClean="0"/>
-              <a:t>Jede Reihe gleiche Anzahl Klötzchen</a:t>
-            </a:r>
-          </a:p>
-          <a:p>
-            <a:r>
-              <a:rPr lang="de-DE" baseline="0" dirty="0" smtClean="0"/>
-              <a:t>Längen 1 bis n</a:t>
-            </a:r>
-          </a:p>
-          <a:p>
-            <a:r>
-              <a:rPr lang="de-DE" baseline="0" dirty="0" smtClean="0"/>
-              <a:t>Nie zwei Fugen überlappen</a:t>
-            </a:r>
-          </a:p>
-          <a:p>
-            <a:r>
-              <a:rPr lang="de-DE" baseline="0" dirty="0" smtClean="0"/>
-              <a:t>Mauer möglichst hoch</a:t>
-            </a:r>
             <a:endParaRPr lang="de-DE" dirty="0"/>
           </a:p>
         </p:txBody>
@@ -1186,7 +1248,7 @@
           <a:p>
             <a:fld id="{810D4865-68C4-459E-8CFF-E7E8DA057A3D}" type="slidenum">
               <a:rPr lang="de-DE" smtClean="0"/>
-              <a:t>5</a:t>
+              <a:t>4</a:t>
             </a:fld>
             <a:endParaRPr lang="de-DE"/>
           </a:p>
@@ -1195,7 +1257,7 @@
     </p:spTree>
     <p:extLst>
       <p:ext uri="{BB962C8B-B14F-4D97-AF65-F5344CB8AC3E}">
-        <p14:creationId xmlns:p14="http://schemas.microsoft.com/office/powerpoint/2010/main" val="2625316658"/>
+        <p14:creationId xmlns:p14="http://schemas.microsoft.com/office/powerpoint/2010/main" val="2300730840"/>
       </p:ext>
     </p:extLst>
   </p:cSld>
@@ -1251,17 +1313,41 @@
           <a:p>
             <a:r>
               <a:rPr lang="de-DE" dirty="0" smtClean="0"/>
-              <a:t>Aufgabenstellung</a:t>
+              <a:t>Legobauen</a:t>
             </a:r>
           </a:p>
           <a:p>
             <a:r>
               <a:rPr lang="de-DE" dirty="0" smtClean="0"/>
-              <a:t>Spätere</a:t>
+              <a:t>Verschiedene</a:t>
             </a:r>
             <a:r>
               <a:rPr lang="de-DE" baseline="0" dirty="0" smtClean="0"/>
-              <a:t> Kontrolle</a:t>
+              <a:t> Längen</a:t>
+            </a:r>
+          </a:p>
+          <a:p>
+            <a:r>
+              <a:rPr lang="de-DE" baseline="0" dirty="0" smtClean="0"/>
+              <a:t>Jede Reihe gleiche Anzahl Klötzchen</a:t>
+            </a:r>
+          </a:p>
+          <a:p>
+            <a:r>
+              <a:rPr lang="de-DE" baseline="0" dirty="0" smtClean="0"/>
+              <a:t>Längen 1 bis n</a:t>
+            </a:r>
+          </a:p>
+          <a:p>
+            <a:r>
+              <a:rPr lang="de-DE" baseline="0" dirty="0" smtClean="0"/>
+              <a:t>Nie zwei Fugen überlappen</a:t>
+            </a:r>
+          </a:p>
+          <a:p>
+            <a:r>
+              <a:rPr lang="de-DE" baseline="0" dirty="0" smtClean="0"/>
+              <a:t>Mauer möglichst hoch</a:t>
             </a:r>
             <a:endParaRPr lang="de-DE" dirty="0"/>
           </a:p>
@@ -1284,7 +1370,7 @@
           <a:p>
             <a:fld id="{810D4865-68C4-459E-8CFF-E7E8DA057A3D}" type="slidenum">
               <a:rPr lang="de-DE" smtClean="0"/>
-              <a:t>6</a:t>
+              <a:t>5</a:t>
             </a:fld>
             <a:endParaRPr lang="de-DE"/>
           </a:p>
@@ -1293,7 +1379,7 @@
     </p:spTree>
     <p:extLst>
       <p:ext uri="{BB962C8B-B14F-4D97-AF65-F5344CB8AC3E}">
-        <p14:creationId xmlns:p14="http://schemas.microsoft.com/office/powerpoint/2010/main" val="15491925"/>
+        <p14:creationId xmlns:p14="http://schemas.microsoft.com/office/powerpoint/2010/main" val="2625316658"/>
       </p:ext>
     </p:extLst>
   </p:cSld>
@@ -1349,17 +1435,17 @@
           <a:p>
             <a:r>
               <a:rPr lang="de-DE" dirty="0" smtClean="0"/>
-              <a:t>Nur Stellen zwischen Klötzchen.</a:t>
-            </a:r>
-          </a:p>
-          <a:p>
-            <a:r>
-              <a:rPr lang="de-DE" b="1" dirty="0" smtClean="0"/>
-              <a:t>NICHT</a:t>
+              <a:t>Aufgabenstellung</a:t>
+            </a:r>
+          </a:p>
+          <a:p>
+            <a:r>
+              <a:rPr lang="de-DE" dirty="0" smtClean="0"/>
+              <a:t>Spätere</a:t>
             </a:r>
             <a:r>
               <a:rPr lang="de-DE" baseline="0" dirty="0" smtClean="0"/>
-              <a:t> Anfang und Ende!</a:t>
+              <a:t> Kontrolle</a:t>
             </a:r>
             <a:endParaRPr lang="de-DE" dirty="0"/>
           </a:p>
@@ -1382,7 +1468,7 @@
           <a:p>
             <a:fld id="{810D4865-68C4-459E-8CFF-E7E8DA057A3D}" type="slidenum">
               <a:rPr lang="de-DE" smtClean="0"/>
-              <a:t>7</a:t>
+              <a:t>6</a:t>
             </a:fld>
             <a:endParaRPr lang="de-DE"/>
           </a:p>
@@ -1391,7 +1477,7 @@
     </p:spTree>
     <p:extLst>
       <p:ext uri="{BB962C8B-B14F-4D97-AF65-F5344CB8AC3E}">
-        <p14:creationId xmlns:p14="http://schemas.microsoft.com/office/powerpoint/2010/main" val="4165224077"/>
+        <p14:creationId xmlns:p14="http://schemas.microsoft.com/office/powerpoint/2010/main" val="15491925"/>
       </p:ext>
     </p:extLst>
   </p:cSld>
@@ -1446,14 +1532,18 @@
           <a:lstStyle/>
           <a:p>
             <a:r>
+              <a:rPr lang="de-DE" dirty="0" smtClean="0"/>
+              <a:t>Nur Stellen zwischen Klötzchen.</a:t>
+            </a:r>
+          </a:p>
+          <a:p>
+            <a:r>
               <a:rPr lang="de-DE" b="1" dirty="0" smtClean="0"/>
-              <a:t>Aufgabe</a:t>
-            </a:r>
-          </a:p>
-          <a:p>
-            <a:r>
-              <a:rPr lang="de-DE" dirty="0" smtClean="0"/>
-              <a:t>Mauer N = 4</a:t>
+              <a:t>NICHT</a:t>
+            </a:r>
+            <a:r>
+              <a:rPr lang="de-DE" baseline="0" dirty="0" smtClean="0"/>
+              <a:t> Anfang und Ende!</a:t>
             </a:r>
             <a:endParaRPr lang="de-DE" dirty="0"/>
           </a:p>
@@ -1476,7 +1566,7 @@
           <a:p>
             <a:fld id="{810D4865-68C4-459E-8CFF-E7E8DA057A3D}" type="slidenum">
               <a:rPr lang="de-DE" smtClean="0"/>
-              <a:t>10</a:t>
+              <a:t>7</a:t>
             </a:fld>
             <a:endParaRPr lang="de-DE"/>
           </a:p>
@@ -1485,7 +1575,7 @@
     </p:spTree>
     <p:extLst>
       <p:ext uri="{BB962C8B-B14F-4D97-AF65-F5344CB8AC3E}">
-        <p14:creationId xmlns:p14="http://schemas.microsoft.com/office/powerpoint/2010/main" val="2311558552"/>
+        <p14:creationId xmlns:p14="http://schemas.microsoft.com/office/powerpoint/2010/main" val="4165224077"/>
       </p:ext>
     </p:extLst>
   </p:cSld>
@@ -1540,12 +1630,14 @@
           <a:lstStyle/>
           <a:p>
             <a:r>
+              <a:rPr lang="de-DE" b="1" dirty="0" smtClean="0"/>
+              <a:t>Aufgabe</a:t>
+            </a:r>
+          </a:p>
+          <a:p>
+            <a:r>
               <a:rPr lang="de-DE" dirty="0" smtClean="0"/>
-              <a:t>(Wenn</a:t>
-            </a:r>
-            <a:r>
-              <a:rPr lang="de-DE" baseline="0" dirty="0" smtClean="0"/>
-              <a:t> halt nix mehr geht) – würde Computer nicht weiterhelfen…</a:t>
+              <a:t>Mauer N = 4</a:t>
             </a:r>
             <a:endParaRPr lang="de-DE" dirty="0"/>
           </a:p>
@@ -1568,7 +1660,7 @@
           <a:p>
             <a:fld id="{810D4865-68C4-459E-8CFF-E7E8DA057A3D}" type="slidenum">
               <a:rPr lang="de-DE" smtClean="0"/>
-              <a:t>12</a:t>
+              <a:t>10</a:t>
             </a:fld>
             <a:endParaRPr lang="de-DE"/>
           </a:p>
@@ -1577,7 +1669,7 @@
     </p:spTree>
     <p:extLst>
       <p:ext uri="{BB962C8B-B14F-4D97-AF65-F5344CB8AC3E}">
-        <p14:creationId xmlns:p14="http://schemas.microsoft.com/office/powerpoint/2010/main" val="1652306734"/>
+        <p14:creationId xmlns:p14="http://schemas.microsoft.com/office/powerpoint/2010/main" val="2311558552"/>
       </p:ext>
     </p:extLst>
   </p:cSld>
@@ -1633,17 +1725,11 @@
           <a:p>
             <a:r>
               <a:rPr lang="de-DE" dirty="0" smtClean="0"/>
-              <a:t>f (10) = 6</a:t>
-            </a:r>
-          </a:p>
-          <a:p>
-            <a:r>
-              <a:rPr lang="de-DE" dirty="0" smtClean="0"/>
-              <a:t>f (3) ≈ 2,5</a:t>
+              <a:t>(Wenn</a:t>
             </a:r>
             <a:r>
               <a:rPr lang="de-DE" baseline="0" dirty="0" smtClean="0"/>
-              <a:t>   =&gt; ABRUNDEN</a:t>
+              <a:t> halt nix mehr geht) – würde Computer nicht weiterhelfen…</a:t>
             </a:r>
             <a:endParaRPr lang="de-DE" dirty="0"/>
           </a:p>
@@ -1666,7 +1752,7 @@
           <a:p>
             <a:fld id="{810D4865-68C4-459E-8CFF-E7E8DA057A3D}" type="slidenum">
               <a:rPr lang="de-DE" smtClean="0"/>
-              <a:t>17</a:t>
+              <a:t>12</a:t>
             </a:fld>
             <a:endParaRPr lang="de-DE"/>
           </a:p>
@@ -1675,7 +1761,7 @@
     </p:spTree>
     <p:extLst>
       <p:ext uri="{BB962C8B-B14F-4D97-AF65-F5344CB8AC3E}">
-        <p14:creationId xmlns:p14="http://schemas.microsoft.com/office/powerpoint/2010/main" val="1198197340"/>
+        <p14:creationId xmlns:p14="http://schemas.microsoft.com/office/powerpoint/2010/main" val="1652306734"/>
       </p:ext>
     </p:extLst>
   </p:cSld>
@@ -16912,8 +16998,8 @@
           </a:p>
         </p:txBody>
       </p:sp>
-      <mc:AlternateContent xmlns:mc="http://schemas.openxmlformats.org/markup-compatibility/2006">
-        <mc:Choice xmlns:a14="http://schemas.microsoft.com/office/drawing/2010/main" Requires="a14">
+      <mc:AlternateContent xmlns:mc="http://schemas.openxmlformats.org/markup-compatibility/2006" xmlns:a14="http://schemas.microsoft.com/office/drawing/2010/main">
+        <mc:Choice Requires="a14">
           <p:sp>
             <p:nvSpPr>
               <p:cNvPr id="14" name="Textfeld 13"/>
@@ -16936,6 +17022,7 @@
               </a:bodyPr>
               <a:lstStyle/>
               <a:p>
+                <a:pPr/>
                 <a14:m>
                   <m:oMathPara xmlns:m="http://schemas.openxmlformats.org/officeDocument/2006/math">
                     <m:oMathParaPr>
@@ -17029,7 +17116,7 @@
             </p:txBody>
           </p:sp>
         </mc:Choice>
-        <mc:Fallback>
+        <mc:Fallback xmlns="">
           <p:sp>
             <p:nvSpPr>
               <p:cNvPr id="14" name="Textfeld 13"/>
@@ -18755,6 +18842,46 @@
           </a:p>
         </p:txBody>
       </p:sp>
+      <p:sp>
+        <p:nvSpPr>
+          <p:cNvPr id="9" name="Pfeil nach oben 8"/>
+          <p:cNvSpPr/>
+          <p:nvPr/>
+        </p:nvSpPr>
+        <p:spPr>
+          <a:xfrm>
+            <a:off x="4754940" y="4398708"/>
+            <a:ext cx="220717" cy="359184"/>
+          </a:xfrm>
+          <a:prstGeom prst="upArrow">
+            <a:avLst/>
+          </a:prstGeom>
+        </p:spPr>
+        <p:style>
+          <a:lnRef idx="2">
+            <a:schemeClr val="accent1">
+              <a:shade val="50000"/>
+            </a:schemeClr>
+          </a:lnRef>
+          <a:fillRef idx="1">
+            <a:schemeClr val="accent1"/>
+          </a:fillRef>
+          <a:effectRef idx="0">
+            <a:schemeClr val="accent1"/>
+          </a:effectRef>
+          <a:fontRef idx="minor">
+            <a:schemeClr val="lt1"/>
+          </a:fontRef>
+        </p:style>
+        <p:txBody>
+          <a:bodyPr rtlCol="0" anchor="ctr"/>
+          <a:lstStyle/>
+          <a:p>
+            <a:pPr algn="ctr"/>
+            <a:endParaRPr lang="de-DE"/>
+          </a:p>
+        </p:txBody>
+      </p:sp>
     </p:spTree>
     <p:extLst>
       <p:ext uri="{BB962C8B-B14F-4D97-AF65-F5344CB8AC3E}">
@@ -19175,7 +19302,7 @@
                             </p:stCondLst>
                             <p:childTnLst>
                               <p:par>
-                                <p:cTn id="37" presetID="1" presetClass="entr" presetSubtype="0" fill="hold" nodeType="clickEffect">
+                                <p:cTn id="37" presetID="22" presetClass="entr" presetSubtype="4" fill="hold" grpId="0" nodeType="clickEffect">
                                   <p:stCondLst>
                                     <p:cond delay="0"/>
                                   </p:stCondLst>
@@ -19183,6 +19310,41 @@
                                     <p:set>
                                       <p:cBhvr>
                                         <p:cTn id="38" dur="1" fill="hold">
+                                          <p:stCondLst>
+                                            <p:cond delay="0"/>
+                                          </p:stCondLst>
+                                        </p:cTn>
+                                        <p:tgtEl>
+                                          <p:spTgt spid="9"/>
+                                        </p:tgtEl>
+                                        <p:attrNameLst>
+                                          <p:attrName>style.visibility</p:attrName>
+                                        </p:attrNameLst>
+                                      </p:cBhvr>
+                                      <p:to>
+                                        <p:strVal val="visible"/>
+                                      </p:to>
+                                    </p:set>
+                                    <p:animEffect transition="in" filter="wipe(down)">
+                                      <p:cBhvr>
+                                        <p:cTn id="39" dur="500"/>
+                                        <p:tgtEl>
+                                          <p:spTgt spid="9"/>
+                                        </p:tgtEl>
+                                      </p:cBhvr>
+                                    </p:animEffect>
+                                  </p:childTnLst>
+                                </p:cTn>
+                              </p:par>
+                              <p:par>
+                                <p:cTn id="40" presetID="1" presetClass="entr" presetSubtype="0" fill="hold" nodeType="withEffect">
+                                  <p:stCondLst>
+                                    <p:cond delay="0"/>
+                                  </p:stCondLst>
+                                  <p:childTnLst>
+                                    <p:set>
+                                      <p:cBhvr>
+                                        <p:cTn id="41" dur="1" fill="hold">
                                           <p:stCondLst>
                                             <p:cond delay="0"/>
                                           </p:stCondLst>
@@ -19208,26 +19370,26 @@
                     </p:cTn>
                   </p:par>
                   <p:par>
-                    <p:cTn id="39" fill="hold">
+                    <p:cTn id="42" fill="hold">
                       <p:stCondLst>
                         <p:cond delay="indefinite"/>
                       </p:stCondLst>
                       <p:childTnLst>
                         <p:par>
-                          <p:cTn id="40" fill="hold">
+                          <p:cTn id="43" fill="hold">
                             <p:stCondLst>
                               <p:cond delay="0"/>
                             </p:stCondLst>
                             <p:childTnLst>
                               <p:par>
-                                <p:cTn id="41" presetID="10" presetClass="entr" presetSubtype="0" fill="hold" grpId="0" nodeType="clickEffect">
+                                <p:cTn id="44" presetID="10" presetClass="entr" presetSubtype="0" fill="hold" grpId="0" nodeType="clickEffect">
                                   <p:stCondLst>
                                     <p:cond delay="0"/>
                                   </p:stCondLst>
                                   <p:childTnLst>
                                     <p:set>
                                       <p:cBhvr>
-                                        <p:cTn id="42" dur="1" fill="hold">
+                                        <p:cTn id="45" dur="1" fill="hold">
                                           <p:stCondLst>
                                             <p:cond delay="0"/>
                                           </p:stCondLst>
@@ -19245,7 +19407,7 @@
                                     </p:set>
                                     <p:animEffect transition="in" filter="fade">
                                       <p:cBhvr>
-                                        <p:cTn id="43" dur="500"/>
+                                        <p:cTn id="46" dur="500"/>
                                         <p:tgtEl>
                                           <p:spTgt spid="8"/>
                                         </p:tgtEl>
@@ -19286,6 +19448,7 @@
       <p:bldP spid="4" grpId="0" animBg="1"/>
       <p:bldP spid="5" grpId="0"/>
       <p:bldP spid="8" grpId="0" animBg="1"/>
+      <p:bldP spid="9" grpId="0" animBg="1"/>
     </p:bldLst>
   </p:timing>
 </p:sld>
@@ -19310,6 +19473,1903 @@
       </p:grpSpPr>
       <p:sp>
         <p:nvSpPr>
+          <p:cNvPr id="2" name="Titel 1"/>
+          <p:cNvSpPr>
+            <a:spLocks noGrp="1"/>
+          </p:cNvSpPr>
+          <p:nvPr>
+            <p:ph type="title"/>
+          </p:nvPr>
+        </p:nvSpPr>
+        <p:spPr/>
+        <p:txBody>
+          <a:bodyPr>
+            <a:normAutofit/>
+          </a:bodyPr>
+          <a:lstStyle/>
+          <a:p>
+            <a:r>
+              <a:rPr lang="de-DE" sz="4000" dirty="0" smtClean="0"/>
+              <a:t>Anzahl Mauer Variationen</a:t>
+            </a:r>
+            <a:endParaRPr lang="de-DE" sz="4000" dirty="0"/>
+          </a:p>
+        </p:txBody>
+      </p:sp>
+      <p:sp>
+        <p:nvSpPr>
+          <p:cNvPr id="4" name="Rechteck 3"/>
+          <p:cNvSpPr/>
+          <p:nvPr/>
+        </p:nvSpPr>
+        <p:spPr>
+          <a:xfrm>
+            <a:off x="1261872" y="2848302"/>
+            <a:ext cx="998483" cy="525518"/>
+          </a:xfrm>
+          <a:prstGeom prst="rect">
+            <a:avLst/>
+          </a:prstGeom>
+        </p:spPr>
+        <p:style>
+          <a:lnRef idx="2">
+            <a:schemeClr val="accent1">
+              <a:shade val="50000"/>
+            </a:schemeClr>
+          </a:lnRef>
+          <a:fillRef idx="1">
+            <a:schemeClr val="accent1"/>
+          </a:fillRef>
+          <a:effectRef idx="0">
+            <a:schemeClr val="accent1"/>
+          </a:effectRef>
+          <a:fontRef idx="minor">
+            <a:schemeClr val="lt1"/>
+          </a:fontRef>
+        </p:style>
+        <p:txBody>
+          <a:bodyPr rtlCol="0" anchor="ctr"/>
+          <a:lstStyle/>
+          <a:p>
+            <a:pPr algn="ctr"/>
+            <a:endParaRPr lang="de-DE"/>
+          </a:p>
+        </p:txBody>
+      </p:sp>
+      <p:sp>
+        <p:nvSpPr>
+          <p:cNvPr id="5" name="Rechteck 4"/>
+          <p:cNvSpPr/>
+          <p:nvPr/>
+        </p:nvSpPr>
+        <p:spPr>
+          <a:xfrm>
+            <a:off x="2260355" y="2848302"/>
+            <a:ext cx="998483" cy="525518"/>
+          </a:xfrm>
+          <a:prstGeom prst="rect">
+            <a:avLst/>
+          </a:prstGeom>
+        </p:spPr>
+        <p:style>
+          <a:lnRef idx="2">
+            <a:schemeClr val="accent2">
+              <a:shade val="50000"/>
+            </a:schemeClr>
+          </a:lnRef>
+          <a:fillRef idx="1">
+            <a:schemeClr val="accent2"/>
+          </a:fillRef>
+          <a:effectRef idx="0">
+            <a:schemeClr val="accent2"/>
+          </a:effectRef>
+          <a:fontRef idx="minor">
+            <a:schemeClr val="lt1"/>
+          </a:fontRef>
+        </p:style>
+        <p:txBody>
+          <a:bodyPr rtlCol="0" anchor="ctr"/>
+          <a:lstStyle/>
+          <a:p>
+            <a:pPr algn="ctr"/>
+            <a:endParaRPr lang="de-DE"/>
+          </a:p>
+        </p:txBody>
+      </p:sp>
+      <p:sp>
+        <p:nvSpPr>
+          <p:cNvPr id="6" name="Rechteck 5"/>
+          <p:cNvSpPr/>
+          <p:nvPr/>
+        </p:nvSpPr>
+        <p:spPr>
+          <a:xfrm>
+            <a:off x="1261872" y="2322784"/>
+            <a:ext cx="998483" cy="525518"/>
+          </a:xfrm>
+          <a:prstGeom prst="rect">
+            <a:avLst/>
+          </a:prstGeom>
+        </p:spPr>
+        <p:style>
+          <a:lnRef idx="2">
+            <a:schemeClr val="accent3">
+              <a:shade val="50000"/>
+            </a:schemeClr>
+          </a:lnRef>
+          <a:fillRef idx="1">
+            <a:schemeClr val="accent3"/>
+          </a:fillRef>
+          <a:effectRef idx="0">
+            <a:schemeClr val="accent3"/>
+          </a:effectRef>
+          <a:fontRef idx="minor">
+            <a:schemeClr val="lt1"/>
+          </a:fontRef>
+        </p:style>
+        <p:txBody>
+          <a:bodyPr rtlCol="0" anchor="ctr"/>
+          <a:lstStyle/>
+          <a:p>
+            <a:pPr algn="ctr"/>
+            <a:endParaRPr lang="de-DE"/>
+          </a:p>
+        </p:txBody>
+      </p:sp>
+      <p:sp>
+        <p:nvSpPr>
+          <p:cNvPr id="7" name="Rechteck 6"/>
+          <p:cNvSpPr/>
+          <p:nvPr/>
+        </p:nvSpPr>
+        <p:spPr>
+          <a:xfrm>
+            <a:off x="2260355" y="2322784"/>
+            <a:ext cx="998483" cy="525518"/>
+          </a:xfrm>
+          <a:prstGeom prst="rect">
+            <a:avLst/>
+          </a:prstGeom>
+        </p:spPr>
+        <p:style>
+          <a:lnRef idx="2">
+            <a:schemeClr val="accent5">
+              <a:shade val="50000"/>
+            </a:schemeClr>
+          </a:lnRef>
+          <a:fillRef idx="1">
+            <a:schemeClr val="accent5"/>
+          </a:fillRef>
+          <a:effectRef idx="0">
+            <a:schemeClr val="accent5"/>
+          </a:effectRef>
+          <a:fontRef idx="minor">
+            <a:schemeClr val="lt1"/>
+          </a:fontRef>
+        </p:style>
+        <p:txBody>
+          <a:bodyPr rtlCol="0" anchor="ctr"/>
+          <a:lstStyle/>
+          <a:p>
+            <a:pPr algn="ctr"/>
+            <a:endParaRPr lang="de-DE"/>
+          </a:p>
+        </p:txBody>
+      </p:sp>
+      <p:sp>
+        <p:nvSpPr>
+          <p:cNvPr id="8" name="Textfeld 7"/>
+          <p:cNvSpPr txBox="1"/>
+          <p:nvPr/>
+        </p:nvSpPr>
+        <p:spPr>
+          <a:xfrm>
+            <a:off x="4498428" y="2400877"/>
+            <a:ext cx="2102069" cy="369332"/>
+          </a:xfrm>
+          <a:prstGeom prst="rect">
+            <a:avLst/>
+          </a:prstGeom>
+          <a:noFill/>
+        </p:spPr>
+        <p:txBody>
+          <a:bodyPr wrap="square" rtlCol="0">
+            <a:spAutoFit/>
+          </a:bodyPr>
+          <a:lstStyle/>
+          <a:p>
+            <a:r>
+              <a:rPr lang="de-DE" dirty="0" smtClean="0"/>
+              <a:t>2! = 2 Variationen</a:t>
+            </a:r>
+            <a:endParaRPr lang="de-DE" dirty="0"/>
+          </a:p>
+        </p:txBody>
+      </p:sp>
+      <mc:AlternateContent xmlns:mc="http://schemas.openxmlformats.org/markup-compatibility/2006">
+        <mc:Choice xmlns:a14="http://schemas.microsoft.com/office/drawing/2010/main" Requires="a14">
+          <p:sp>
+            <p:nvSpPr>
+              <p:cNvPr id="9" name="Textfeld 8"/>
+              <p:cNvSpPr txBox="1"/>
+              <p:nvPr/>
+            </p:nvSpPr>
+            <p:spPr>
+              <a:xfrm>
+                <a:off x="4424854" y="2973710"/>
+                <a:ext cx="2410468" cy="400110"/>
+              </a:xfrm>
+              <a:prstGeom prst="rect">
+                <a:avLst/>
+              </a:prstGeom>
+              <a:noFill/>
+            </p:spPr>
+            <p:txBody>
+              <a:bodyPr wrap="none" rtlCol="0">
+                <a:spAutoFit/>
+              </a:bodyPr>
+              <a:lstStyle/>
+              <a:p>
+                <a14:m>
+                  <m:oMathPara xmlns:m="http://schemas.openxmlformats.org/officeDocument/2006/math">
+                    <m:oMathParaPr>
+                      <m:jc m:val="centerGroup"/>
+                    </m:oMathParaPr>
+                    <m:oMath xmlns:m="http://schemas.openxmlformats.org/officeDocument/2006/math">
+                      <m:sSup>
+                        <m:sSupPr>
+                          <m:ctrlPr>
+                            <a:rPr lang="de-DE" sz="2000" i="1" smtClean="0">
+                              <a:latin typeface="Cambria Math" panose="02040503050406030204" pitchFamily="18" charset="0"/>
+                            </a:rPr>
+                          </m:ctrlPr>
+                        </m:sSupPr>
+                        <m:e>
+                          <m:r>
+                            <a:rPr lang="de-DE" sz="2000" b="0" i="1" smtClean="0">
+                              <a:latin typeface="Cambria Math" panose="02040503050406030204" pitchFamily="18" charset="0"/>
+                            </a:rPr>
+                            <m:t>2!</m:t>
+                          </m:r>
+                        </m:e>
+                        <m:sup>
+                          <m:r>
+                            <a:rPr lang="de-DE" sz="2000" b="0" i="1" smtClean="0">
+                              <a:latin typeface="Cambria Math" panose="02040503050406030204" pitchFamily="18" charset="0"/>
+                            </a:rPr>
+                            <m:t>2</m:t>
+                          </m:r>
+                        </m:sup>
+                      </m:sSup>
+                      <m:r>
+                        <a:rPr lang="de-DE" sz="2000" b="0" i="0" smtClean="0">
+                          <a:latin typeface="Cambria Math" panose="02040503050406030204" pitchFamily="18" charset="0"/>
+                        </a:rPr>
+                        <m:t>=4 </m:t>
+                      </m:r>
+                      <m:r>
+                        <m:rPr>
+                          <m:sty m:val="p"/>
+                        </m:rPr>
+                        <a:rPr lang="de-DE" sz="2000" b="0" i="0" smtClean="0">
+                          <a:latin typeface="Cambria Math" panose="02040503050406030204" pitchFamily="18" charset="0"/>
+                        </a:rPr>
+                        <m:t>Variationen</m:t>
+                      </m:r>
+                    </m:oMath>
+                  </m:oMathPara>
+                </a14:m>
+                <a:endParaRPr lang="de-DE" dirty="0"/>
+              </a:p>
+            </p:txBody>
+          </p:sp>
+        </mc:Choice>
+        <mc:Fallback>
+          <p:sp>
+            <p:nvSpPr>
+              <p:cNvPr id="9" name="Textfeld 8"/>
+              <p:cNvSpPr txBox="1">
+                <a:spLocks noRot="1" noChangeAspect="1" noMove="1" noResize="1" noEditPoints="1" noAdjustHandles="1" noChangeArrowheads="1" noChangeShapeType="1" noTextEdit="1"/>
+              </p:cNvSpPr>
+              <p:nvPr/>
+            </p:nvSpPr>
+            <p:spPr>
+              <a:xfrm>
+                <a:off x="4424854" y="2973710"/>
+                <a:ext cx="2410468" cy="400110"/>
+              </a:xfrm>
+              <a:prstGeom prst="rect">
+                <a:avLst/>
+              </a:prstGeom>
+              <a:blipFill rotWithShape="0">
+                <a:blip r:embed="rId2"/>
+                <a:stretch>
+                  <a:fillRect/>
+                </a:stretch>
+              </a:blipFill>
+            </p:spPr>
+            <p:txBody>
+              <a:bodyPr/>
+              <a:lstStyle/>
+              <a:p>
+                <a:r>
+                  <a:rPr lang="de-DE">
+                    <a:noFill/>
+                  </a:rPr>
+                  <a:t> </a:t>
+                </a:r>
+              </a:p>
+            </p:txBody>
+          </p:sp>
+        </mc:Fallback>
+      </mc:AlternateContent>
+      <mc:AlternateContent xmlns:mc="http://schemas.openxmlformats.org/markup-compatibility/2006">
+        <mc:Choice xmlns:a14="http://schemas.microsoft.com/office/drawing/2010/main" Requires="a14">
+          <p:sp>
+            <p:nvSpPr>
+              <p:cNvPr id="11" name="Textfeld 10"/>
+              <p:cNvSpPr txBox="1"/>
+              <p:nvPr/>
+            </p:nvSpPr>
+            <p:spPr>
+              <a:xfrm>
+                <a:off x="4024153" y="3577321"/>
+                <a:ext cx="6930359" cy="410112"/>
+              </a:xfrm>
+              <a:prstGeom prst="rect">
+                <a:avLst/>
+              </a:prstGeom>
+              <a:noFill/>
+            </p:spPr>
+            <p:txBody>
+              <a:bodyPr wrap="none" rtlCol="0">
+                <a:spAutoFit/>
+              </a:bodyPr>
+              <a:lstStyle/>
+              <a:p>
+                <a14:m>
+                  <m:oMathPara xmlns:m="http://schemas.openxmlformats.org/officeDocument/2006/math">
+                    <m:oMathParaPr>
+                      <m:jc m:val="centerGroup"/>
+                    </m:oMathParaPr>
+                    <m:oMath xmlns:m="http://schemas.openxmlformats.org/officeDocument/2006/math">
+                      <m:sSup>
+                        <m:sSupPr>
+                          <m:ctrlPr>
+                            <a:rPr lang="de-DE" sz="2000" i="1" smtClean="0">
+                              <a:latin typeface="Cambria Math" panose="02040503050406030204" pitchFamily="18" charset="0"/>
+                            </a:rPr>
+                          </m:ctrlPr>
+                        </m:sSupPr>
+                        <m:e>
+                          <m:r>
+                            <a:rPr lang="de-DE" sz="2000" b="0" i="1" smtClean="0">
+                              <a:latin typeface="Cambria Math" panose="02040503050406030204" pitchFamily="18" charset="0"/>
+                            </a:rPr>
+                            <m:t>𝑉𝑎𝑟𝑖𝑎𝑡𝑖𝑜𝑛𝑒𝑛</m:t>
+                          </m:r>
+                          <m:r>
+                            <a:rPr lang="de-DE" sz="2000" b="0" i="1" smtClean="0">
+                              <a:latin typeface="Cambria Math" panose="02040503050406030204" pitchFamily="18" charset="0"/>
+                            </a:rPr>
+                            <m:t>=</m:t>
+                          </m:r>
+                          <m:d>
+                            <m:dPr>
+                              <m:ctrlPr>
+                                <a:rPr lang="de-DE" sz="2000" b="0" i="1" smtClean="0">
+                                  <a:latin typeface="Cambria Math" panose="02040503050406030204" pitchFamily="18" charset="0"/>
+                                </a:rPr>
+                              </m:ctrlPr>
+                            </m:dPr>
+                            <m:e>
+                              <m:r>
+                                <a:rPr lang="de-DE" sz="2000" b="0" i="1" smtClean="0">
+                                  <a:latin typeface="Cambria Math" panose="02040503050406030204" pitchFamily="18" charset="0"/>
+                                </a:rPr>
+                                <m:t>𝐴𝑛𝑧𝑎h𝑙</m:t>
+                              </m:r>
+                              <m:r>
+                                <a:rPr lang="de-DE" sz="2000" b="0" i="1" smtClean="0">
+                                  <a:latin typeface="Cambria Math" panose="02040503050406030204" pitchFamily="18" charset="0"/>
+                                </a:rPr>
+                                <m:t> </m:t>
+                              </m:r>
+                              <m:r>
+                                <a:rPr lang="de-DE" sz="2000" b="0" i="1" smtClean="0">
+                                  <a:latin typeface="Cambria Math" panose="02040503050406030204" pitchFamily="18" charset="0"/>
+                                </a:rPr>
+                                <m:t>𝐸𝑙𝑒𝑚𝑒𝑛𝑡𝑒</m:t>
+                              </m:r>
+                              <m:r>
+                                <a:rPr lang="de-DE" sz="2000" b="0" i="1" smtClean="0">
+                                  <a:latin typeface="Cambria Math" panose="02040503050406030204" pitchFamily="18" charset="0"/>
+                                </a:rPr>
+                                <m:t> </m:t>
+                              </m:r>
+                              <m:r>
+                                <a:rPr lang="de-DE" sz="2000" b="0" i="1" smtClean="0">
+                                  <a:latin typeface="Cambria Math" panose="02040503050406030204" pitchFamily="18" charset="0"/>
+                                </a:rPr>
+                                <m:t>𝑖𝑛</m:t>
+                              </m:r>
+                              <m:r>
+                                <a:rPr lang="de-DE" sz="2000" b="0" i="1" smtClean="0">
+                                  <a:latin typeface="Cambria Math" panose="02040503050406030204" pitchFamily="18" charset="0"/>
+                                </a:rPr>
+                                <m:t> </m:t>
+                              </m:r>
+                              <m:r>
+                                <a:rPr lang="de-DE" sz="2000" b="0" i="1" smtClean="0">
+                                  <a:latin typeface="Cambria Math" panose="02040503050406030204" pitchFamily="18" charset="0"/>
+                                </a:rPr>
+                                <m:t>𝑅𝑒𝑖h𝑒</m:t>
+                              </m:r>
+                            </m:e>
+                          </m:d>
+                          <m:r>
+                            <a:rPr lang="de-DE" sz="2000" b="0" i="1" smtClean="0">
+                              <a:latin typeface="Cambria Math" panose="02040503050406030204" pitchFamily="18" charset="0"/>
+                            </a:rPr>
+                            <m:t>!</m:t>
+                          </m:r>
+                        </m:e>
+                        <m:sup>
+                          <m:r>
+                            <a:rPr lang="de-DE" sz="2000" b="0" i="1" smtClean="0">
+                              <a:latin typeface="Cambria Math" panose="02040503050406030204" pitchFamily="18" charset="0"/>
+                            </a:rPr>
+                            <m:t>𝐴𝑛𝑧𝑎h𝑙</m:t>
+                          </m:r>
+                          <m:r>
+                            <a:rPr lang="de-DE" sz="2000" b="0" i="1" smtClean="0">
+                              <a:latin typeface="Cambria Math" panose="02040503050406030204" pitchFamily="18" charset="0"/>
+                            </a:rPr>
+                            <m:t> </m:t>
+                          </m:r>
+                          <m:r>
+                            <a:rPr lang="de-DE" sz="2000" b="0" i="1" smtClean="0">
+                              <a:latin typeface="Cambria Math" panose="02040503050406030204" pitchFamily="18" charset="0"/>
+                            </a:rPr>
+                            <m:t>𝑑𝑒𝑟</m:t>
+                          </m:r>
+                          <m:r>
+                            <a:rPr lang="de-DE" sz="2000" b="0" i="1" smtClean="0">
+                              <a:latin typeface="Cambria Math" panose="02040503050406030204" pitchFamily="18" charset="0"/>
+                            </a:rPr>
+                            <m:t> </m:t>
+                          </m:r>
+                          <m:r>
+                            <a:rPr lang="de-DE" sz="2000" b="0" i="1" smtClean="0">
+                              <a:latin typeface="Cambria Math" panose="02040503050406030204" pitchFamily="18" charset="0"/>
+                            </a:rPr>
+                            <m:t>𝑅𝑒𝑖h𝑒𝑛</m:t>
+                          </m:r>
+                        </m:sup>
+                      </m:sSup>
+                    </m:oMath>
+                  </m:oMathPara>
+                </a14:m>
+                <a:endParaRPr lang="de-DE" sz="2000" dirty="0"/>
+              </a:p>
+            </p:txBody>
+          </p:sp>
+        </mc:Choice>
+        <mc:Fallback>
+          <p:sp>
+            <p:nvSpPr>
+              <p:cNvPr id="11" name="Textfeld 10"/>
+              <p:cNvSpPr txBox="1">
+                <a:spLocks noRot="1" noChangeAspect="1" noMove="1" noResize="1" noEditPoints="1" noAdjustHandles="1" noChangeArrowheads="1" noChangeShapeType="1" noTextEdit="1"/>
+              </p:cNvSpPr>
+              <p:nvPr/>
+            </p:nvSpPr>
+            <p:spPr>
+              <a:xfrm>
+                <a:off x="4024153" y="3577321"/>
+                <a:ext cx="6930359" cy="410112"/>
+              </a:xfrm>
+              <a:prstGeom prst="rect">
+                <a:avLst/>
+              </a:prstGeom>
+              <a:blipFill rotWithShape="0">
+                <a:blip r:embed="rId3"/>
+                <a:stretch>
+                  <a:fillRect/>
+                </a:stretch>
+              </a:blipFill>
+            </p:spPr>
+            <p:txBody>
+              <a:bodyPr/>
+              <a:lstStyle/>
+              <a:p>
+                <a:r>
+                  <a:rPr lang="de-DE">
+                    <a:noFill/>
+                  </a:rPr>
+                  <a:t> </a:t>
+                </a:r>
+              </a:p>
+            </p:txBody>
+          </p:sp>
+        </mc:Fallback>
+      </mc:AlternateContent>
+      <p:sp>
+        <p:nvSpPr>
+          <p:cNvPr id="12" name="Textfeld 11"/>
+          <p:cNvSpPr txBox="1"/>
+          <p:nvPr/>
+        </p:nvSpPr>
+        <p:spPr>
+          <a:xfrm>
+            <a:off x="462458" y="4656082"/>
+            <a:ext cx="934871" cy="461665"/>
+          </a:xfrm>
+          <a:prstGeom prst="rect">
+            <a:avLst/>
+          </a:prstGeom>
+          <a:noFill/>
+        </p:spPr>
+        <p:txBody>
+          <a:bodyPr wrap="none" rtlCol="0">
+            <a:spAutoFit/>
+          </a:bodyPr>
+          <a:lstStyle/>
+          <a:p>
+            <a:r>
+              <a:rPr lang="de-DE" sz="2400" b="1" dirty="0" smtClean="0"/>
+              <a:t>n = 6</a:t>
+            </a:r>
+            <a:endParaRPr lang="de-DE" sz="2400" b="1" dirty="0"/>
+          </a:p>
+        </p:txBody>
+      </p:sp>
+      <mc:AlternateContent xmlns:mc="http://schemas.openxmlformats.org/markup-compatibility/2006">
+        <mc:Choice xmlns:a14="http://schemas.microsoft.com/office/drawing/2010/main" Requires="a14">
+          <p:sp>
+            <p:nvSpPr>
+              <p:cNvPr id="13" name="Textfeld 12"/>
+              <p:cNvSpPr txBox="1"/>
+              <p:nvPr/>
+            </p:nvSpPr>
+            <p:spPr>
+              <a:xfrm>
+                <a:off x="462458" y="5229758"/>
+                <a:ext cx="2796791" cy="400110"/>
+              </a:xfrm>
+              <a:prstGeom prst="rect">
+                <a:avLst/>
+              </a:prstGeom>
+              <a:noFill/>
+            </p:spPr>
+            <p:txBody>
+              <a:bodyPr wrap="none" rtlCol="0">
+                <a:spAutoFit/>
+              </a:bodyPr>
+              <a:lstStyle/>
+              <a:p>
+                <a14:m>
+                  <m:oMathPara xmlns:m="http://schemas.openxmlformats.org/officeDocument/2006/math">
+                    <m:oMathParaPr>
+                      <m:jc m:val="centerGroup"/>
+                    </m:oMathParaPr>
+                    <m:oMath xmlns:m="http://schemas.openxmlformats.org/officeDocument/2006/math">
+                      <m:sSup>
+                        <m:sSupPr>
+                          <m:ctrlPr>
+                            <a:rPr lang="de-DE" sz="2000" i="1" smtClean="0">
+                              <a:latin typeface="Cambria Math" panose="02040503050406030204" pitchFamily="18" charset="0"/>
+                            </a:rPr>
+                          </m:ctrlPr>
+                        </m:sSupPr>
+                        <m:e>
+                          <m:r>
+                            <a:rPr lang="de-DE" sz="2000" b="0" i="1" smtClean="0">
+                              <a:latin typeface="Cambria Math" panose="02040503050406030204" pitchFamily="18" charset="0"/>
+                            </a:rPr>
+                            <m:t>6!</m:t>
+                          </m:r>
+                        </m:e>
+                        <m:sup>
+                          <m:r>
+                            <a:rPr lang="de-DE" sz="2000" b="0" i="1" smtClean="0">
+                              <a:latin typeface="Cambria Math" panose="02040503050406030204" pitchFamily="18" charset="0"/>
+                            </a:rPr>
+                            <m:t>4</m:t>
+                          </m:r>
+                        </m:sup>
+                      </m:sSup>
+                      <m:r>
+                        <a:rPr lang="de-DE" sz="2000" b="0" i="1" smtClean="0">
+                          <a:latin typeface="Cambria Math" panose="02040503050406030204" pitchFamily="18" charset="0"/>
+                        </a:rPr>
+                        <m:t>=268.738.560.000</m:t>
+                      </m:r>
+                    </m:oMath>
+                  </m:oMathPara>
+                </a14:m>
+                <a:endParaRPr lang="de-DE" sz="2000" dirty="0"/>
+              </a:p>
+            </p:txBody>
+          </p:sp>
+        </mc:Choice>
+        <mc:Fallback>
+          <p:sp>
+            <p:nvSpPr>
+              <p:cNvPr id="13" name="Textfeld 12"/>
+              <p:cNvSpPr txBox="1">
+                <a:spLocks noRot="1" noChangeAspect="1" noMove="1" noResize="1" noEditPoints="1" noAdjustHandles="1" noChangeArrowheads="1" noChangeShapeType="1" noTextEdit="1"/>
+              </p:cNvSpPr>
+              <p:nvPr/>
+            </p:nvSpPr>
+            <p:spPr>
+              <a:xfrm>
+                <a:off x="462458" y="5229758"/>
+                <a:ext cx="2796791" cy="400110"/>
+              </a:xfrm>
+              <a:prstGeom prst="rect">
+                <a:avLst/>
+              </a:prstGeom>
+              <a:blipFill rotWithShape="0">
+                <a:blip r:embed="rId4"/>
+                <a:stretch>
+                  <a:fillRect/>
+                </a:stretch>
+              </a:blipFill>
+            </p:spPr>
+            <p:txBody>
+              <a:bodyPr/>
+              <a:lstStyle/>
+              <a:p>
+                <a:r>
+                  <a:rPr lang="de-DE">
+                    <a:noFill/>
+                  </a:rPr>
+                  <a:t> </a:t>
+                </a:r>
+              </a:p>
+            </p:txBody>
+          </p:sp>
+        </mc:Fallback>
+      </mc:AlternateContent>
+      <p:sp>
+        <p:nvSpPr>
+          <p:cNvPr id="16" name="Textfeld 15"/>
+          <p:cNvSpPr txBox="1"/>
+          <p:nvPr/>
+        </p:nvSpPr>
+        <p:spPr>
+          <a:xfrm>
+            <a:off x="3666804" y="4588626"/>
+            <a:ext cx="1111202" cy="461665"/>
+          </a:xfrm>
+          <a:prstGeom prst="rect">
+            <a:avLst/>
+          </a:prstGeom>
+          <a:noFill/>
+        </p:spPr>
+        <p:txBody>
+          <a:bodyPr wrap="none" rtlCol="0">
+            <a:spAutoFit/>
+          </a:bodyPr>
+          <a:lstStyle/>
+          <a:p>
+            <a:r>
+              <a:rPr lang="de-DE" sz="2400" b="1" dirty="0" smtClean="0"/>
+              <a:t>n = 10</a:t>
+            </a:r>
+            <a:endParaRPr lang="de-DE" sz="2400" b="1" dirty="0"/>
+          </a:p>
+        </p:txBody>
+      </p:sp>
+      <mc:AlternateContent xmlns:mc="http://schemas.openxmlformats.org/markup-compatibility/2006">
+        <mc:Choice xmlns:a14="http://schemas.microsoft.com/office/drawing/2010/main" Requires="a14">
+          <p:sp>
+            <p:nvSpPr>
+              <p:cNvPr id="17" name="Textfeld 16"/>
+              <p:cNvSpPr txBox="1"/>
+              <p:nvPr/>
+            </p:nvSpPr>
+            <p:spPr>
+              <a:xfrm>
+                <a:off x="3666804" y="5229758"/>
+                <a:ext cx="7463133" cy="400110"/>
+              </a:xfrm>
+              <a:prstGeom prst="rect">
+                <a:avLst/>
+              </a:prstGeom>
+              <a:noFill/>
+            </p:spPr>
+            <p:txBody>
+              <a:bodyPr wrap="none" rtlCol="0">
+                <a:spAutoFit/>
+              </a:bodyPr>
+              <a:lstStyle/>
+              <a:p>
+                <a14:m>
+                  <m:oMathPara xmlns:m="http://schemas.openxmlformats.org/officeDocument/2006/math">
+                    <m:oMathParaPr>
+                      <m:jc m:val="centerGroup"/>
+                    </m:oMathParaPr>
+                    <m:oMath xmlns:m="http://schemas.openxmlformats.org/officeDocument/2006/math">
+                      <m:sSup>
+                        <m:sSupPr>
+                          <m:ctrlPr>
+                            <a:rPr lang="de-DE" sz="2000" i="1" smtClean="0">
+                              <a:latin typeface="Cambria Math" panose="02040503050406030204" pitchFamily="18" charset="0"/>
+                            </a:rPr>
+                          </m:ctrlPr>
+                        </m:sSupPr>
+                        <m:e>
+                          <m:r>
+                            <a:rPr lang="de-DE" sz="2000" b="0" i="1" smtClean="0">
+                              <a:latin typeface="Cambria Math" panose="02040503050406030204" pitchFamily="18" charset="0"/>
+                            </a:rPr>
+                            <m:t>10!</m:t>
+                          </m:r>
+                        </m:e>
+                        <m:sup>
+                          <m:r>
+                            <a:rPr lang="de-DE" sz="2000" b="0" i="1" smtClean="0">
+                              <a:latin typeface="Cambria Math" panose="02040503050406030204" pitchFamily="18" charset="0"/>
+                            </a:rPr>
+                            <m:t>6</m:t>
+                          </m:r>
+                        </m:sup>
+                      </m:sSup>
+                      <m:r>
+                        <a:rPr lang="de-DE" sz="2000" i="1">
+                          <a:latin typeface="Cambria Math" panose="02040503050406030204" pitchFamily="18" charset="0"/>
+                        </a:rPr>
+                        <m:t>=2</m:t>
+                      </m:r>
+                      <m:r>
+                        <a:rPr lang="de-DE" sz="2000" b="0" i="1" smtClean="0">
+                          <a:latin typeface="Cambria Math" panose="02040503050406030204" pitchFamily="18" charset="0"/>
+                        </a:rPr>
+                        <m:t>.</m:t>
+                      </m:r>
+                      <m:r>
+                        <a:rPr lang="de-DE" sz="2000" i="1">
+                          <a:latin typeface="Cambria Math" panose="02040503050406030204" pitchFamily="18" charset="0"/>
+                        </a:rPr>
+                        <m:t>283</m:t>
+                      </m:r>
+                      <m:r>
+                        <a:rPr lang="de-DE" sz="2000" b="0" i="1" smtClean="0">
+                          <a:latin typeface="Cambria Math" panose="02040503050406030204" pitchFamily="18" charset="0"/>
+                        </a:rPr>
+                        <m:t>.</m:t>
+                      </m:r>
+                      <m:r>
+                        <a:rPr lang="de-DE" sz="2000" i="1">
+                          <a:latin typeface="Cambria Math" panose="02040503050406030204" pitchFamily="18" charset="0"/>
+                        </a:rPr>
+                        <m:t>380</m:t>
+                      </m:r>
+                      <m:r>
+                        <a:rPr lang="de-DE" sz="2000" b="0" i="1" smtClean="0">
+                          <a:latin typeface="Cambria Math" panose="02040503050406030204" pitchFamily="18" charset="0"/>
+                        </a:rPr>
+                        <m:t>.</m:t>
+                      </m:r>
+                      <m:r>
+                        <a:rPr lang="de-DE" sz="2000" i="1">
+                          <a:latin typeface="Cambria Math" panose="02040503050406030204" pitchFamily="18" charset="0"/>
+                        </a:rPr>
+                        <m:t>023</m:t>
+                      </m:r>
+                      <m:r>
+                        <a:rPr lang="de-DE" sz="2000" b="0" i="1" smtClean="0">
+                          <a:latin typeface="Cambria Math" panose="02040503050406030204" pitchFamily="18" charset="0"/>
+                        </a:rPr>
+                        <m:t>.</m:t>
+                      </m:r>
+                      <m:r>
+                        <a:rPr lang="de-DE" sz="2000" i="1">
+                          <a:latin typeface="Cambria Math" panose="02040503050406030204" pitchFamily="18" charset="0"/>
+                        </a:rPr>
+                        <m:t>591</m:t>
+                      </m:r>
+                      <m:r>
+                        <a:rPr lang="de-DE" sz="2000" b="0" i="1" smtClean="0">
+                          <a:latin typeface="Cambria Math" panose="02040503050406030204" pitchFamily="18" charset="0"/>
+                        </a:rPr>
+                        <m:t>.</m:t>
+                      </m:r>
+                      <m:r>
+                        <a:rPr lang="de-DE" sz="2000" i="1">
+                          <a:latin typeface="Cambria Math" panose="02040503050406030204" pitchFamily="18" charset="0"/>
+                        </a:rPr>
+                        <m:t>730</m:t>
+                      </m:r>
+                      <m:r>
+                        <a:rPr lang="de-DE" sz="2000" b="0" i="1" smtClean="0">
+                          <a:latin typeface="Cambria Math" panose="02040503050406030204" pitchFamily="18" charset="0"/>
+                        </a:rPr>
+                        <m:t>.</m:t>
+                      </m:r>
+                      <m:r>
+                        <a:rPr lang="de-DE" sz="2000" i="1">
+                          <a:latin typeface="Cambria Math" panose="02040503050406030204" pitchFamily="18" charset="0"/>
+                        </a:rPr>
+                        <m:t>815</m:t>
+                      </m:r>
+                      <m:r>
+                        <a:rPr lang="de-DE" sz="2000" b="0" i="1" smtClean="0">
+                          <a:latin typeface="Cambria Math" panose="02040503050406030204" pitchFamily="18" charset="0"/>
+                        </a:rPr>
+                        <m:t>.</m:t>
+                      </m:r>
+                      <m:r>
+                        <a:rPr lang="de-DE" sz="2000" i="1">
+                          <a:latin typeface="Cambria Math" panose="02040503050406030204" pitchFamily="18" charset="0"/>
+                        </a:rPr>
+                        <m:t>784</m:t>
+                      </m:r>
+                      <m:r>
+                        <a:rPr lang="de-DE" sz="2000" b="0" i="1" smtClean="0">
+                          <a:latin typeface="Cambria Math" panose="02040503050406030204" pitchFamily="18" charset="0"/>
+                        </a:rPr>
+                        <m:t>.</m:t>
+                      </m:r>
+                      <m:r>
+                        <a:rPr lang="de-DE" sz="2000" i="1">
+                          <a:latin typeface="Cambria Math" panose="02040503050406030204" pitchFamily="18" charset="0"/>
+                        </a:rPr>
+                        <m:t>976</m:t>
+                      </m:r>
+                      <m:r>
+                        <a:rPr lang="de-DE" sz="2000" b="0" i="1" smtClean="0">
+                          <a:latin typeface="Cambria Math" panose="02040503050406030204" pitchFamily="18" charset="0"/>
+                        </a:rPr>
+                        <m:t>.</m:t>
+                      </m:r>
+                      <m:r>
+                        <a:rPr lang="de-DE" sz="2000" i="1">
+                          <a:latin typeface="Cambria Math" panose="02040503050406030204" pitchFamily="18" charset="0"/>
+                        </a:rPr>
+                        <m:t>384</m:t>
+                      </m:r>
+                      <m:r>
+                        <a:rPr lang="de-DE" sz="2000" b="0" i="1" smtClean="0">
+                          <a:latin typeface="Cambria Math" panose="02040503050406030204" pitchFamily="18" charset="0"/>
+                        </a:rPr>
+                        <m:t>.</m:t>
+                      </m:r>
+                      <m:r>
+                        <a:rPr lang="de-DE" sz="2000" i="1">
+                          <a:latin typeface="Cambria Math" panose="02040503050406030204" pitchFamily="18" charset="0"/>
+                        </a:rPr>
+                        <m:t>000</m:t>
+                      </m:r>
+                      <m:r>
+                        <a:rPr lang="de-DE" sz="2000" b="0" i="1" smtClean="0">
+                          <a:latin typeface="Cambria Math" panose="02040503050406030204" pitchFamily="18" charset="0"/>
+                        </a:rPr>
+                        <m:t>.</m:t>
+                      </m:r>
+                      <m:r>
+                        <a:rPr lang="de-DE" sz="2000" i="1">
+                          <a:latin typeface="Cambria Math" panose="02040503050406030204" pitchFamily="18" charset="0"/>
+                        </a:rPr>
+                        <m:t>000</m:t>
+                      </m:r>
+                      <m:r>
+                        <a:rPr lang="de-DE" sz="2000" b="0" i="1" smtClean="0">
+                          <a:latin typeface="Cambria Math" panose="02040503050406030204" pitchFamily="18" charset="0"/>
+                        </a:rPr>
+                        <m:t>.</m:t>
+                      </m:r>
+                      <m:r>
+                        <a:rPr lang="de-DE" sz="2000" i="1">
+                          <a:latin typeface="Cambria Math" panose="02040503050406030204" pitchFamily="18" charset="0"/>
+                        </a:rPr>
+                        <m:t>000</m:t>
+                      </m:r>
+                      <m:r>
+                        <a:rPr lang="de-DE" sz="2000" b="0" i="1" smtClean="0">
+                          <a:latin typeface="Cambria Math" panose="02040503050406030204" pitchFamily="18" charset="0"/>
+                        </a:rPr>
+                        <m:t>.</m:t>
+                      </m:r>
+                      <m:r>
+                        <a:rPr lang="de-DE" sz="2000" i="1">
+                          <a:latin typeface="Cambria Math" panose="02040503050406030204" pitchFamily="18" charset="0"/>
+                        </a:rPr>
+                        <m:t>000</m:t>
+                      </m:r>
+                    </m:oMath>
+                  </m:oMathPara>
+                </a14:m>
+                <a:endParaRPr lang="de-DE" sz="2000" dirty="0"/>
+              </a:p>
+            </p:txBody>
+          </p:sp>
+        </mc:Choice>
+        <mc:Fallback>
+          <p:sp>
+            <p:nvSpPr>
+              <p:cNvPr id="17" name="Textfeld 16"/>
+              <p:cNvSpPr txBox="1">
+                <a:spLocks noRot="1" noChangeAspect="1" noMove="1" noResize="1" noEditPoints="1" noAdjustHandles="1" noChangeArrowheads="1" noChangeShapeType="1" noTextEdit="1"/>
+              </p:cNvSpPr>
+              <p:nvPr/>
+            </p:nvSpPr>
+            <p:spPr>
+              <a:xfrm>
+                <a:off x="3666804" y="5229758"/>
+                <a:ext cx="7463133" cy="400110"/>
+              </a:xfrm>
+              <a:prstGeom prst="rect">
+                <a:avLst/>
+              </a:prstGeom>
+              <a:blipFill rotWithShape="0">
+                <a:blip r:embed="rId5"/>
+                <a:stretch>
+                  <a:fillRect/>
+                </a:stretch>
+              </a:blipFill>
+            </p:spPr>
+            <p:txBody>
+              <a:bodyPr/>
+              <a:lstStyle/>
+              <a:p>
+                <a:r>
+                  <a:rPr lang="de-DE">
+                    <a:noFill/>
+                  </a:rPr>
+                  <a:t> </a:t>
+                </a:r>
+              </a:p>
+            </p:txBody>
+          </p:sp>
+        </mc:Fallback>
+      </mc:AlternateContent>
+      <p:sp>
+        <p:nvSpPr>
+          <p:cNvPr id="20" name="Pfeil nach rechts 19"/>
+          <p:cNvSpPr/>
+          <p:nvPr/>
+        </p:nvSpPr>
+        <p:spPr>
+          <a:xfrm>
+            <a:off x="2112579" y="5969876"/>
+            <a:ext cx="1418897" cy="588579"/>
+          </a:xfrm>
+          <a:prstGeom prst="rightArrow">
+            <a:avLst/>
+          </a:prstGeom>
+        </p:spPr>
+        <p:style>
+          <a:lnRef idx="2">
+            <a:schemeClr val="accent1">
+              <a:shade val="50000"/>
+            </a:schemeClr>
+          </a:lnRef>
+          <a:fillRef idx="1">
+            <a:schemeClr val="accent1"/>
+          </a:fillRef>
+          <a:effectRef idx="0">
+            <a:schemeClr val="accent1"/>
+          </a:effectRef>
+          <a:fontRef idx="minor">
+            <a:schemeClr val="lt1"/>
+          </a:fontRef>
+        </p:style>
+        <p:txBody>
+          <a:bodyPr rtlCol="0" anchor="ctr"/>
+          <a:lstStyle/>
+          <a:p>
+            <a:pPr algn="ctr"/>
+            <a:endParaRPr lang="de-DE"/>
+          </a:p>
+        </p:txBody>
+      </p:sp>
+      <p:sp>
+        <p:nvSpPr>
+          <p:cNvPr id="21" name="Textfeld 20"/>
+          <p:cNvSpPr txBox="1"/>
+          <p:nvPr/>
+        </p:nvSpPr>
+        <p:spPr>
+          <a:xfrm>
+            <a:off x="4045173" y="5973680"/>
+            <a:ext cx="2242922" cy="584775"/>
+          </a:xfrm>
+          <a:prstGeom prst="rect">
+            <a:avLst/>
+          </a:prstGeom>
+          <a:noFill/>
+        </p:spPr>
+        <p:txBody>
+          <a:bodyPr wrap="none" rtlCol="0">
+            <a:spAutoFit/>
+          </a:bodyPr>
+          <a:lstStyle/>
+          <a:p>
+            <a:r>
+              <a:rPr lang="de-DE" sz="3200" b="1" spc="200" dirty="0" smtClean="0"/>
+              <a:t>TAKTIK!</a:t>
+            </a:r>
+            <a:endParaRPr lang="de-DE" sz="2000" spc="200" dirty="0"/>
+          </a:p>
+        </p:txBody>
+      </p:sp>
+      <p:pic>
+        <p:nvPicPr>
+          <p:cNvPr id="22" name="Grafik 21"/>
+          <p:cNvPicPr>
+            <a:picLocks noChangeAspect="1"/>
+          </p:cNvPicPr>
+          <p:nvPr/>
+        </p:nvPicPr>
+        <p:blipFill>
+          <a:blip r:embed="rId6">
+            <a:extLst>
+              <a:ext uri="{28A0092B-C50C-407E-A947-70E740481C1C}">
+                <a14:useLocalDpi xmlns:a14="http://schemas.microsoft.com/office/drawing/2010/main" val="0"/>
+              </a:ext>
+            </a:extLst>
+          </a:blip>
+          <a:stretch>
+            <a:fillRect/>
+          </a:stretch>
+        </p:blipFill>
+        <p:spPr>
+          <a:xfrm>
+            <a:off x="6353292" y="5684611"/>
+            <a:ext cx="1136040" cy="1159107"/>
+          </a:xfrm>
+          <a:prstGeom prst="rect">
+            <a:avLst/>
+          </a:prstGeom>
+        </p:spPr>
+      </p:pic>
+    </p:spTree>
+    <p:extLst>
+      <p:ext uri="{BB962C8B-B14F-4D97-AF65-F5344CB8AC3E}">
+        <p14:creationId xmlns:p14="http://schemas.microsoft.com/office/powerpoint/2010/main" val="2013353425"/>
+      </p:ext>
+    </p:extLst>
+  </p:cSld>
+  <p:clrMapOvr>
+    <a:masterClrMapping/>
+  </p:clrMapOvr>
+  <mc:AlternateContent xmlns:mc="http://schemas.openxmlformats.org/markup-compatibility/2006">
+    <mc:Choice xmlns:p14="http://schemas.microsoft.com/office/powerpoint/2010/main" Requires="p14">
+      <p:transition spd="med" p14:dur="700">
+        <p:fade/>
+      </p:transition>
+    </mc:Choice>
+    <mc:Fallback>
+      <p:transition spd="med">
+        <p:fade/>
+      </p:transition>
+    </mc:Fallback>
+  </mc:AlternateContent>
+  <p:timing>
+    <p:tnLst>
+      <p:par>
+        <p:cTn id="1" dur="indefinite" restart="never" nodeType="tmRoot">
+          <p:childTnLst>
+            <p:seq concurrent="1" nextAc="seek">
+              <p:cTn id="2" dur="indefinite" nodeType="mainSeq">
+                <p:childTnLst>
+                  <p:par>
+                    <p:cTn id="3" fill="hold">
+                      <p:stCondLst>
+                        <p:cond delay="indefinite"/>
+                      </p:stCondLst>
+                      <p:childTnLst>
+                        <p:par>
+                          <p:cTn id="4" fill="hold">
+                            <p:stCondLst>
+                              <p:cond delay="0"/>
+                            </p:stCondLst>
+                            <p:childTnLst>
+                              <p:par>
+                                <p:cTn id="5" presetID="10" presetClass="entr" presetSubtype="0" fill="hold" grpId="0" nodeType="clickEffect">
+                                  <p:stCondLst>
+                                    <p:cond delay="0"/>
+                                  </p:stCondLst>
+                                  <p:childTnLst>
+                                    <p:set>
+                                      <p:cBhvr>
+                                        <p:cTn id="6" dur="1" fill="hold">
+                                          <p:stCondLst>
+                                            <p:cond delay="0"/>
+                                          </p:stCondLst>
+                                        </p:cTn>
+                                        <p:tgtEl>
+                                          <p:spTgt spid="7"/>
+                                        </p:tgtEl>
+                                        <p:attrNameLst>
+                                          <p:attrName>style.visibility</p:attrName>
+                                        </p:attrNameLst>
+                                      </p:cBhvr>
+                                      <p:to>
+                                        <p:strVal val="visible"/>
+                                      </p:to>
+                                    </p:set>
+                                    <p:animEffect transition="in" filter="fade">
+                                      <p:cBhvr>
+                                        <p:cTn id="7" dur="500"/>
+                                        <p:tgtEl>
+                                          <p:spTgt spid="7"/>
+                                        </p:tgtEl>
+                                      </p:cBhvr>
+                                    </p:animEffect>
+                                  </p:childTnLst>
+                                </p:cTn>
+                              </p:par>
+                              <p:par>
+                                <p:cTn id="8" presetID="10" presetClass="entr" presetSubtype="0" fill="hold" grpId="0" nodeType="withEffect">
+                                  <p:stCondLst>
+                                    <p:cond delay="0"/>
+                                  </p:stCondLst>
+                                  <p:childTnLst>
+                                    <p:set>
+                                      <p:cBhvr>
+                                        <p:cTn id="9" dur="1" fill="hold">
+                                          <p:stCondLst>
+                                            <p:cond delay="0"/>
+                                          </p:stCondLst>
+                                        </p:cTn>
+                                        <p:tgtEl>
+                                          <p:spTgt spid="6"/>
+                                        </p:tgtEl>
+                                        <p:attrNameLst>
+                                          <p:attrName>style.visibility</p:attrName>
+                                        </p:attrNameLst>
+                                      </p:cBhvr>
+                                      <p:to>
+                                        <p:strVal val="visible"/>
+                                      </p:to>
+                                    </p:set>
+                                    <p:animEffect transition="in" filter="fade">
+                                      <p:cBhvr>
+                                        <p:cTn id="10" dur="500"/>
+                                        <p:tgtEl>
+                                          <p:spTgt spid="6"/>
+                                        </p:tgtEl>
+                                      </p:cBhvr>
+                                    </p:animEffect>
+                                  </p:childTnLst>
+                                </p:cTn>
+                              </p:par>
+                            </p:childTnLst>
+                          </p:cTn>
+                        </p:par>
+                      </p:childTnLst>
+                    </p:cTn>
+                  </p:par>
+                  <p:par>
+                    <p:cTn id="11" fill="hold">
+                      <p:stCondLst>
+                        <p:cond delay="indefinite"/>
+                      </p:stCondLst>
+                      <p:childTnLst>
+                        <p:par>
+                          <p:cTn id="12" fill="hold">
+                            <p:stCondLst>
+                              <p:cond delay="0"/>
+                            </p:stCondLst>
+                            <p:childTnLst>
+                              <p:par>
+                                <p:cTn id="13" presetID="10" presetClass="entr" presetSubtype="0" fill="hold" grpId="0" nodeType="clickEffect">
+                                  <p:stCondLst>
+                                    <p:cond delay="0"/>
+                                  </p:stCondLst>
+                                  <p:childTnLst>
+                                    <p:set>
+                                      <p:cBhvr>
+                                        <p:cTn id="14" dur="1" fill="hold">
+                                          <p:stCondLst>
+                                            <p:cond delay="0"/>
+                                          </p:stCondLst>
+                                        </p:cTn>
+                                        <p:tgtEl>
+                                          <p:spTgt spid="8"/>
+                                        </p:tgtEl>
+                                        <p:attrNameLst>
+                                          <p:attrName>style.visibility</p:attrName>
+                                        </p:attrNameLst>
+                                      </p:cBhvr>
+                                      <p:to>
+                                        <p:strVal val="visible"/>
+                                      </p:to>
+                                    </p:set>
+                                    <p:animEffect transition="in" filter="fade">
+                                      <p:cBhvr>
+                                        <p:cTn id="15" dur="500"/>
+                                        <p:tgtEl>
+                                          <p:spTgt spid="8"/>
+                                        </p:tgtEl>
+                                      </p:cBhvr>
+                                    </p:animEffect>
+                                  </p:childTnLst>
+                                </p:cTn>
+                              </p:par>
+                            </p:childTnLst>
+                          </p:cTn>
+                        </p:par>
+                      </p:childTnLst>
+                    </p:cTn>
+                  </p:par>
+                  <p:par>
+                    <p:cTn id="16" fill="hold">
+                      <p:stCondLst>
+                        <p:cond delay="indefinite"/>
+                      </p:stCondLst>
+                      <p:childTnLst>
+                        <p:par>
+                          <p:cTn id="17" fill="hold">
+                            <p:stCondLst>
+                              <p:cond delay="0"/>
+                            </p:stCondLst>
+                            <p:childTnLst>
+                              <p:par>
+                                <p:cTn id="18" presetID="10" presetClass="entr" presetSubtype="0" fill="hold" grpId="0" nodeType="clickEffect">
+                                  <p:stCondLst>
+                                    <p:cond delay="0"/>
+                                  </p:stCondLst>
+                                  <p:childTnLst>
+                                    <p:set>
+                                      <p:cBhvr>
+                                        <p:cTn id="19" dur="1" fill="hold">
+                                          <p:stCondLst>
+                                            <p:cond delay="0"/>
+                                          </p:stCondLst>
+                                        </p:cTn>
+                                        <p:tgtEl>
+                                          <p:spTgt spid="5"/>
+                                        </p:tgtEl>
+                                        <p:attrNameLst>
+                                          <p:attrName>style.visibility</p:attrName>
+                                        </p:attrNameLst>
+                                      </p:cBhvr>
+                                      <p:to>
+                                        <p:strVal val="visible"/>
+                                      </p:to>
+                                    </p:set>
+                                    <p:animEffect transition="in" filter="fade">
+                                      <p:cBhvr>
+                                        <p:cTn id="20" dur="500"/>
+                                        <p:tgtEl>
+                                          <p:spTgt spid="5"/>
+                                        </p:tgtEl>
+                                      </p:cBhvr>
+                                    </p:animEffect>
+                                  </p:childTnLst>
+                                </p:cTn>
+                              </p:par>
+                              <p:par>
+                                <p:cTn id="21" presetID="10" presetClass="entr" presetSubtype="0" fill="hold" grpId="0" nodeType="withEffect">
+                                  <p:stCondLst>
+                                    <p:cond delay="0"/>
+                                  </p:stCondLst>
+                                  <p:childTnLst>
+                                    <p:set>
+                                      <p:cBhvr>
+                                        <p:cTn id="22" dur="1" fill="hold">
+                                          <p:stCondLst>
+                                            <p:cond delay="0"/>
+                                          </p:stCondLst>
+                                        </p:cTn>
+                                        <p:tgtEl>
+                                          <p:spTgt spid="4"/>
+                                        </p:tgtEl>
+                                        <p:attrNameLst>
+                                          <p:attrName>style.visibility</p:attrName>
+                                        </p:attrNameLst>
+                                      </p:cBhvr>
+                                      <p:to>
+                                        <p:strVal val="visible"/>
+                                      </p:to>
+                                    </p:set>
+                                    <p:animEffect transition="in" filter="fade">
+                                      <p:cBhvr>
+                                        <p:cTn id="23" dur="500"/>
+                                        <p:tgtEl>
+                                          <p:spTgt spid="4"/>
+                                        </p:tgtEl>
+                                      </p:cBhvr>
+                                    </p:animEffect>
+                                  </p:childTnLst>
+                                </p:cTn>
+                              </p:par>
+                              <p:par>
+                                <p:cTn id="24" presetID="1" presetClass="exit" presetSubtype="0" fill="hold" grpId="1" nodeType="withEffect">
+                                  <p:stCondLst>
+                                    <p:cond delay="0"/>
+                                  </p:stCondLst>
+                                  <p:childTnLst>
+                                    <p:set>
+                                      <p:cBhvr>
+                                        <p:cTn id="25" dur="1" fill="hold">
+                                          <p:stCondLst>
+                                            <p:cond delay="0"/>
+                                          </p:stCondLst>
+                                        </p:cTn>
+                                        <p:tgtEl>
+                                          <p:spTgt spid="8"/>
+                                        </p:tgtEl>
+                                        <p:attrNameLst>
+                                          <p:attrName>style.visibility</p:attrName>
+                                        </p:attrNameLst>
+                                      </p:cBhvr>
+                                      <p:to>
+                                        <p:strVal val="hidden"/>
+                                      </p:to>
+                                    </p:set>
+                                  </p:childTnLst>
+                                </p:cTn>
+                              </p:par>
+                            </p:childTnLst>
+                          </p:cTn>
+                        </p:par>
+                      </p:childTnLst>
+                    </p:cTn>
+                  </p:par>
+                  <p:par>
+                    <p:cTn id="26" fill="hold">
+                      <p:stCondLst>
+                        <p:cond delay="indefinite"/>
+                      </p:stCondLst>
+                      <p:childTnLst>
+                        <p:par>
+                          <p:cTn id="27" fill="hold">
+                            <p:stCondLst>
+                              <p:cond delay="0"/>
+                            </p:stCondLst>
+                            <p:childTnLst>
+                              <p:par>
+                                <p:cTn id="28" presetID="10" presetClass="entr" presetSubtype="0" fill="hold" grpId="0" nodeType="clickEffect">
+                                  <p:stCondLst>
+                                    <p:cond delay="0"/>
+                                  </p:stCondLst>
+                                  <p:childTnLst>
+                                    <p:set>
+                                      <p:cBhvr>
+                                        <p:cTn id="29" dur="1" fill="hold">
+                                          <p:stCondLst>
+                                            <p:cond delay="0"/>
+                                          </p:stCondLst>
+                                        </p:cTn>
+                                        <p:tgtEl>
+                                          <p:spTgt spid="9"/>
+                                        </p:tgtEl>
+                                        <p:attrNameLst>
+                                          <p:attrName>style.visibility</p:attrName>
+                                        </p:attrNameLst>
+                                      </p:cBhvr>
+                                      <p:to>
+                                        <p:strVal val="visible"/>
+                                      </p:to>
+                                    </p:set>
+                                    <p:animEffect transition="in" filter="fade">
+                                      <p:cBhvr>
+                                        <p:cTn id="30" dur="500"/>
+                                        <p:tgtEl>
+                                          <p:spTgt spid="9"/>
+                                        </p:tgtEl>
+                                      </p:cBhvr>
+                                    </p:animEffect>
+                                  </p:childTnLst>
+                                </p:cTn>
+                              </p:par>
+                            </p:childTnLst>
+                          </p:cTn>
+                        </p:par>
+                      </p:childTnLst>
+                    </p:cTn>
+                  </p:par>
+                  <p:par>
+                    <p:cTn id="31" fill="hold">
+                      <p:stCondLst>
+                        <p:cond delay="indefinite"/>
+                      </p:stCondLst>
+                      <p:childTnLst>
+                        <p:par>
+                          <p:cTn id="32" fill="hold">
+                            <p:stCondLst>
+                              <p:cond delay="0"/>
+                            </p:stCondLst>
+                            <p:childTnLst>
+                              <p:par>
+                                <p:cTn id="33" presetID="10" presetClass="entr" presetSubtype="0" fill="hold" grpId="0" nodeType="clickEffect">
+                                  <p:stCondLst>
+                                    <p:cond delay="0"/>
+                                  </p:stCondLst>
+                                  <p:childTnLst>
+                                    <p:set>
+                                      <p:cBhvr>
+                                        <p:cTn id="34" dur="1" fill="hold">
+                                          <p:stCondLst>
+                                            <p:cond delay="0"/>
+                                          </p:stCondLst>
+                                        </p:cTn>
+                                        <p:tgtEl>
+                                          <p:spTgt spid="11"/>
+                                        </p:tgtEl>
+                                        <p:attrNameLst>
+                                          <p:attrName>style.visibility</p:attrName>
+                                        </p:attrNameLst>
+                                      </p:cBhvr>
+                                      <p:to>
+                                        <p:strVal val="visible"/>
+                                      </p:to>
+                                    </p:set>
+                                    <p:animEffect transition="in" filter="fade">
+                                      <p:cBhvr>
+                                        <p:cTn id="35" dur="500"/>
+                                        <p:tgtEl>
+                                          <p:spTgt spid="11"/>
+                                        </p:tgtEl>
+                                      </p:cBhvr>
+                                    </p:animEffect>
+                                  </p:childTnLst>
+                                </p:cTn>
+                              </p:par>
+                            </p:childTnLst>
+                          </p:cTn>
+                        </p:par>
+                      </p:childTnLst>
+                    </p:cTn>
+                  </p:par>
+                  <p:par>
+                    <p:cTn id="36" fill="hold">
+                      <p:stCondLst>
+                        <p:cond delay="indefinite"/>
+                      </p:stCondLst>
+                      <p:childTnLst>
+                        <p:par>
+                          <p:cTn id="37" fill="hold">
+                            <p:stCondLst>
+                              <p:cond delay="0"/>
+                            </p:stCondLst>
+                            <p:childTnLst>
+                              <p:par>
+                                <p:cTn id="38" presetID="10" presetClass="entr" presetSubtype="0" fill="hold" grpId="0" nodeType="clickEffect">
+                                  <p:stCondLst>
+                                    <p:cond delay="0"/>
+                                  </p:stCondLst>
+                                  <p:childTnLst>
+                                    <p:set>
+                                      <p:cBhvr>
+                                        <p:cTn id="39" dur="1" fill="hold">
+                                          <p:stCondLst>
+                                            <p:cond delay="0"/>
+                                          </p:stCondLst>
+                                        </p:cTn>
+                                        <p:tgtEl>
+                                          <p:spTgt spid="12"/>
+                                        </p:tgtEl>
+                                        <p:attrNameLst>
+                                          <p:attrName>style.visibility</p:attrName>
+                                        </p:attrNameLst>
+                                      </p:cBhvr>
+                                      <p:to>
+                                        <p:strVal val="visible"/>
+                                      </p:to>
+                                    </p:set>
+                                    <p:animEffect transition="in" filter="fade">
+                                      <p:cBhvr>
+                                        <p:cTn id="40" dur="500"/>
+                                        <p:tgtEl>
+                                          <p:spTgt spid="12"/>
+                                        </p:tgtEl>
+                                      </p:cBhvr>
+                                    </p:animEffect>
+                                  </p:childTnLst>
+                                </p:cTn>
+                              </p:par>
+                              <p:par>
+                                <p:cTn id="41" presetID="10" presetClass="entr" presetSubtype="0" fill="hold" grpId="0" nodeType="withEffect">
+                                  <p:stCondLst>
+                                    <p:cond delay="0"/>
+                                  </p:stCondLst>
+                                  <p:childTnLst>
+                                    <p:set>
+                                      <p:cBhvr>
+                                        <p:cTn id="42" dur="1" fill="hold">
+                                          <p:stCondLst>
+                                            <p:cond delay="0"/>
+                                          </p:stCondLst>
+                                        </p:cTn>
+                                        <p:tgtEl>
+                                          <p:spTgt spid="13"/>
+                                        </p:tgtEl>
+                                        <p:attrNameLst>
+                                          <p:attrName>style.visibility</p:attrName>
+                                        </p:attrNameLst>
+                                      </p:cBhvr>
+                                      <p:to>
+                                        <p:strVal val="visible"/>
+                                      </p:to>
+                                    </p:set>
+                                    <p:animEffect transition="in" filter="fade">
+                                      <p:cBhvr>
+                                        <p:cTn id="43" dur="500"/>
+                                        <p:tgtEl>
+                                          <p:spTgt spid="13"/>
+                                        </p:tgtEl>
+                                      </p:cBhvr>
+                                    </p:animEffect>
+                                  </p:childTnLst>
+                                </p:cTn>
+                              </p:par>
+                            </p:childTnLst>
+                          </p:cTn>
+                        </p:par>
+                      </p:childTnLst>
+                    </p:cTn>
+                  </p:par>
+                  <p:par>
+                    <p:cTn id="44" fill="hold">
+                      <p:stCondLst>
+                        <p:cond delay="indefinite"/>
+                      </p:stCondLst>
+                      <p:childTnLst>
+                        <p:par>
+                          <p:cTn id="45" fill="hold">
+                            <p:stCondLst>
+                              <p:cond delay="0"/>
+                            </p:stCondLst>
+                            <p:childTnLst>
+                              <p:par>
+                                <p:cTn id="46" presetID="10" presetClass="entr" presetSubtype="0" fill="hold" grpId="0" nodeType="clickEffect">
+                                  <p:stCondLst>
+                                    <p:cond delay="0"/>
+                                  </p:stCondLst>
+                                  <p:childTnLst>
+                                    <p:set>
+                                      <p:cBhvr>
+                                        <p:cTn id="47" dur="1" fill="hold">
+                                          <p:stCondLst>
+                                            <p:cond delay="0"/>
+                                          </p:stCondLst>
+                                        </p:cTn>
+                                        <p:tgtEl>
+                                          <p:spTgt spid="16"/>
+                                        </p:tgtEl>
+                                        <p:attrNameLst>
+                                          <p:attrName>style.visibility</p:attrName>
+                                        </p:attrNameLst>
+                                      </p:cBhvr>
+                                      <p:to>
+                                        <p:strVal val="visible"/>
+                                      </p:to>
+                                    </p:set>
+                                    <p:animEffect transition="in" filter="fade">
+                                      <p:cBhvr>
+                                        <p:cTn id="48" dur="500"/>
+                                        <p:tgtEl>
+                                          <p:spTgt spid="16"/>
+                                        </p:tgtEl>
+                                      </p:cBhvr>
+                                    </p:animEffect>
+                                  </p:childTnLst>
+                                </p:cTn>
+                              </p:par>
+                              <p:par>
+                                <p:cTn id="49" presetID="10" presetClass="entr" presetSubtype="0" fill="hold" grpId="0" nodeType="withEffect">
+                                  <p:stCondLst>
+                                    <p:cond delay="0"/>
+                                  </p:stCondLst>
+                                  <p:childTnLst>
+                                    <p:set>
+                                      <p:cBhvr>
+                                        <p:cTn id="50" dur="1" fill="hold">
+                                          <p:stCondLst>
+                                            <p:cond delay="0"/>
+                                          </p:stCondLst>
+                                        </p:cTn>
+                                        <p:tgtEl>
+                                          <p:spTgt spid="17"/>
+                                        </p:tgtEl>
+                                        <p:attrNameLst>
+                                          <p:attrName>style.visibility</p:attrName>
+                                        </p:attrNameLst>
+                                      </p:cBhvr>
+                                      <p:to>
+                                        <p:strVal val="visible"/>
+                                      </p:to>
+                                    </p:set>
+                                    <p:animEffect transition="in" filter="fade">
+                                      <p:cBhvr>
+                                        <p:cTn id="51" dur="500"/>
+                                        <p:tgtEl>
+                                          <p:spTgt spid="17"/>
+                                        </p:tgtEl>
+                                      </p:cBhvr>
+                                    </p:animEffect>
+                                  </p:childTnLst>
+                                </p:cTn>
+                              </p:par>
+                            </p:childTnLst>
+                          </p:cTn>
+                        </p:par>
+                      </p:childTnLst>
+                    </p:cTn>
+                  </p:par>
+                  <p:par>
+                    <p:cTn id="52" fill="hold">
+                      <p:stCondLst>
+                        <p:cond delay="indefinite"/>
+                      </p:stCondLst>
+                      <p:childTnLst>
+                        <p:par>
+                          <p:cTn id="53" fill="hold">
+                            <p:stCondLst>
+                              <p:cond delay="0"/>
+                            </p:stCondLst>
+                            <p:childTnLst>
+                              <p:par>
+                                <p:cTn id="54" presetID="10" presetClass="entr" presetSubtype="0" fill="hold" grpId="0" nodeType="clickEffect">
+                                  <p:stCondLst>
+                                    <p:cond delay="0"/>
+                                  </p:stCondLst>
+                                  <p:childTnLst>
+                                    <p:set>
+                                      <p:cBhvr>
+                                        <p:cTn id="55" dur="1" fill="hold">
+                                          <p:stCondLst>
+                                            <p:cond delay="0"/>
+                                          </p:stCondLst>
+                                        </p:cTn>
+                                        <p:tgtEl>
+                                          <p:spTgt spid="20"/>
+                                        </p:tgtEl>
+                                        <p:attrNameLst>
+                                          <p:attrName>style.visibility</p:attrName>
+                                        </p:attrNameLst>
+                                      </p:cBhvr>
+                                      <p:to>
+                                        <p:strVal val="visible"/>
+                                      </p:to>
+                                    </p:set>
+                                    <p:animEffect transition="in" filter="fade">
+                                      <p:cBhvr>
+                                        <p:cTn id="56" dur="500"/>
+                                        <p:tgtEl>
+                                          <p:spTgt spid="20"/>
+                                        </p:tgtEl>
+                                      </p:cBhvr>
+                                    </p:animEffect>
+                                  </p:childTnLst>
+                                </p:cTn>
+                              </p:par>
+                              <p:par>
+                                <p:cTn id="57" presetID="10" presetClass="entr" presetSubtype="0" fill="hold" grpId="0" nodeType="withEffect">
+                                  <p:stCondLst>
+                                    <p:cond delay="0"/>
+                                  </p:stCondLst>
+                                  <p:childTnLst>
+                                    <p:set>
+                                      <p:cBhvr>
+                                        <p:cTn id="58" dur="1" fill="hold">
+                                          <p:stCondLst>
+                                            <p:cond delay="0"/>
+                                          </p:stCondLst>
+                                        </p:cTn>
+                                        <p:tgtEl>
+                                          <p:spTgt spid="21"/>
+                                        </p:tgtEl>
+                                        <p:attrNameLst>
+                                          <p:attrName>style.visibility</p:attrName>
+                                        </p:attrNameLst>
+                                      </p:cBhvr>
+                                      <p:to>
+                                        <p:strVal val="visible"/>
+                                      </p:to>
+                                    </p:set>
+                                    <p:animEffect transition="in" filter="fade">
+                                      <p:cBhvr>
+                                        <p:cTn id="59" dur="500"/>
+                                        <p:tgtEl>
+                                          <p:spTgt spid="21"/>
+                                        </p:tgtEl>
+                                      </p:cBhvr>
+                                    </p:animEffect>
+                                  </p:childTnLst>
+                                </p:cTn>
+                              </p:par>
+                              <p:par>
+                                <p:cTn id="60" presetID="10" presetClass="entr" presetSubtype="0" fill="hold" nodeType="withEffect">
+                                  <p:stCondLst>
+                                    <p:cond delay="0"/>
+                                  </p:stCondLst>
+                                  <p:childTnLst>
+                                    <p:set>
+                                      <p:cBhvr>
+                                        <p:cTn id="61" dur="1" fill="hold">
+                                          <p:stCondLst>
+                                            <p:cond delay="0"/>
+                                          </p:stCondLst>
+                                        </p:cTn>
+                                        <p:tgtEl>
+                                          <p:spTgt spid="22"/>
+                                        </p:tgtEl>
+                                        <p:attrNameLst>
+                                          <p:attrName>style.visibility</p:attrName>
+                                        </p:attrNameLst>
+                                      </p:cBhvr>
+                                      <p:to>
+                                        <p:strVal val="visible"/>
+                                      </p:to>
+                                    </p:set>
+                                    <p:animEffect transition="in" filter="fade">
+                                      <p:cBhvr>
+                                        <p:cTn id="62" dur="500"/>
+                                        <p:tgtEl>
+                                          <p:spTgt spid="22"/>
+                                        </p:tgtEl>
+                                      </p:cBhvr>
+                                    </p:animEffect>
+                                  </p:childTnLst>
+                                </p:cTn>
+                              </p:par>
+                            </p:childTnLst>
+                          </p:cTn>
+                        </p:par>
+                      </p:childTnLst>
+                    </p:cTn>
+                  </p:par>
+                </p:childTnLst>
+              </p:cTn>
+              <p:prevCondLst>
+                <p:cond evt="onPrev" delay="0">
+                  <p:tgtEl>
+                    <p:sldTgt/>
+                  </p:tgtEl>
+                </p:cond>
+              </p:prevCondLst>
+              <p:nextCondLst>
+                <p:cond evt="onNext" delay="0">
+                  <p:tgtEl>
+                    <p:sldTgt/>
+                  </p:tgtEl>
+                </p:cond>
+              </p:nextCondLst>
+            </p:seq>
+          </p:childTnLst>
+        </p:cTn>
+      </p:par>
+    </p:tnLst>
+    <p:bldLst>
+      <p:bldP spid="4" grpId="0" animBg="1"/>
+      <p:bldP spid="5" grpId="0" animBg="1"/>
+      <p:bldP spid="6" grpId="0" animBg="1"/>
+      <p:bldP spid="7" grpId="0" animBg="1"/>
+      <p:bldP spid="8" grpId="0"/>
+      <p:bldP spid="8" grpId="1"/>
+      <p:bldP spid="9" grpId="0"/>
+      <p:bldP spid="11" grpId="0"/>
+      <p:bldP spid="12" grpId="0"/>
+      <p:bldP spid="13" grpId="0"/>
+      <p:bldP spid="16" grpId="0"/>
+      <p:bldP spid="17" grpId="0"/>
+      <p:bldP spid="20" grpId="0" animBg="1"/>
+      <p:bldP spid="21" grpId="0"/>
+    </p:bldLst>
+  </p:timing>
+</p:sld>
+</file>
+
+<file path=ppt/slides/slide21.xml><?xml version="1.0" encoding="utf-8"?>
+<p:sld xmlns:a="http://schemas.openxmlformats.org/drawingml/2006/main" xmlns:r="http://schemas.openxmlformats.org/officeDocument/2006/relationships" xmlns:p="http://schemas.openxmlformats.org/presentationml/2006/main">
+  <p:cSld>
+    <p:spTree>
+      <p:nvGrpSpPr>
+        <p:cNvPr id="1" name=""/>
+        <p:cNvGrpSpPr/>
+        <p:nvPr/>
+      </p:nvGrpSpPr>
+      <p:grpSpPr>
+        <a:xfrm>
+          <a:off x="0" y="0"/>
+          <a:ext cx="0" cy="0"/>
+          <a:chOff x="0" y="0"/>
+          <a:chExt cx="0" cy="0"/>
+        </a:xfrm>
+      </p:grpSpPr>
+      <p:sp>
+        <p:nvSpPr>
+          <p:cNvPr id="2" name="Titel 1"/>
+          <p:cNvSpPr>
+            <a:spLocks noGrp="1"/>
+          </p:cNvSpPr>
+          <p:nvPr>
+            <p:ph type="title"/>
+          </p:nvPr>
+        </p:nvSpPr>
+        <p:spPr/>
+        <p:txBody>
+          <a:bodyPr>
+            <a:normAutofit/>
+          </a:bodyPr>
+          <a:lstStyle/>
+          <a:p>
+            <a:r>
+              <a:rPr lang="de-DE" sz="6000" dirty="0" smtClean="0"/>
+              <a:t>Der Algorithmus</a:t>
+            </a:r>
+            <a:endParaRPr lang="de-DE" sz="6000" dirty="0"/>
+          </a:p>
+        </p:txBody>
+      </p:sp>
+      <p:sp>
+        <p:nvSpPr>
+          <p:cNvPr id="3" name="Textplatzhalter 2"/>
+          <p:cNvSpPr>
+            <a:spLocks noGrp="1"/>
+          </p:cNvSpPr>
+          <p:nvPr>
+            <p:ph type="body" idx="1"/>
+          </p:nvPr>
+        </p:nvSpPr>
+        <p:spPr/>
+        <p:txBody>
+          <a:bodyPr/>
+          <a:lstStyle/>
+          <a:p>
+            <a:endParaRPr lang="de-DE"/>
+          </a:p>
+        </p:txBody>
+      </p:sp>
+    </p:spTree>
+    <p:extLst>
+      <p:ext uri="{BB962C8B-B14F-4D97-AF65-F5344CB8AC3E}">
+        <p14:creationId xmlns:p14="http://schemas.microsoft.com/office/powerpoint/2010/main" val="3247975701"/>
+      </p:ext>
+    </p:extLst>
+  </p:cSld>
+  <p:clrMapOvr>
+    <a:masterClrMapping/>
+  </p:clrMapOvr>
+  <mc:AlternateContent xmlns:mc="http://schemas.openxmlformats.org/markup-compatibility/2006">
+    <mc:Choice xmlns:p14="http://schemas.microsoft.com/office/powerpoint/2010/main" Requires="p14">
+      <p:transition spd="med" p14:dur="700">
+        <p:fade/>
+      </p:transition>
+    </mc:Choice>
+    <mc:Fallback>
+      <p:transition spd="med">
+        <p:fade/>
+      </p:transition>
+    </mc:Fallback>
+  </mc:AlternateContent>
+  <p:timing>
+    <p:tnLst>
+      <p:par>
+        <p:cTn id="1" dur="indefinite" restart="never" nodeType="tmRoot"/>
+      </p:par>
+    </p:tnLst>
+  </p:timing>
+</p:sld>
+</file>
+
+<file path=ppt/slides/slide22.xml><?xml version="1.0" encoding="utf-8"?>
+<p:sld xmlns:a="http://schemas.openxmlformats.org/drawingml/2006/main" xmlns:r="http://schemas.openxmlformats.org/officeDocument/2006/relationships" xmlns:p="http://schemas.openxmlformats.org/presentationml/2006/main">
+  <p:cSld>
+    <p:spTree>
+      <p:nvGrpSpPr>
+        <p:cNvPr id="1" name=""/>
+        <p:cNvGrpSpPr/>
+        <p:nvPr/>
+      </p:nvGrpSpPr>
+      <p:grpSpPr>
+        <a:xfrm>
+          <a:off x="0" y="0"/>
+          <a:ext cx="0" cy="0"/>
+          <a:chOff x="0" y="0"/>
+          <a:chExt cx="0" cy="0"/>
+        </a:xfrm>
+      </p:grpSpPr>
+      <p:sp>
+        <p:nvSpPr>
           <p:cNvPr id="3" name="Inhaltsplatzhalter 2"/>
           <p:cNvSpPr>
             <a:spLocks noGrp="1"/>
@@ -19340,7 +21400,11 @@
             </a:pPr>
             <a:r>
               <a:rPr lang="de-DE" dirty="0"/>
-              <a:t>https://bwinf.de</a:t>
+              <a:t>https://</a:t>
+            </a:r>
+            <a:r>
+              <a:rPr lang="de-DE" b="1" dirty="0"/>
+              <a:t>bwinf.de</a:t>
             </a:r>
             <a:r>
               <a:rPr lang="de-DE" dirty="0" smtClean="0"/>
@@ -19358,8 +21422,43 @@
             </a:pPr>
             <a:r>
               <a:rPr lang="de-DE" dirty="0"/>
-              <a:t>http://mathedia.com/analysis/vollstaendige-induktion/gausssche-summenformel/</a:t>
-            </a:r>
+              <a:t>http://</a:t>
+            </a:r>
+            <a:r>
+              <a:rPr lang="de-DE" b="1" dirty="0"/>
+              <a:t>mathedia.com</a:t>
+            </a:r>
+            <a:r>
+              <a:rPr lang="de-DE" dirty="0"/>
+              <a:t>/analysis/vollstaendige-induktion/gausssche-summenformel</a:t>
+            </a:r>
+            <a:r>
+              <a:rPr lang="de-DE" dirty="0" smtClean="0"/>
+              <a:t>/</a:t>
+            </a:r>
+          </a:p>
+          <a:p>
+            <a:pPr>
+              <a:lnSpc>
+                <a:spcPct val="100000"/>
+              </a:lnSpc>
+              <a:spcBef>
+                <a:spcPts val="200"/>
+              </a:spcBef>
+            </a:pPr>
+            <a:r>
+              <a:rPr lang="de-DE" dirty="0"/>
+              <a:t>https://www.</a:t>
+            </a:r>
+            <a:r>
+              <a:rPr lang="de-DE" b="1" dirty="0"/>
+              <a:t>geogebra.org</a:t>
+            </a:r>
+            <a:r>
+              <a:rPr lang="de-DE" dirty="0"/>
+              <a:t>/</a:t>
+            </a:r>
+            <a:endParaRPr lang="de-DE" dirty="0"/>
           </a:p>
         </p:txBody>
       </p:sp>
@@ -19395,7 +21494,7 @@
 </p:sld>
 </file>
 
-<file path=ppt/slides/slide21.xml><?xml version="1.0" encoding="utf-8"?>
+<file path=ppt/slides/slide23.xml><?xml version="1.0" encoding="utf-8"?>
 <p:sld xmlns:a="http://schemas.openxmlformats.org/drawingml/2006/main" xmlns:r="http://schemas.openxmlformats.org/officeDocument/2006/relationships" xmlns:p="http://schemas.openxmlformats.org/presentationml/2006/main">
   <p:cSld>
     <p:spTree>
@@ -19540,6 +21639,21 @@
               <a:rPr lang="de-DE" sz="1200" dirty="0" smtClean="0"/>
               <a:t>cdn3.iconfinder.com/data/icons/flat-actions-icons-9/792/Tick_Mark_Dark-512.png</a:t>
             </a:r>
+          </a:p>
+          <a:p>
+            <a:pPr>
+              <a:lnSpc>
+                <a:spcPct val="100000"/>
+              </a:lnSpc>
+              <a:spcBef>
+                <a:spcPts val="200"/>
+              </a:spcBef>
+            </a:pPr>
+            <a:r>
+              <a:rPr lang="de-DE" sz="1200" dirty="0"/>
+              <a:t>https://upload.wikimedia.org/wikipedia/commons/thumb/8/8f/Flat_cross_icon.svg/2000px-Flat_cross_icon.svg.png</a:t>
+            </a:r>
+            <a:endParaRPr lang="de-DE" sz="1200" dirty="0" smtClean="0"/>
           </a:p>
           <a:p>
             <a:pPr>
@@ -19625,7 +21739,7 @@
         </p:blipFill>
         <p:spPr>
           <a:xfrm>
-            <a:off x="520860" y="394640"/>
+            <a:off x="510740" y="394637"/>
             <a:ext cx="8518967" cy="5999273"/>
           </a:xfrm>
           <a:prstGeom prst="rect">
@@ -19725,7 +21839,7 @@
         </p:blipFill>
         <p:spPr>
           <a:xfrm>
-            <a:off x="520857" y="394635"/>
+            <a:off x="495455" y="405716"/>
             <a:ext cx="8518969" cy="5992156"/>
           </a:xfrm>
           <a:prstGeom prst="rect">
@@ -19771,7 +21885,7 @@
         </p:nvSpPr>
         <p:spPr>
           <a:xfrm>
-            <a:off x="1981200" y="4594853"/>
+            <a:off x="2138116" y="4552144"/>
             <a:ext cx="891251" cy="861774"/>
           </a:xfrm>
           <a:prstGeom prst="rect">
@@ -19787,72 +21901,12 @@
           <a:p>
             <a:r>
               <a:rPr lang="de-DE" sz="5000" dirty="0" smtClean="0"/>
-              <a:t>…</a:t>
+              <a:t>..</a:t>
             </a:r>
             <a:endParaRPr lang="de-DE" sz="5000" dirty="0"/>
           </a:p>
         </p:txBody>
       </p:sp>
-      <p:sp>
-        <p:nvSpPr>
-          <p:cNvPr id="13" name="Textfeld 12"/>
-          <p:cNvSpPr txBox="1"/>
-          <p:nvPr/>
-        </p:nvSpPr>
-        <p:spPr>
-          <a:xfrm>
-            <a:off x="1981200" y="3438686"/>
-            <a:ext cx="891251" cy="861774"/>
-          </a:xfrm>
-          <a:prstGeom prst="rect">
-            <a:avLst/>
-          </a:prstGeom>
-          <a:noFill/>
-        </p:spPr>
-        <p:txBody>
-          <a:bodyPr wrap="square" rtlCol="0">
-            <a:spAutoFit/>
-          </a:bodyPr>
-          <a:lstStyle/>
-          <a:p>
-            <a:r>
-              <a:rPr lang="de-DE" sz="5000" dirty="0" smtClean="0"/>
-              <a:t>…</a:t>
-            </a:r>
-            <a:endParaRPr lang="de-DE" sz="5000" dirty="0"/>
-          </a:p>
-        </p:txBody>
-      </p:sp>
-      <p:pic>
-        <p:nvPicPr>
-          <p:cNvPr id="9" name="Grafik 8"/>
-          <p:cNvPicPr>
-            <a:picLocks noChangeAspect="1"/>
-          </p:cNvPicPr>
-          <p:nvPr/>
-        </p:nvPicPr>
-        <p:blipFill>
-          <a:blip r:embed="rId6">
-            <a:extLst>
-              <a:ext uri="{28A0092B-C50C-407E-A947-70E740481C1C}">
-                <a14:useLocalDpi xmlns:a14="http://schemas.microsoft.com/office/drawing/2010/main" val="0"/>
-              </a:ext>
-            </a:extLst>
-          </a:blip>
-          <a:stretch>
-            <a:fillRect/>
-          </a:stretch>
-        </p:blipFill>
-        <p:spPr>
-          <a:xfrm>
-            <a:off x="510741" y="394638"/>
-            <a:ext cx="8529086" cy="5999272"/>
-          </a:xfrm>
-          <a:prstGeom prst="rect">
-            <a:avLst/>
-          </a:prstGeom>
-        </p:spPr>
-      </p:pic>
       <p:sp>
         <p:nvSpPr>
           <p:cNvPr id="3" name="Rechteck 2"/>
@@ -20001,6 +22055,466 @@
           </a:p>
         </p:txBody>
       </p:sp>
+      <p:pic>
+        <p:nvPicPr>
+          <p:cNvPr id="15" name="Grafik 14"/>
+          <p:cNvPicPr>
+            <a:picLocks noChangeAspect="1"/>
+          </p:cNvPicPr>
+          <p:nvPr/>
+        </p:nvPicPr>
+        <p:blipFill>
+          <a:blip r:embed="rId6">
+            <a:extLst>
+              <a:ext uri="{28A0092B-C50C-407E-A947-70E740481C1C}">
+                <a14:useLocalDpi xmlns:a14="http://schemas.microsoft.com/office/drawing/2010/main" val="0"/>
+              </a:ext>
+            </a:extLst>
+          </a:blip>
+          <a:stretch>
+            <a:fillRect/>
+          </a:stretch>
+        </p:blipFill>
+        <p:spPr>
+          <a:xfrm>
+            <a:off x="1981200" y="3604082"/>
+            <a:ext cx="812955" cy="812955"/>
+          </a:xfrm>
+          <a:prstGeom prst="rect">
+            <a:avLst/>
+          </a:prstGeom>
+        </p:spPr>
+      </p:pic>
+      <p:sp>
+        <p:nvSpPr>
+          <p:cNvPr id="16" name="Textfeld 15"/>
+          <p:cNvSpPr txBox="1"/>
+          <p:nvPr/>
+        </p:nvSpPr>
+        <p:spPr>
+          <a:xfrm>
+            <a:off x="2217385" y="4558502"/>
+            <a:ext cx="891251" cy="861774"/>
+          </a:xfrm>
+          <a:prstGeom prst="rect">
+            <a:avLst/>
+          </a:prstGeom>
+          <a:noFill/>
+        </p:spPr>
+        <p:txBody>
+          <a:bodyPr wrap="square" rtlCol="0">
+            <a:spAutoFit/>
+          </a:bodyPr>
+          <a:lstStyle/>
+          <a:p>
+            <a:r>
+              <a:rPr lang="de-DE" sz="5000" dirty="0" smtClean="0"/>
+              <a:t>.</a:t>
+            </a:r>
+            <a:endParaRPr lang="de-DE" sz="5000" dirty="0"/>
+          </a:p>
+        </p:txBody>
+      </p:sp>
+      <p:sp>
+        <p:nvSpPr>
+          <p:cNvPr id="19" name="Pfeil nach oben 18"/>
+          <p:cNvSpPr/>
+          <p:nvPr/>
+        </p:nvSpPr>
+        <p:spPr>
+          <a:xfrm>
+            <a:off x="4754940" y="4398708"/>
+            <a:ext cx="220717" cy="359184"/>
+          </a:xfrm>
+          <a:prstGeom prst="upArrow">
+            <a:avLst/>
+          </a:prstGeom>
+        </p:spPr>
+        <p:style>
+          <a:lnRef idx="2">
+            <a:schemeClr val="accent1">
+              <a:shade val="50000"/>
+            </a:schemeClr>
+          </a:lnRef>
+          <a:fillRef idx="1">
+            <a:schemeClr val="accent1"/>
+          </a:fillRef>
+          <a:effectRef idx="0">
+            <a:schemeClr val="accent1"/>
+          </a:effectRef>
+          <a:fontRef idx="minor">
+            <a:schemeClr val="lt1"/>
+          </a:fontRef>
+        </p:style>
+        <p:txBody>
+          <a:bodyPr rtlCol="0" anchor="ctr"/>
+          <a:lstStyle/>
+          <a:p>
+            <a:pPr algn="ctr"/>
+            <a:endParaRPr lang="de-DE"/>
+          </a:p>
+        </p:txBody>
+      </p:sp>
+      <p:sp>
+        <p:nvSpPr>
+          <p:cNvPr id="20" name="Pfeil nach oben 19"/>
+          <p:cNvSpPr/>
+          <p:nvPr/>
+        </p:nvSpPr>
+        <p:spPr>
+          <a:xfrm rot="16200000">
+            <a:off x="4033520" y="4179539"/>
+            <a:ext cx="220717" cy="359184"/>
+          </a:xfrm>
+          <a:prstGeom prst="upArrow">
+            <a:avLst/>
+          </a:prstGeom>
+        </p:spPr>
+        <p:style>
+          <a:lnRef idx="2">
+            <a:schemeClr val="accent1">
+              <a:shade val="50000"/>
+            </a:schemeClr>
+          </a:lnRef>
+          <a:fillRef idx="1">
+            <a:schemeClr val="accent1"/>
+          </a:fillRef>
+          <a:effectRef idx="0">
+            <a:schemeClr val="accent1"/>
+          </a:effectRef>
+          <a:fontRef idx="minor">
+            <a:schemeClr val="lt1"/>
+          </a:fontRef>
+        </p:style>
+        <p:txBody>
+          <a:bodyPr rtlCol="0" anchor="ctr"/>
+          <a:lstStyle/>
+          <a:p>
+            <a:pPr algn="ctr"/>
+            <a:endParaRPr lang="de-DE"/>
+          </a:p>
+        </p:txBody>
+      </p:sp>
+      <p:sp>
+        <p:nvSpPr>
+          <p:cNvPr id="21" name="Pfeil nach oben 20"/>
+          <p:cNvSpPr/>
+          <p:nvPr/>
+        </p:nvSpPr>
+        <p:spPr>
+          <a:xfrm flipV="1">
+            <a:off x="3480052" y="4448851"/>
+            <a:ext cx="220717" cy="359184"/>
+          </a:xfrm>
+          <a:prstGeom prst="upArrow">
+            <a:avLst/>
+          </a:prstGeom>
+        </p:spPr>
+        <p:style>
+          <a:lnRef idx="2">
+            <a:schemeClr val="accent1">
+              <a:shade val="50000"/>
+            </a:schemeClr>
+          </a:lnRef>
+          <a:fillRef idx="1">
+            <a:schemeClr val="accent1"/>
+          </a:fillRef>
+          <a:effectRef idx="0">
+            <a:schemeClr val="accent1"/>
+          </a:effectRef>
+          <a:fontRef idx="minor">
+            <a:schemeClr val="lt1"/>
+          </a:fontRef>
+        </p:style>
+        <p:txBody>
+          <a:bodyPr rtlCol="0" anchor="ctr"/>
+          <a:lstStyle/>
+          <a:p>
+            <a:pPr algn="ctr"/>
+            <a:endParaRPr lang="de-DE"/>
+          </a:p>
+        </p:txBody>
+      </p:sp>
+      <p:sp>
+        <p:nvSpPr>
+          <p:cNvPr id="22" name="Pfeil nach oben 21"/>
+          <p:cNvSpPr/>
+          <p:nvPr/>
+        </p:nvSpPr>
+        <p:spPr>
+          <a:xfrm rot="16200000">
+            <a:off x="2863389" y="5044131"/>
+            <a:ext cx="220717" cy="359184"/>
+          </a:xfrm>
+          <a:prstGeom prst="upArrow">
+            <a:avLst/>
+          </a:prstGeom>
+        </p:spPr>
+        <p:style>
+          <a:lnRef idx="2">
+            <a:schemeClr val="accent1">
+              <a:shade val="50000"/>
+            </a:schemeClr>
+          </a:lnRef>
+          <a:fillRef idx="1">
+            <a:schemeClr val="accent1"/>
+          </a:fillRef>
+          <a:effectRef idx="0">
+            <a:schemeClr val="accent1"/>
+          </a:effectRef>
+          <a:fontRef idx="minor">
+            <a:schemeClr val="lt1"/>
+          </a:fontRef>
+        </p:style>
+        <p:txBody>
+          <a:bodyPr rtlCol="0" anchor="ctr"/>
+          <a:lstStyle/>
+          <a:p>
+            <a:pPr algn="ctr"/>
+            <a:endParaRPr lang="de-DE"/>
+          </a:p>
+        </p:txBody>
+      </p:sp>
+      <p:sp>
+        <p:nvSpPr>
+          <p:cNvPr id="23" name="Pfeil nach oben 22"/>
+          <p:cNvSpPr/>
+          <p:nvPr/>
+        </p:nvSpPr>
+        <p:spPr>
+          <a:xfrm>
+            <a:off x="2278943" y="4465948"/>
+            <a:ext cx="220717" cy="359184"/>
+          </a:xfrm>
+          <a:prstGeom prst="upArrow">
+            <a:avLst/>
+          </a:prstGeom>
+        </p:spPr>
+        <p:style>
+          <a:lnRef idx="2">
+            <a:schemeClr val="accent1">
+              <a:shade val="50000"/>
+            </a:schemeClr>
+          </a:lnRef>
+          <a:fillRef idx="1">
+            <a:schemeClr val="accent1"/>
+          </a:fillRef>
+          <a:effectRef idx="0">
+            <a:schemeClr val="accent1"/>
+          </a:effectRef>
+          <a:fontRef idx="minor">
+            <a:schemeClr val="lt1"/>
+          </a:fontRef>
+        </p:style>
+        <p:txBody>
+          <a:bodyPr rtlCol="0" anchor="ctr"/>
+          <a:lstStyle/>
+          <a:p>
+            <a:pPr algn="ctr"/>
+            <a:endParaRPr lang="de-DE"/>
+          </a:p>
+        </p:txBody>
+      </p:sp>
+      <p:sp>
+        <p:nvSpPr>
+          <p:cNvPr id="24" name="Pfeil nach oben 23"/>
+          <p:cNvSpPr/>
+          <p:nvPr/>
+        </p:nvSpPr>
+        <p:spPr>
+          <a:xfrm flipV="1">
+            <a:off x="2277318" y="4493605"/>
+            <a:ext cx="220717" cy="359184"/>
+          </a:xfrm>
+          <a:prstGeom prst="upArrow">
+            <a:avLst/>
+          </a:prstGeom>
+        </p:spPr>
+        <p:style>
+          <a:lnRef idx="2">
+            <a:schemeClr val="accent1">
+              <a:shade val="50000"/>
+            </a:schemeClr>
+          </a:lnRef>
+          <a:fillRef idx="1">
+            <a:schemeClr val="accent1"/>
+          </a:fillRef>
+          <a:effectRef idx="0">
+            <a:schemeClr val="accent1"/>
+          </a:effectRef>
+          <a:fontRef idx="minor">
+            <a:schemeClr val="lt1"/>
+          </a:fontRef>
+        </p:style>
+        <p:txBody>
+          <a:bodyPr rtlCol="0" anchor="ctr"/>
+          <a:lstStyle/>
+          <a:p>
+            <a:pPr algn="ctr"/>
+            <a:endParaRPr lang="de-DE"/>
+          </a:p>
+        </p:txBody>
+      </p:sp>
+      <p:sp>
+        <p:nvSpPr>
+          <p:cNvPr id="25" name="Pfeil nach oben 24"/>
+          <p:cNvSpPr/>
+          <p:nvPr/>
+        </p:nvSpPr>
+        <p:spPr>
+          <a:xfrm rot="5400000" flipH="1">
+            <a:off x="2879995" y="5050044"/>
+            <a:ext cx="220717" cy="359184"/>
+          </a:xfrm>
+          <a:prstGeom prst="upArrow">
+            <a:avLst/>
+          </a:prstGeom>
+        </p:spPr>
+        <p:style>
+          <a:lnRef idx="2">
+            <a:schemeClr val="accent1">
+              <a:shade val="50000"/>
+            </a:schemeClr>
+          </a:lnRef>
+          <a:fillRef idx="1">
+            <a:schemeClr val="accent1"/>
+          </a:fillRef>
+          <a:effectRef idx="0">
+            <a:schemeClr val="accent1"/>
+          </a:effectRef>
+          <a:fontRef idx="minor">
+            <a:schemeClr val="lt1"/>
+          </a:fontRef>
+        </p:style>
+        <p:txBody>
+          <a:bodyPr rtlCol="0" anchor="ctr"/>
+          <a:lstStyle/>
+          <a:p>
+            <a:pPr algn="ctr"/>
+            <a:endParaRPr lang="de-DE"/>
+          </a:p>
+        </p:txBody>
+      </p:sp>
+      <p:pic>
+        <p:nvPicPr>
+          <p:cNvPr id="26" name="Grafik 25"/>
+          <p:cNvPicPr>
+            <a:picLocks noChangeAspect="1"/>
+          </p:cNvPicPr>
+          <p:nvPr/>
+        </p:nvPicPr>
+        <p:blipFill>
+          <a:blip r:embed="rId6">
+            <a:extLst>
+              <a:ext uri="{28A0092B-C50C-407E-A947-70E740481C1C}">
+                <a14:useLocalDpi xmlns:a14="http://schemas.microsoft.com/office/drawing/2010/main" val="0"/>
+              </a:ext>
+            </a:extLst>
+          </a:blip>
+          <a:stretch>
+            <a:fillRect/>
+          </a:stretch>
+        </p:blipFill>
+        <p:spPr>
+          <a:xfrm>
+            <a:off x="1975167" y="4767827"/>
+            <a:ext cx="812955" cy="812955"/>
+          </a:xfrm>
+          <a:prstGeom prst="rect">
+            <a:avLst/>
+          </a:prstGeom>
+        </p:spPr>
+      </p:pic>
+      <p:sp>
+        <p:nvSpPr>
+          <p:cNvPr id="27" name="Textfeld 26"/>
+          <p:cNvSpPr txBox="1"/>
+          <p:nvPr/>
+        </p:nvSpPr>
+        <p:spPr>
+          <a:xfrm>
+            <a:off x="3348399" y="4574871"/>
+            <a:ext cx="891251" cy="861774"/>
+          </a:xfrm>
+          <a:prstGeom prst="rect">
+            <a:avLst/>
+          </a:prstGeom>
+          <a:noFill/>
+        </p:spPr>
+        <p:txBody>
+          <a:bodyPr wrap="square" rtlCol="0">
+            <a:spAutoFit/>
+          </a:bodyPr>
+          <a:lstStyle/>
+          <a:p>
+            <a:r>
+              <a:rPr lang="de-DE" sz="5000" dirty="0" smtClean="0"/>
+              <a:t>..</a:t>
+            </a:r>
+            <a:endParaRPr lang="de-DE" sz="5000" dirty="0"/>
+          </a:p>
+        </p:txBody>
+      </p:sp>
+      <p:pic>
+        <p:nvPicPr>
+          <p:cNvPr id="9" name="Grafik 8"/>
+          <p:cNvPicPr>
+            <a:picLocks noChangeAspect="1"/>
+          </p:cNvPicPr>
+          <p:nvPr/>
+        </p:nvPicPr>
+        <p:blipFill>
+          <a:blip r:embed="rId7">
+            <a:extLst>
+              <a:ext uri="{28A0092B-C50C-407E-A947-70E740481C1C}">
+                <a14:useLocalDpi xmlns:a14="http://schemas.microsoft.com/office/drawing/2010/main" val="0"/>
+              </a:ext>
+            </a:extLst>
+          </a:blip>
+          <a:stretch>
+            <a:fillRect/>
+          </a:stretch>
+        </p:blipFill>
+        <p:spPr>
+          <a:xfrm>
+            <a:off x="510741" y="394638"/>
+            <a:ext cx="8529086" cy="5999272"/>
+          </a:xfrm>
+          <a:prstGeom prst="rect">
+            <a:avLst/>
+          </a:prstGeom>
+        </p:spPr>
+      </p:pic>
+      <p:pic>
+        <p:nvPicPr>
+          <p:cNvPr id="14" name="Grafik 13"/>
+          <p:cNvPicPr>
+            <a:picLocks noChangeAspect="1"/>
+          </p:cNvPicPr>
+          <p:nvPr/>
+        </p:nvPicPr>
+        <p:blipFill>
+          <a:blip r:embed="rId8">
+            <a:extLst>
+              <a:ext uri="{28A0092B-C50C-407E-A947-70E740481C1C}">
+                <a14:useLocalDpi xmlns:a14="http://schemas.microsoft.com/office/drawing/2010/main" val="0"/>
+              </a:ext>
+            </a:extLst>
+          </a:blip>
+          <a:stretch>
+            <a:fillRect/>
+          </a:stretch>
+        </p:blipFill>
+        <p:spPr>
+          <a:xfrm>
+            <a:off x="8696755" y="-240073"/>
+            <a:ext cx="2469417" cy="3200865"/>
+          </a:xfrm>
+          <a:prstGeom prst="rect">
+            <a:avLst/>
+          </a:prstGeom>
+        </p:spPr>
+      </p:pic>
       <p:sp>
         <p:nvSpPr>
           <p:cNvPr id="8" name="Textfeld 7"/>
@@ -20080,36 +22594,6 @@
           </a:p>
         </p:txBody>
       </p:sp>
-      <p:pic>
-        <p:nvPicPr>
-          <p:cNvPr id="14" name="Grafik 13"/>
-          <p:cNvPicPr>
-            <a:picLocks noChangeAspect="1"/>
-          </p:cNvPicPr>
-          <p:nvPr/>
-        </p:nvPicPr>
-        <p:blipFill>
-          <a:blip r:embed="rId7">
-            <a:extLst>
-              <a:ext uri="{28A0092B-C50C-407E-A947-70E740481C1C}">
-                <a14:useLocalDpi xmlns:a14="http://schemas.microsoft.com/office/drawing/2010/main" val="0"/>
-              </a:ext>
-            </a:extLst>
-          </a:blip>
-          <a:stretch>
-            <a:fillRect/>
-          </a:stretch>
-        </p:blipFill>
-        <p:spPr>
-          <a:xfrm>
-            <a:off x="8696755" y="-240073"/>
-            <a:ext cx="2469417" cy="3200865"/>
-          </a:xfrm>
-          <a:prstGeom prst="rect">
-            <a:avLst/>
-          </a:prstGeom>
-        </p:spPr>
-      </p:pic>
     </p:spTree>
     <p:extLst>
       <p:ext uri="{BB962C8B-B14F-4D97-AF65-F5344CB8AC3E}">
@@ -20144,9 +22628,6 @@
                     <p:cTn id="3" fill="hold">
                       <p:stCondLst>
                         <p:cond delay="indefinite"/>
-                        <p:cond evt="onBegin" delay="0">
-                          <p:tn val="2"/>
-                        </p:cond>
                       </p:stCondLst>
                       <p:childTnLst>
                         <p:par>
@@ -20156,7 +22637,7 @@
                             </p:stCondLst>
                             <p:childTnLst>
                               <p:par>
-                                <p:cTn id="5" presetID="10" presetClass="entr" presetSubtype="0" fill="hold" grpId="0" nodeType="withEffect">
+                                <p:cTn id="5" presetID="10" presetClass="entr" presetSubtype="0" fill="hold" nodeType="clickEffect">
                                   <p:stCondLst>
                                     <p:cond delay="0"/>
                                   </p:stCondLst>
@@ -20169,7 +22650,7 @@
                                           </p:stCondLst>
                                         </p:cTn>
                                         <p:tgtEl>
-                                          <p:spTgt spid="6"/>
+                                          <p:spTgt spid="10"/>
                                         </p:tgtEl>
                                         <p:attrNameLst>
                                           <p:attrName>style.visibility</p:attrName>
@@ -20183,7 +22664,42 @@
                                       <p:cBhvr>
                                         <p:cTn id="7" dur="500"/>
                                         <p:tgtEl>
-                                          <p:spTgt spid="6"/>
+                                          <p:spTgt spid="10"/>
+                                        </p:tgtEl>
+                                      </p:cBhvr>
+                                    </p:animEffect>
+                                  </p:childTnLst>
+                                </p:cTn>
+                              </p:par>
+                              <p:par>
+                                <p:cTn id="8" presetID="22" presetClass="entr" presetSubtype="2" fill="hold" grpId="0" nodeType="withEffect">
+                                  <p:stCondLst>
+                                    <p:cond delay="0"/>
+                                  </p:stCondLst>
+                                  <p:childTnLst>
+                                    <p:set>
+                                      <p:cBhvr>
+                                        <p:cTn id="9" dur="1" fill="hold">
+                                          <p:stCondLst>
+                                            <p:cond delay="0"/>
+                                          </p:stCondLst>
+                                        </p:cTn>
+                                        <p:tgtEl>
+                                          <p:spTgt spid="20"/>
+                                        </p:tgtEl>
+                                        <p:attrNameLst>
+                                          <p:attrName>style.visibility</p:attrName>
+                                        </p:attrNameLst>
+                                      </p:cBhvr>
+                                      <p:to>
+                                        <p:strVal val="visible"/>
+                                      </p:to>
+                                    </p:set>
+                                    <p:animEffect transition="in" filter="wipe(right)">
+                                      <p:cBhvr>
+                                        <p:cTn id="10" dur="500"/>
+                                        <p:tgtEl>
+                                          <p:spTgt spid="20"/>
                                         </p:tgtEl>
                                       </p:cBhvr>
                                     </p:animEffect>
@@ -20197,32 +22713,32 @@
                     </p:cTn>
                   </p:par>
                   <p:par>
-                    <p:cTn id="8" fill="hold">
+                    <p:cTn id="11" fill="hold">
                       <p:stCondLst>
                         <p:cond delay="indefinite"/>
                       </p:stCondLst>
                       <p:childTnLst>
                         <p:par>
-                          <p:cTn id="9" fill="hold">
+                          <p:cTn id="12" fill="hold">
                             <p:stCondLst>
                               <p:cond delay="0"/>
                             </p:stCondLst>
                             <p:childTnLst>
                               <p:par>
-                                <p:cTn id="10" presetID="10" presetClass="entr" presetSubtype="0" fill="hold" nodeType="clickEffect">
+                                <p:cTn id="13" presetID="10" presetClass="entr" presetSubtype="0" fill="hold" grpId="0" nodeType="clickEffect">
                                   <p:stCondLst>
                                     <p:cond delay="0"/>
                                   </p:stCondLst>
                                   <p:childTnLst>
                                     <p:set>
                                       <p:cBhvr>
-                                        <p:cTn id="11" dur="1" fill="hold">
+                                        <p:cTn id="14" dur="1" fill="hold">
                                           <p:stCondLst>
                                             <p:cond delay="0"/>
                                           </p:stCondLst>
                                         </p:cTn>
                                         <p:tgtEl>
-                                          <p:spTgt spid="10"/>
+                                          <p:spTgt spid="11"/>
                                         </p:tgtEl>
                                         <p:attrNameLst>
                                           <p:attrName>style.visibility</p:attrName>
@@ -20234,9 +22750,44 @@
                                     </p:set>
                                     <p:animEffect transition="in" filter="fade">
                                       <p:cBhvr>
-                                        <p:cTn id="12" dur="500"/>
-                                        <p:tgtEl>
-                                          <p:spTgt spid="10"/>
+                                        <p:cTn id="15" dur="500"/>
+                                        <p:tgtEl>
+                                          <p:spTgt spid="11"/>
+                                        </p:tgtEl>
+                                      </p:cBhvr>
+                                    </p:animEffect>
+                                  </p:childTnLst>
+                                </p:cTn>
+                              </p:par>
+                              <p:par>
+                                <p:cTn id="16" presetID="22" presetClass="entr" presetSubtype="1" fill="hold" grpId="0" nodeType="withEffect">
+                                  <p:stCondLst>
+                                    <p:cond delay="0"/>
+                                  </p:stCondLst>
+                                  <p:childTnLst>
+                                    <p:set>
+                                      <p:cBhvr>
+                                        <p:cTn id="17" dur="1" fill="hold">
+                                          <p:stCondLst>
+                                            <p:cond delay="0"/>
+                                          </p:stCondLst>
+                                        </p:cTn>
+                                        <p:tgtEl>
+                                          <p:spTgt spid="21"/>
+                                        </p:tgtEl>
+                                        <p:attrNameLst>
+                                          <p:attrName>style.visibility</p:attrName>
+                                        </p:attrNameLst>
+                                      </p:cBhvr>
+                                      <p:to>
+                                        <p:strVal val="visible"/>
+                                      </p:to>
+                                    </p:set>
+                                    <p:animEffect transition="in" filter="wipe(up)">
+                                      <p:cBhvr>
+                                        <p:cTn id="18" dur="500"/>
+                                        <p:tgtEl>
+                                          <p:spTgt spid="21"/>
                                         </p:tgtEl>
                                       </p:cBhvr>
                                     </p:animEffect>
@@ -20250,32 +22801,32 @@
                     </p:cTn>
                   </p:par>
                   <p:par>
-                    <p:cTn id="13" fill="hold">
+                    <p:cTn id="19" fill="hold">
                       <p:stCondLst>
                         <p:cond delay="indefinite"/>
                       </p:stCondLst>
                       <p:childTnLst>
                         <p:par>
-                          <p:cTn id="14" fill="hold">
+                          <p:cTn id="20" fill="hold">
                             <p:stCondLst>
                               <p:cond delay="0"/>
                             </p:stCondLst>
                             <p:childTnLst>
                               <p:par>
-                                <p:cTn id="15" presetID="10" presetClass="entr" presetSubtype="0" fill="hold" grpId="0" nodeType="clickEffect">
+                                <p:cTn id="21" presetID="10" presetClass="entr" presetSubtype="0" fill="hold" grpId="0" nodeType="clickEffect">
                                   <p:stCondLst>
                                     <p:cond delay="0"/>
                                   </p:stCondLst>
                                   <p:childTnLst>
                                     <p:set>
                                       <p:cBhvr>
-                                        <p:cTn id="16" dur="1" fill="hold">
+                                        <p:cTn id="22" dur="1" fill="hold">
                                           <p:stCondLst>
                                             <p:cond delay="0"/>
                                           </p:stCondLst>
                                         </p:cTn>
                                         <p:tgtEl>
-                                          <p:spTgt spid="11"/>
+                                          <p:spTgt spid="12"/>
                                         </p:tgtEl>
                                         <p:attrNameLst>
                                           <p:attrName>style.visibility</p:attrName>
@@ -20287,9 +22838,44 @@
                                     </p:set>
                                     <p:animEffect transition="in" filter="fade">
                                       <p:cBhvr>
-                                        <p:cTn id="17" dur="500"/>
-                                        <p:tgtEl>
-                                          <p:spTgt spid="11"/>
+                                        <p:cTn id="23" dur="500"/>
+                                        <p:tgtEl>
+                                          <p:spTgt spid="12"/>
+                                        </p:tgtEl>
+                                      </p:cBhvr>
+                                    </p:animEffect>
+                                  </p:childTnLst>
+                                </p:cTn>
+                              </p:par>
+                              <p:par>
+                                <p:cTn id="24" presetID="22" presetClass="entr" presetSubtype="2" fill="hold" grpId="0" nodeType="withEffect">
+                                  <p:stCondLst>
+                                    <p:cond delay="0"/>
+                                  </p:stCondLst>
+                                  <p:childTnLst>
+                                    <p:set>
+                                      <p:cBhvr>
+                                        <p:cTn id="25" dur="1" fill="hold">
+                                          <p:stCondLst>
+                                            <p:cond delay="0"/>
+                                          </p:stCondLst>
+                                        </p:cTn>
+                                        <p:tgtEl>
+                                          <p:spTgt spid="22"/>
+                                        </p:tgtEl>
+                                        <p:attrNameLst>
+                                          <p:attrName>style.visibility</p:attrName>
+                                        </p:attrNameLst>
+                                      </p:cBhvr>
+                                      <p:to>
+                                        <p:strVal val="visible"/>
+                                      </p:to>
+                                    </p:set>
+                                    <p:animEffect transition="in" filter="wipe(right)">
+                                      <p:cBhvr>
+                                        <p:cTn id="26" dur="500"/>
+                                        <p:tgtEl>
+                                          <p:spTgt spid="22"/>
                                         </p:tgtEl>
                                       </p:cBhvr>
                                     </p:animEffect>
@@ -20303,32 +22889,32 @@
                     </p:cTn>
                   </p:par>
                   <p:par>
-                    <p:cTn id="18" fill="hold">
+                    <p:cTn id="27" fill="hold">
                       <p:stCondLst>
                         <p:cond delay="indefinite"/>
                       </p:stCondLst>
                       <p:childTnLst>
                         <p:par>
-                          <p:cTn id="19" fill="hold">
+                          <p:cTn id="28" fill="hold">
                             <p:stCondLst>
                               <p:cond delay="0"/>
                             </p:stCondLst>
                             <p:childTnLst>
                               <p:par>
-                                <p:cTn id="20" presetID="10" presetClass="entr" presetSubtype="0" fill="hold" grpId="0" nodeType="clickEffect">
+                                <p:cTn id="29" presetID="10" presetClass="entr" presetSubtype="0" fill="hold" nodeType="clickEffect">
                                   <p:stCondLst>
                                     <p:cond delay="0"/>
                                   </p:stCondLst>
                                   <p:childTnLst>
                                     <p:set>
                                       <p:cBhvr>
-                                        <p:cTn id="21" dur="1" fill="hold">
+                                        <p:cTn id="30" dur="1" fill="hold">
                                           <p:stCondLst>
                                             <p:cond delay="0"/>
                                           </p:stCondLst>
                                         </p:cTn>
                                         <p:tgtEl>
-                                          <p:spTgt spid="12"/>
+                                          <p:spTgt spid="15"/>
                                         </p:tgtEl>
                                         <p:attrNameLst>
                                           <p:attrName>style.visibility</p:attrName>
@@ -20340,9 +22926,44 @@
                                     </p:set>
                                     <p:animEffect transition="in" filter="fade">
                                       <p:cBhvr>
-                                        <p:cTn id="22" dur="500"/>
-                                        <p:tgtEl>
-                                          <p:spTgt spid="12"/>
+                                        <p:cTn id="31" dur="500"/>
+                                        <p:tgtEl>
+                                          <p:spTgt spid="15"/>
+                                        </p:tgtEl>
+                                      </p:cBhvr>
+                                    </p:animEffect>
+                                  </p:childTnLst>
+                                </p:cTn>
+                              </p:par>
+                              <p:par>
+                                <p:cTn id="32" presetID="22" presetClass="entr" presetSubtype="4" fill="hold" grpId="0" nodeType="withEffect">
+                                  <p:stCondLst>
+                                    <p:cond delay="0"/>
+                                  </p:stCondLst>
+                                  <p:childTnLst>
+                                    <p:set>
+                                      <p:cBhvr>
+                                        <p:cTn id="33" dur="1" fill="hold">
+                                          <p:stCondLst>
+                                            <p:cond delay="0"/>
+                                          </p:stCondLst>
+                                        </p:cTn>
+                                        <p:tgtEl>
+                                          <p:spTgt spid="23"/>
+                                        </p:tgtEl>
+                                        <p:attrNameLst>
+                                          <p:attrName>style.visibility</p:attrName>
+                                        </p:attrNameLst>
+                                      </p:cBhvr>
+                                      <p:to>
+                                        <p:strVal val="visible"/>
+                                      </p:to>
+                                    </p:set>
+                                    <p:animEffect transition="in" filter="wipe(down)">
+                                      <p:cBhvr>
+                                        <p:cTn id="34" dur="500"/>
+                                        <p:tgtEl>
+                                          <p:spTgt spid="23"/>
                                         </p:tgtEl>
                                       </p:cBhvr>
                                     </p:animEffect>
@@ -20356,32 +22977,156 @@
                     </p:cTn>
                   </p:par>
                   <p:par>
-                    <p:cTn id="23" fill="hold">
+                    <p:cTn id="35" fill="hold">
                       <p:stCondLst>
                         <p:cond delay="indefinite"/>
                       </p:stCondLst>
                       <p:childTnLst>
                         <p:par>
-                          <p:cTn id="24" fill="hold">
+                          <p:cTn id="36" fill="hold">
                             <p:stCondLst>
                               <p:cond delay="0"/>
                             </p:stCondLst>
                             <p:childTnLst>
                               <p:par>
-                                <p:cTn id="25" presetID="10" presetClass="entr" presetSubtype="0" fill="hold" grpId="0" nodeType="clickEffect">
+                                <p:cTn id="37" presetID="10" presetClass="exit" presetSubtype="0" fill="hold" nodeType="clickEffect">
+                                  <p:stCondLst>
+                                    <p:cond delay="0"/>
+                                  </p:stCondLst>
+                                  <p:childTnLst>
+                                    <p:animEffect transition="out" filter="fade">
+                                      <p:cBhvr>
+                                        <p:cTn id="38" dur="500"/>
+                                        <p:tgtEl>
+                                          <p:spTgt spid="15"/>
+                                        </p:tgtEl>
+                                      </p:cBhvr>
+                                    </p:animEffect>
+                                    <p:set>
+                                      <p:cBhvr>
+                                        <p:cTn id="39" dur="1" fill="hold">
+                                          <p:stCondLst>
+                                            <p:cond delay="499"/>
+                                          </p:stCondLst>
+                                        </p:cTn>
+                                        <p:tgtEl>
+                                          <p:spTgt spid="15"/>
+                                        </p:tgtEl>
+                                        <p:attrNameLst>
+                                          <p:attrName>style.visibility</p:attrName>
+                                        </p:attrNameLst>
+                                      </p:cBhvr>
+                                      <p:to>
+                                        <p:strVal val="hidden"/>
+                                      </p:to>
+                                    </p:set>
+                                  </p:childTnLst>
+                                </p:cTn>
+                              </p:par>
+                              <p:par>
+                                <p:cTn id="40" presetID="1" presetClass="exit" presetSubtype="0" fill="hold" grpId="1" nodeType="withEffect">
                                   <p:stCondLst>
                                     <p:cond delay="0"/>
                                   </p:stCondLst>
                                   <p:childTnLst>
                                     <p:set>
                                       <p:cBhvr>
-                                        <p:cTn id="26" dur="1" fill="hold">
+                                        <p:cTn id="41" dur="1" fill="hold">
                                           <p:stCondLst>
                                             <p:cond delay="0"/>
                                           </p:stCondLst>
                                         </p:cTn>
                                         <p:tgtEl>
-                                          <p:spTgt spid="13"/>
+                                          <p:spTgt spid="12"/>
+                                        </p:tgtEl>
+                                        <p:attrNameLst>
+                                          <p:attrName>style.visibility</p:attrName>
+                                        </p:attrNameLst>
+                                      </p:cBhvr>
+                                      <p:to>
+                                        <p:strVal val="hidden"/>
+                                      </p:to>
+                                    </p:set>
+                                  </p:childTnLst>
+                                </p:cTn>
+                              </p:par>
+                              <p:par>
+                                <p:cTn id="42" presetID="1" presetClass="exit" presetSubtype="0" fill="hold" grpId="1" nodeType="withEffect">
+                                  <p:stCondLst>
+                                    <p:cond delay="0"/>
+                                  </p:stCondLst>
+                                  <p:childTnLst>
+                                    <p:set>
+                                      <p:cBhvr>
+                                        <p:cTn id="43" dur="1" fill="hold">
+                                          <p:stCondLst>
+                                            <p:cond delay="0"/>
+                                          </p:stCondLst>
+                                        </p:cTn>
+                                        <p:tgtEl>
+                                          <p:spTgt spid="23"/>
+                                        </p:tgtEl>
+                                        <p:attrNameLst>
+                                          <p:attrName>style.visibility</p:attrName>
+                                        </p:attrNameLst>
+                                      </p:cBhvr>
+                                      <p:to>
+                                        <p:strVal val="hidden"/>
+                                      </p:to>
+                                    </p:set>
+                                  </p:childTnLst>
+                                </p:cTn>
+                              </p:par>
+                              <p:par>
+                                <p:cTn id="44" presetID="22" presetClass="entr" presetSubtype="1" fill="hold" grpId="0" nodeType="withEffect">
+                                  <p:stCondLst>
+                                    <p:cond delay="0"/>
+                                  </p:stCondLst>
+                                  <p:childTnLst>
+                                    <p:set>
+                                      <p:cBhvr>
+                                        <p:cTn id="45" dur="1" fill="hold">
+                                          <p:stCondLst>
+                                            <p:cond delay="0"/>
+                                          </p:stCondLst>
+                                        </p:cTn>
+                                        <p:tgtEl>
+                                          <p:spTgt spid="24"/>
+                                        </p:tgtEl>
+                                        <p:attrNameLst>
+                                          <p:attrName>style.visibility</p:attrName>
+                                        </p:attrNameLst>
+                                      </p:cBhvr>
+                                      <p:to>
+                                        <p:strVal val="visible"/>
+                                      </p:to>
+                                    </p:set>
+                                    <p:animEffect transition="in" filter="wipe(up)">
+                                      <p:cBhvr>
+                                        <p:cTn id="46" dur="500"/>
+                                        <p:tgtEl>
+                                          <p:spTgt spid="24"/>
+                                        </p:tgtEl>
+                                      </p:cBhvr>
+                                    </p:animEffect>
+                                  </p:childTnLst>
+                                </p:cTn>
+                              </p:par>
+                              <p:par>
+                                <p:cTn id="47" presetID="10" presetClass="entr" presetSubtype="0" fill="hold" grpId="0" nodeType="withEffect">
+                                  <p:stCondLst>
+                                    <p:cond delay="0"/>
+                                  </p:stCondLst>
+                                  <p:childTnLst>
+                                    <p:set>
+                                      <p:cBhvr>
+                                        <p:cTn id="48" dur="1" fill="hold">
+                                          <p:stCondLst>
+                                            <p:cond delay="0"/>
+                                          </p:stCondLst>
+                                        </p:cTn>
+                                        <p:tgtEl>
+                                          <p:spTgt spid="16"/>
                                         </p:tgtEl>
                                         <p:attrNameLst>
                                           <p:attrName>style.visibility</p:attrName>
@@ -20393,9 +23138,9 @@
                                     </p:set>
                                     <p:animEffect transition="in" filter="fade">
                                       <p:cBhvr>
-                                        <p:cTn id="27" dur="500"/>
-                                        <p:tgtEl>
-                                          <p:spTgt spid="13"/>
+                                        <p:cTn id="49" dur="500"/>
+                                        <p:tgtEl>
+                                          <p:spTgt spid="16"/>
                                         </p:tgtEl>
                                       </p:cBhvr>
                                     </p:animEffect>
@@ -20409,32 +23154,32 @@
                     </p:cTn>
                   </p:par>
                   <p:par>
-                    <p:cTn id="28" fill="hold">
+                    <p:cTn id="50" fill="hold">
                       <p:stCondLst>
                         <p:cond delay="indefinite"/>
                       </p:stCondLst>
                       <p:childTnLst>
                         <p:par>
-                          <p:cTn id="29" fill="hold">
+                          <p:cTn id="51" fill="hold">
                             <p:stCondLst>
                               <p:cond delay="0"/>
                             </p:stCondLst>
                             <p:childTnLst>
                               <p:par>
-                                <p:cTn id="30" presetID="10" presetClass="entr" presetSubtype="0" fill="hold" nodeType="clickEffect">
+                                <p:cTn id="52" presetID="10" presetClass="entr" presetSubtype="0" fill="hold" nodeType="clickEffect">
                                   <p:stCondLst>
                                     <p:cond delay="0"/>
                                   </p:stCondLst>
                                   <p:childTnLst>
                                     <p:set>
                                       <p:cBhvr>
-                                        <p:cTn id="31" dur="1" fill="hold">
+                                        <p:cTn id="53" dur="1" fill="hold">
                                           <p:stCondLst>
                                             <p:cond delay="0"/>
                                           </p:stCondLst>
                                         </p:cTn>
                                         <p:tgtEl>
-                                          <p:spTgt spid="9"/>
+                                          <p:spTgt spid="15"/>
                                         </p:tgtEl>
                                         <p:attrNameLst>
                                           <p:attrName>style.visibility</p:attrName>
@@ -20446,9 +23191,9 @@
                                     </p:set>
                                     <p:animEffect transition="in" filter="fade">
                                       <p:cBhvr>
-                                        <p:cTn id="32" dur="500"/>
-                                        <p:tgtEl>
-                                          <p:spTgt spid="9"/>
+                                        <p:cTn id="54" dur="500"/>
+                                        <p:tgtEl>
+                                          <p:spTgt spid="15"/>
                                         </p:tgtEl>
                                       </p:cBhvr>
                                     </p:animEffect>
@@ -20456,20 +23201,224 @@
                                 </p:cTn>
                               </p:par>
                               <p:par>
-                                <p:cTn id="33" presetID="10" presetClass="entr" presetSubtype="0" fill="hold" nodeType="withEffect">
+                                <p:cTn id="55" presetID="22" presetClass="entr" presetSubtype="4" fill="hold" grpId="2" nodeType="withEffect">
                                   <p:stCondLst>
                                     <p:cond delay="0"/>
                                   </p:stCondLst>
                                   <p:childTnLst>
                                     <p:set>
                                       <p:cBhvr>
-                                        <p:cTn id="34" dur="1" fill="hold">
+                                        <p:cTn id="56" dur="1" fill="hold">
                                           <p:stCondLst>
                                             <p:cond delay="0"/>
                                           </p:stCondLst>
                                         </p:cTn>
                                         <p:tgtEl>
-                                          <p:spTgt spid="14"/>
+                                          <p:spTgt spid="23"/>
+                                        </p:tgtEl>
+                                        <p:attrNameLst>
+                                          <p:attrName>style.visibility</p:attrName>
+                                        </p:attrNameLst>
+                                      </p:cBhvr>
+                                      <p:to>
+                                        <p:strVal val="visible"/>
+                                      </p:to>
+                                    </p:set>
+                                    <p:animEffect transition="in" filter="wipe(down)">
+                                      <p:cBhvr>
+                                        <p:cTn id="57" dur="500"/>
+                                        <p:tgtEl>
+                                          <p:spTgt spid="23"/>
+                                        </p:tgtEl>
+                                      </p:cBhvr>
+                                    </p:animEffect>
+                                  </p:childTnLst>
+                                </p:cTn>
+                              </p:par>
+                              <p:par>
+                                <p:cTn id="58" presetID="1" presetClass="exit" presetSubtype="0" fill="hold" grpId="1" nodeType="withEffect">
+                                  <p:stCondLst>
+                                    <p:cond delay="0"/>
+                                  </p:stCondLst>
+                                  <p:childTnLst>
+                                    <p:set>
+                                      <p:cBhvr>
+                                        <p:cTn id="59" dur="1" fill="hold">
+                                          <p:stCondLst>
+                                            <p:cond delay="0"/>
+                                          </p:stCondLst>
+                                        </p:cTn>
+                                        <p:tgtEl>
+                                          <p:spTgt spid="24"/>
+                                        </p:tgtEl>
+                                        <p:attrNameLst>
+                                          <p:attrName>style.visibility</p:attrName>
+                                        </p:attrNameLst>
+                                      </p:cBhvr>
+                                      <p:to>
+                                        <p:strVal val="hidden"/>
+                                      </p:to>
+                                    </p:set>
+                                  </p:childTnLst>
+                                </p:cTn>
+                              </p:par>
+                            </p:childTnLst>
+                          </p:cTn>
+                        </p:par>
+                      </p:childTnLst>
+                    </p:cTn>
+                  </p:par>
+                  <p:par>
+                    <p:cTn id="60" fill="hold">
+                      <p:stCondLst>
+                        <p:cond delay="indefinite"/>
+                      </p:stCondLst>
+                      <p:childTnLst>
+                        <p:par>
+                          <p:cTn id="61" fill="hold">
+                            <p:stCondLst>
+                              <p:cond delay="0"/>
+                            </p:stCondLst>
+                            <p:childTnLst>
+                              <p:par>
+                                <p:cTn id="62" presetID="10" presetClass="exit" presetSubtype="0" fill="hold" nodeType="clickEffect">
+                                  <p:stCondLst>
+                                    <p:cond delay="0"/>
+                                  </p:stCondLst>
+                                  <p:childTnLst>
+                                    <p:animEffect transition="out" filter="fade">
+                                      <p:cBhvr>
+                                        <p:cTn id="63" dur="500"/>
+                                        <p:tgtEl>
+                                          <p:spTgt spid="15"/>
+                                        </p:tgtEl>
+                                      </p:cBhvr>
+                                    </p:animEffect>
+                                    <p:set>
+                                      <p:cBhvr>
+                                        <p:cTn id="64" dur="1" fill="hold">
+                                          <p:stCondLst>
+                                            <p:cond delay="499"/>
+                                          </p:stCondLst>
+                                        </p:cTn>
+                                        <p:tgtEl>
+                                          <p:spTgt spid="15"/>
+                                        </p:tgtEl>
+                                        <p:attrNameLst>
+                                          <p:attrName>style.visibility</p:attrName>
+                                        </p:attrNameLst>
+                                      </p:cBhvr>
+                                      <p:to>
+                                        <p:strVal val="hidden"/>
+                                      </p:to>
+                                    </p:set>
+                                  </p:childTnLst>
+                                </p:cTn>
+                              </p:par>
+                              <p:par>
+                                <p:cTn id="65" presetID="1" presetClass="exit" presetSubtype="0" fill="hold" grpId="3" nodeType="withEffect">
+                                  <p:stCondLst>
+                                    <p:cond delay="0"/>
+                                  </p:stCondLst>
+                                  <p:childTnLst>
+                                    <p:set>
+                                      <p:cBhvr>
+                                        <p:cTn id="66" dur="1" fill="hold">
+                                          <p:stCondLst>
+                                            <p:cond delay="0"/>
+                                          </p:stCondLst>
+                                        </p:cTn>
+                                        <p:tgtEl>
+                                          <p:spTgt spid="23"/>
+                                        </p:tgtEl>
+                                        <p:attrNameLst>
+                                          <p:attrName>style.visibility</p:attrName>
+                                        </p:attrNameLst>
+                                      </p:cBhvr>
+                                      <p:to>
+                                        <p:strVal val="hidden"/>
+                                      </p:to>
+                                    </p:set>
+                                  </p:childTnLst>
+                                </p:cTn>
+                              </p:par>
+                              <p:par>
+                                <p:cTn id="67" presetID="22" presetClass="entr" presetSubtype="1" fill="hold" grpId="2" nodeType="withEffect">
+                                  <p:stCondLst>
+                                    <p:cond delay="0"/>
+                                  </p:stCondLst>
+                                  <p:childTnLst>
+                                    <p:set>
+                                      <p:cBhvr>
+                                        <p:cTn id="68" dur="1" fill="hold">
+                                          <p:stCondLst>
+                                            <p:cond delay="0"/>
+                                          </p:stCondLst>
+                                        </p:cTn>
+                                        <p:tgtEl>
+                                          <p:spTgt spid="24"/>
+                                        </p:tgtEl>
+                                        <p:attrNameLst>
+                                          <p:attrName>style.visibility</p:attrName>
+                                        </p:attrNameLst>
+                                      </p:cBhvr>
+                                      <p:to>
+                                        <p:strVal val="visible"/>
+                                      </p:to>
+                                    </p:set>
+                                    <p:animEffect transition="in" filter="wipe(up)">
+                                      <p:cBhvr>
+                                        <p:cTn id="69" dur="500"/>
+                                        <p:tgtEl>
+                                          <p:spTgt spid="24"/>
+                                        </p:tgtEl>
+                                      </p:cBhvr>
+                                    </p:animEffect>
+                                  </p:childTnLst>
+                                </p:cTn>
+                              </p:par>
+                              <p:par>
+                                <p:cTn id="70" presetID="1" presetClass="exit" presetSubtype="0" fill="hold" grpId="1" nodeType="withEffect">
+                                  <p:stCondLst>
+                                    <p:cond delay="0"/>
+                                  </p:stCondLst>
+                                  <p:childTnLst>
+                                    <p:set>
+                                      <p:cBhvr>
+                                        <p:cTn id="71" dur="1" fill="hold">
+                                          <p:stCondLst>
+                                            <p:cond delay="0"/>
+                                          </p:stCondLst>
+                                        </p:cTn>
+                                        <p:tgtEl>
+                                          <p:spTgt spid="16"/>
+                                        </p:tgtEl>
+                                        <p:attrNameLst>
+                                          <p:attrName>style.visibility</p:attrName>
+                                        </p:attrNameLst>
+                                      </p:cBhvr>
+                                      <p:to>
+                                        <p:strVal val="hidden"/>
+                                      </p:to>
+                                    </p:set>
+                                  </p:childTnLst>
+                                </p:cTn>
+                              </p:par>
+                              <p:par>
+                                <p:cTn id="72" presetID="10" presetClass="entr" presetSubtype="0" fill="hold" nodeType="withEffect">
+                                  <p:stCondLst>
+                                    <p:cond delay="0"/>
+                                  </p:stCondLst>
+                                  <p:childTnLst>
+                                    <p:set>
+                                      <p:cBhvr>
+                                        <p:cTn id="73" dur="1" fill="hold">
+                                          <p:stCondLst>
+                                            <p:cond delay="0"/>
+                                          </p:stCondLst>
+                                        </p:cTn>
+                                        <p:tgtEl>
+                                          <p:spTgt spid="26"/>
                                         </p:tgtEl>
                                         <p:attrNameLst>
                                           <p:attrName>style.visibility</p:attrName>
@@ -20481,7 +23430,379 @@
                                     </p:set>
                                     <p:animEffect transition="in" filter="fade">
                                       <p:cBhvr>
-                                        <p:cTn id="35" dur="500"/>
+                                        <p:cTn id="74" dur="500"/>
+                                        <p:tgtEl>
+                                          <p:spTgt spid="26"/>
+                                        </p:tgtEl>
+                                      </p:cBhvr>
+                                    </p:animEffect>
+                                  </p:childTnLst>
+                                </p:cTn>
+                              </p:par>
+                            </p:childTnLst>
+                          </p:cTn>
+                        </p:par>
+                      </p:childTnLst>
+                    </p:cTn>
+                  </p:par>
+                  <p:par>
+                    <p:cTn id="75" fill="hold">
+                      <p:stCondLst>
+                        <p:cond delay="indefinite"/>
+                      </p:stCondLst>
+                      <p:childTnLst>
+                        <p:par>
+                          <p:cTn id="76" fill="hold">
+                            <p:stCondLst>
+                              <p:cond delay="0"/>
+                            </p:stCondLst>
+                            <p:childTnLst>
+                              <p:par>
+                                <p:cTn id="77" presetID="1" presetClass="exit" presetSubtype="0" fill="hold" grpId="1" nodeType="clickEffect">
+                                  <p:stCondLst>
+                                    <p:cond delay="0"/>
+                                  </p:stCondLst>
+                                  <p:childTnLst>
+                                    <p:set>
+                                      <p:cBhvr>
+                                        <p:cTn id="78" dur="1" fill="hold">
+                                          <p:stCondLst>
+                                            <p:cond delay="0"/>
+                                          </p:stCondLst>
+                                        </p:cTn>
+                                        <p:tgtEl>
+                                          <p:spTgt spid="22"/>
+                                        </p:tgtEl>
+                                        <p:attrNameLst>
+                                          <p:attrName>style.visibility</p:attrName>
+                                        </p:attrNameLst>
+                                      </p:cBhvr>
+                                      <p:to>
+                                        <p:strVal val="hidden"/>
+                                      </p:to>
+                                    </p:set>
+                                  </p:childTnLst>
+                                </p:cTn>
+                              </p:par>
+                              <p:par>
+                                <p:cTn id="79" presetID="22" presetClass="entr" presetSubtype="8" fill="hold" grpId="0" nodeType="withEffect">
+                                  <p:stCondLst>
+                                    <p:cond delay="0"/>
+                                  </p:stCondLst>
+                                  <p:childTnLst>
+                                    <p:set>
+                                      <p:cBhvr>
+                                        <p:cTn id="80" dur="1" fill="hold">
+                                          <p:stCondLst>
+                                            <p:cond delay="0"/>
+                                          </p:stCondLst>
+                                        </p:cTn>
+                                        <p:tgtEl>
+                                          <p:spTgt spid="25"/>
+                                        </p:tgtEl>
+                                        <p:attrNameLst>
+                                          <p:attrName>style.visibility</p:attrName>
+                                        </p:attrNameLst>
+                                      </p:cBhvr>
+                                      <p:to>
+                                        <p:strVal val="visible"/>
+                                      </p:to>
+                                    </p:set>
+                                    <p:animEffect transition="in" filter="wipe(left)">
+                                      <p:cBhvr>
+                                        <p:cTn id="81" dur="500"/>
+                                        <p:tgtEl>
+                                          <p:spTgt spid="25"/>
+                                        </p:tgtEl>
+                                      </p:cBhvr>
+                                    </p:animEffect>
+                                  </p:childTnLst>
+                                </p:cTn>
+                              </p:par>
+                              <p:par>
+                                <p:cTn id="82" presetID="1" presetClass="exit" presetSubtype="0" fill="hold" grpId="3" nodeType="withEffect">
+                                  <p:stCondLst>
+                                    <p:cond delay="0"/>
+                                  </p:stCondLst>
+                                  <p:childTnLst>
+                                    <p:set>
+                                      <p:cBhvr>
+                                        <p:cTn id="83" dur="1" fill="hold">
+                                          <p:stCondLst>
+                                            <p:cond delay="0"/>
+                                          </p:stCondLst>
+                                        </p:cTn>
+                                        <p:tgtEl>
+                                          <p:spTgt spid="24"/>
+                                        </p:tgtEl>
+                                        <p:attrNameLst>
+                                          <p:attrName>style.visibility</p:attrName>
+                                        </p:attrNameLst>
+                                      </p:cBhvr>
+                                      <p:to>
+                                        <p:strVal val="hidden"/>
+                                      </p:to>
+                                    </p:set>
+                                  </p:childTnLst>
+                                </p:cTn>
+                              </p:par>
+                            </p:childTnLst>
+                          </p:cTn>
+                        </p:par>
+                      </p:childTnLst>
+                    </p:cTn>
+                  </p:par>
+                  <p:par>
+                    <p:cTn id="84" fill="hold">
+                      <p:stCondLst>
+                        <p:cond delay="indefinite"/>
+                      </p:stCondLst>
+                      <p:childTnLst>
+                        <p:par>
+                          <p:cTn id="85" fill="hold">
+                            <p:stCondLst>
+                              <p:cond delay="0"/>
+                            </p:stCondLst>
+                            <p:childTnLst>
+                              <p:par>
+                                <p:cTn id="86" presetID="10" presetClass="entr" presetSubtype="0" fill="hold" grpId="0" nodeType="clickEffect">
+                                  <p:stCondLst>
+                                    <p:cond delay="0"/>
+                                  </p:stCondLst>
+                                  <p:childTnLst>
+                                    <p:set>
+                                      <p:cBhvr>
+                                        <p:cTn id="87" dur="1" fill="hold">
+                                          <p:stCondLst>
+                                            <p:cond delay="0"/>
+                                          </p:stCondLst>
+                                        </p:cTn>
+                                        <p:tgtEl>
+                                          <p:spTgt spid="27"/>
+                                        </p:tgtEl>
+                                        <p:attrNameLst>
+                                          <p:attrName>style.visibility</p:attrName>
+                                        </p:attrNameLst>
+                                      </p:cBhvr>
+                                      <p:to>
+                                        <p:strVal val="visible"/>
+                                      </p:to>
+                                    </p:set>
+                                    <p:animEffect transition="in" filter="fade">
+                                      <p:cBhvr>
+                                        <p:cTn id="88" dur="500"/>
+                                        <p:tgtEl>
+                                          <p:spTgt spid="27"/>
+                                        </p:tgtEl>
+                                      </p:cBhvr>
+                                    </p:animEffect>
+                                  </p:childTnLst>
+                                </p:cTn>
+                              </p:par>
+                              <p:par>
+                                <p:cTn id="89" presetID="1" presetClass="exit" presetSubtype="0" fill="hold" grpId="1" nodeType="withEffect">
+                                  <p:stCondLst>
+                                    <p:cond delay="0"/>
+                                  </p:stCondLst>
+                                  <p:childTnLst>
+                                    <p:set>
+                                      <p:cBhvr>
+                                        <p:cTn id="90" dur="1" fill="hold">
+                                          <p:stCondLst>
+                                            <p:cond delay="0"/>
+                                          </p:stCondLst>
+                                        </p:cTn>
+                                        <p:tgtEl>
+                                          <p:spTgt spid="25"/>
+                                        </p:tgtEl>
+                                        <p:attrNameLst>
+                                          <p:attrName>style.visibility</p:attrName>
+                                        </p:attrNameLst>
+                                      </p:cBhvr>
+                                      <p:to>
+                                        <p:strVal val="hidden"/>
+                                      </p:to>
+                                    </p:set>
+                                  </p:childTnLst>
+                                </p:cTn>
+                              </p:par>
+                              <p:par>
+                                <p:cTn id="91" presetID="1" presetClass="exit" presetSubtype="0" fill="hold" grpId="1" nodeType="withEffect">
+                                  <p:stCondLst>
+                                    <p:cond delay="0"/>
+                                  </p:stCondLst>
+                                  <p:childTnLst>
+                                    <p:set>
+                                      <p:cBhvr>
+                                        <p:cTn id="92" dur="1" fill="hold">
+                                          <p:stCondLst>
+                                            <p:cond delay="0"/>
+                                          </p:stCondLst>
+                                        </p:cTn>
+                                        <p:tgtEl>
+                                          <p:spTgt spid="11"/>
+                                        </p:tgtEl>
+                                        <p:attrNameLst>
+                                          <p:attrName>style.visibility</p:attrName>
+                                        </p:attrNameLst>
+                                      </p:cBhvr>
+                                      <p:to>
+                                        <p:strVal val="hidden"/>
+                                      </p:to>
+                                    </p:set>
+                                  </p:childTnLst>
+                                </p:cTn>
+                              </p:par>
+                              <p:par>
+                                <p:cTn id="93" presetID="10" presetClass="exit" presetSubtype="0" fill="hold" nodeType="withEffect">
+                                  <p:stCondLst>
+                                    <p:cond delay="0"/>
+                                  </p:stCondLst>
+                                  <p:childTnLst>
+                                    <p:animEffect transition="out" filter="fade">
+                                      <p:cBhvr>
+                                        <p:cTn id="94" dur="500"/>
+                                        <p:tgtEl>
+                                          <p:spTgt spid="26"/>
+                                        </p:tgtEl>
+                                      </p:cBhvr>
+                                    </p:animEffect>
+                                    <p:set>
+                                      <p:cBhvr>
+                                        <p:cTn id="95" dur="1" fill="hold">
+                                          <p:stCondLst>
+                                            <p:cond delay="499"/>
+                                          </p:stCondLst>
+                                        </p:cTn>
+                                        <p:tgtEl>
+                                          <p:spTgt spid="26"/>
+                                        </p:tgtEl>
+                                        <p:attrNameLst>
+                                          <p:attrName>style.visibility</p:attrName>
+                                        </p:attrNameLst>
+                                      </p:cBhvr>
+                                      <p:to>
+                                        <p:strVal val="hidden"/>
+                                      </p:to>
+                                    </p:set>
+                                  </p:childTnLst>
+                                </p:cTn>
+                              </p:par>
+                              <p:par>
+                                <p:cTn id="96" presetID="22" presetClass="entr" presetSubtype="2" fill="hold" grpId="2" nodeType="withEffect">
+                                  <p:stCondLst>
+                                    <p:cond delay="0"/>
+                                  </p:stCondLst>
+                                  <p:childTnLst>
+                                    <p:set>
+                                      <p:cBhvr>
+                                        <p:cTn id="97" dur="1" fill="hold">
+                                          <p:stCondLst>
+                                            <p:cond delay="0"/>
+                                          </p:stCondLst>
+                                        </p:cTn>
+                                        <p:tgtEl>
+                                          <p:spTgt spid="22"/>
+                                        </p:tgtEl>
+                                        <p:attrNameLst>
+                                          <p:attrName>style.visibility</p:attrName>
+                                        </p:attrNameLst>
+                                      </p:cBhvr>
+                                      <p:to>
+                                        <p:strVal val="visible"/>
+                                      </p:to>
+                                    </p:set>
+                                    <p:animEffect transition="in" filter="wipe(right)">
+                                      <p:cBhvr>
+                                        <p:cTn id="98" dur="500"/>
+                                        <p:tgtEl>
+                                          <p:spTgt spid="22"/>
+                                        </p:tgtEl>
+                                      </p:cBhvr>
+                                    </p:animEffect>
+                                  </p:childTnLst>
+                                </p:cTn>
+                              </p:par>
+                            </p:childTnLst>
+                          </p:cTn>
+                        </p:par>
+                      </p:childTnLst>
+                    </p:cTn>
+                  </p:par>
+                  <p:par>
+                    <p:cTn id="99" fill="hold">
+                      <p:stCondLst>
+                        <p:cond delay="indefinite"/>
+                      </p:stCondLst>
+                      <p:childTnLst>
+                        <p:par>
+                          <p:cTn id="100" fill="hold">
+                            <p:stCondLst>
+                              <p:cond delay="0"/>
+                            </p:stCondLst>
+                            <p:childTnLst>
+                              <p:par>
+                                <p:cTn id="101" presetID="10" presetClass="entr" presetSubtype="0" fill="hold" nodeType="clickEffect">
+                                  <p:stCondLst>
+                                    <p:cond delay="0"/>
+                                  </p:stCondLst>
+                                  <p:childTnLst>
+                                    <p:set>
+                                      <p:cBhvr>
+                                        <p:cTn id="102" dur="1" fill="hold">
+                                          <p:stCondLst>
+                                            <p:cond delay="0"/>
+                                          </p:stCondLst>
+                                        </p:cTn>
+                                        <p:tgtEl>
+                                          <p:spTgt spid="9"/>
+                                        </p:tgtEl>
+                                        <p:attrNameLst>
+                                          <p:attrName>style.visibility</p:attrName>
+                                        </p:attrNameLst>
+                                      </p:cBhvr>
+                                      <p:to>
+                                        <p:strVal val="visible"/>
+                                      </p:to>
+                                    </p:set>
+                                    <p:animEffect transition="in" filter="fade">
+                                      <p:cBhvr>
+                                        <p:cTn id="103" dur="500"/>
+                                        <p:tgtEl>
+                                          <p:spTgt spid="9"/>
+                                        </p:tgtEl>
+                                      </p:cBhvr>
+                                    </p:animEffect>
+                                  </p:childTnLst>
+                                </p:cTn>
+                              </p:par>
+                              <p:par>
+                                <p:cTn id="104" presetID="10" presetClass="entr" presetSubtype="0" fill="hold" nodeType="withEffect">
+                                  <p:stCondLst>
+                                    <p:cond delay="0"/>
+                                  </p:stCondLst>
+                                  <p:childTnLst>
+                                    <p:set>
+                                      <p:cBhvr>
+                                        <p:cTn id="105" dur="1" fill="hold">
+                                          <p:stCondLst>
+                                            <p:cond delay="0"/>
+                                          </p:stCondLst>
+                                        </p:cTn>
+                                        <p:tgtEl>
+                                          <p:spTgt spid="14"/>
+                                        </p:tgtEl>
+                                        <p:attrNameLst>
+                                          <p:attrName>style.visibility</p:attrName>
+                                        </p:attrNameLst>
+                                      </p:cBhvr>
+                                      <p:to>
+                                        <p:strVal val="visible"/>
+                                      </p:to>
+                                    </p:set>
+                                    <p:animEffect transition="in" filter="fade">
+                                      <p:cBhvr>
+                                        <p:cTn id="106" dur="500"/>
                                         <p:tgtEl>
                                           <p:spTgt spid="14"/>
                                         </p:tgtEl>
@@ -20518,10 +23839,28 @@
       </p:par>
     </p:tnLst>
     <p:bldLst>
-      <p:bldP spid="6" grpId="0" animBg="1"/>
       <p:bldP spid="11" grpId="0"/>
+      <p:bldP spid="11" grpId="1"/>
       <p:bldP spid="12" grpId="0"/>
-      <p:bldP spid="13" grpId="0"/>
+      <p:bldP spid="12" grpId="1"/>
+      <p:bldP spid="16" grpId="0"/>
+      <p:bldP spid="16" grpId="1"/>
+      <p:bldP spid="20" grpId="0" animBg="1"/>
+      <p:bldP spid="21" grpId="0" animBg="1"/>
+      <p:bldP spid="22" grpId="0" animBg="1"/>
+      <p:bldP spid="22" grpId="1" animBg="1"/>
+      <p:bldP spid="22" grpId="2" animBg="1"/>
+      <p:bldP spid="23" grpId="0" animBg="1"/>
+      <p:bldP spid="23" grpId="1" animBg="1"/>
+      <p:bldP spid="23" grpId="2" animBg="1"/>
+      <p:bldP spid="23" grpId="3" animBg="1"/>
+      <p:bldP spid="24" grpId="0" animBg="1"/>
+      <p:bldP spid="24" grpId="1" animBg="1"/>
+      <p:bldP spid="24" grpId="2" animBg="1"/>
+      <p:bldP spid="24" grpId="3" animBg="1"/>
+      <p:bldP spid="25" grpId="0" animBg="1"/>
+      <p:bldP spid="25" grpId="1" animBg="1"/>
+      <p:bldP spid="27" grpId="0"/>
     </p:bldLst>
   </p:timing>
 </p:sld>
@@ -21353,7 +24692,7 @@
                             </p:stCondLst>
                             <p:childTnLst>
                               <p:par>
-                                <p:cTn id="5" presetID="10" presetClass="entr" presetSubtype="0" fill="hold" nodeType="clickEffect">
+                                <p:cTn id="5" presetID="10" presetClass="entr" presetSubtype="0" fill="hold" grpId="0" nodeType="clickEffect">
                                   <p:stCondLst>
                                     <p:cond delay="0"/>
                                   </p:stCondLst>
@@ -21366,7 +24705,7 @@
                                           </p:stCondLst>
                                         </p:cTn>
                                         <p:tgtEl>
-                                          <p:spTgt spid="3"/>
+                                          <p:spTgt spid="4"/>
                                         </p:tgtEl>
                                         <p:attrNameLst>
                                           <p:attrName>style.visibility</p:attrName>
@@ -21380,7 +24719,42 @@
                                       <p:cBhvr>
                                         <p:cTn id="7" dur="500"/>
                                         <p:tgtEl>
-                                          <p:spTgt spid="3"/>
+                                          <p:spTgt spid="4"/>
+                                        </p:tgtEl>
+                                      </p:cBhvr>
+                                    </p:animEffect>
+                                  </p:childTnLst>
+                                </p:cTn>
+                              </p:par>
+                              <p:par>
+                                <p:cTn id="8" presetID="10" presetClass="entr" presetSubtype="0" fill="hold" grpId="0" nodeType="withEffect">
+                                  <p:stCondLst>
+                                    <p:cond delay="0"/>
+                                  </p:stCondLst>
+                                  <p:childTnLst>
+                                    <p:set>
+                                      <p:cBhvr>
+                                        <p:cTn id="9" dur="1" fill="hold">
+                                          <p:stCondLst>
+                                            <p:cond delay="0"/>
+                                          </p:stCondLst>
+                                        </p:cTn>
+                                        <p:tgtEl>
+                                          <p:spTgt spid="5"/>
+                                        </p:tgtEl>
+                                        <p:attrNameLst>
+                                          <p:attrName>style.visibility</p:attrName>
+                                        </p:attrNameLst>
+                                      </p:cBhvr>
+                                      <p:to>
+                                        <p:strVal val="visible"/>
+                                      </p:to>
+                                    </p:set>
+                                    <p:animEffect transition="in" filter="fade">
+                                      <p:cBhvr>
+                                        <p:cTn id="10" dur="500"/>
+                                        <p:tgtEl>
+                                          <p:spTgt spid="5"/>
                                         </p:tgtEl>
                                       </p:cBhvr>
                                     </p:animEffect>
@@ -21394,32 +24768,32 @@
                     </p:cTn>
                   </p:par>
                   <p:par>
-                    <p:cTn id="8" fill="hold">
+                    <p:cTn id="11" fill="hold">
                       <p:stCondLst>
                         <p:cond delay="indefinite"/>
                       </p:stCondLst>
                       <p:childTnLst>
                         <p:par>
-                          <p:cTn id="9" fill="hold">
+                          <p:cTn id="12" fill="hold">
                             <p:stCondLst>
                               <p:cond delay="0"/>
                             </p:stCondLst>
                             <p:childTnLst>
                               <p:par>
-                                <p:cTn id="10" presetID="10" presetClass="entr" presetSubtype="0" fill="hold" grpId="0" nodeType="clickEffect">
+                                <p:cTn id="13" presetID="10" presetClass="entr" presetSubtype="0" fill="hold" grpId="0" nodeType="clickEffect">
                                   <p:stCondLst>
                                     <p:cond delay="0"/>
                                   </p:stCondLst>
                                   <p:childTnLst>
                                     <p:set>
                                       <p:cBhvr>
-                                        <p:cTn id="11" dur="1" fill="hold">
+                                        <p:cTn id="14" dur="1" fill="hold">
                                           <p:stCondLst>
                                             <p:cond delay="0"/>
                                           </p:stCondLst>
                                         </p:cTn>
                                         <p:tgtEl>
-                                          <p:spTgt spid="4"/>
+                                          <p:spTgt spid="6"/>
                                         </p:tgtEl>
                                         <p:attrNameLst>
                                           <p:attrName>style.visibility</p:attrName>
@@ -21431,44 +24805,9 @@
                                     </p:set>
                                     <p:animEffect transition="in" filter="fade">
                                       <p:cBhvr>
-                                        <p:cTn id="12" dur="500"/>
-                                        <p:tgtEl>
-                                          <p:spTgt spid="4"/>
-                                        </p:tgtEl>
-                                      </p:cBhvr>
-                                    </p:animEffect>
-                                  </p:childTnLst>
-                                </p:cTn>
-                              </p:par>
-                              <p:par>
-                                <p:cTn id="13" presetID="10" presetClass="entr" presetSubtype="0" fill="hold" grpId="0" nodeType="withEffect">
-                                  <p:stCondLst>
-                                    <p:cond delay="0"/>
-                                  </p:stCondLst>
-                                  <p:childTnLst>
-                                    <p:set>
-                                      <p:cBhvr>
-                                        <p:cTn id="14" dur="1" fill="hold">
-                                          <p:stCondLst>
-                                            <p:cond delay="0"/>
-                                          </p:stCondLst>
-                                        </p:cTn>
-                                        <p:tgtEl>
-                                          <p:spTgt spid="5"/>
-                                        </p:tgtEl>
-                                        <p:attrNameLst>
-                                          <p:attrName>style.visibility</p:attrName>
-                                        </p:attrNameLst>
-                                      </p:cBhvr>
-                                      <p:to>
-                                        <p:strVal val="visible"/>
-                                      </p:to>
-                                    </p:set>
-                                    <p:animEffect transition="in" filter="fade">
-                                      <p:cBhvr>
                                         <p:cTn id="15" dur="500"/>
                                         <p:tgtEl>
-                                          <p:spTgt spid="5"/>
+                                          <p:spTgt spid="6"/>
                                         </p:tgtEl>
                                       </p:cBhvr>
                                     </p:animEffect>
@@ -21507,7 +24846,7 @@
                                           </p:stCondLst>
                                         </p:cTn>
                                         <p:tgtEl>
-                                          <p:spTgt spid="6"/>
+                                          <p:spTgt spid="7"/>
                                         </p:tgtEl>
                                         <p:attrNameLst>
                                           <p:attrName>style.visibility</p:attrName>
@@ -21521,7 +24860,7 @@
                                       <p:cBhvr>
                                         <p:cTn id="20" dur="500"/>
                                         <p:tgtEl>
-                                          <p:spTgt spid="6"/>
+                                          <p:spTgt spid="7"/>
                                         </p:tgtEl>
                                       </p:cBhvr>
                                     </p:animEffect>
@@ -21560,7 +24899,7 @@
                                           </p:stCondLst>
                                         </p:cTn>
                                         <p:tgtEl>
-                                          <p:spTgt spid="7"/>
+                                          <p:spTgt spid="8"/>
                                         </p:tgtEl>
                                         <p:attrNameLst>
                                           <p:attrName>style.visibility</p:attrName>
@@ -21574,7 +24913,7 @@
                                       <p:cBhvr>
                                         <p:cTn id="25" dur="500"/>
                                         <p:tgtEl>
-                                          <p:spTgt spid="7"/>
+                                          <p:spTgt spid="8"/>
                                         </p:tgtEl>
                                       </p:cBhvr>
                                     </p:animEffect>
@@ -21613,7 +24952,7 @@
                                           </p:stCondLst>
                                         </p:cTn>
                                         <p:tgtEl>
-                                          <p:spTgt spid="8"/>
+                                          <p:spTgt spid="12"/>
                                         </p:tgtEl>
                                         <p:attrNameLst>
                                           <p:attrName>style.visibility</p:attrName>
@@ -21627,7 +24966,7 @@
                                       <p:cBhvr>
                                         <p:cTn id="30" dur="500"/>
                                         <p:tgtEl>
-                                          <p:spTgt spid="8"/>
+                                          <p:spTgt spid="12"/>
                                         </p:tgtEl>
                                       </p:cBhvr>
                                     </p:animEffect>
@@ -21666,7 +25005,7 @@
                                           </p:stCondLst>
                                         </p:cTn>
                                         <p:tgtEl>
-                                          <p:spTgt spid="12"/>
+                                          <p:spTgt spid="14"/>
                                         </p:tgtEl>
                                         <p:attrNameLst>
                                           <p:attrName>style.visibility</p:attrName>
@@ -21680,7 +25019,112 @@
                                       <p:cBhvr>
                                         <p:cTn id="35" dur="500"/>
                                         <p:tgtEl>
-                                          <p:spTgt spid="12"/>
+                                          <p:spTgt spid="14"/>
+                                        </p:tgtEl>
+                                      </p:cBhvr>
+                                    </p:animEffect>
+                                  </p:childTnLst>
+                                </p:cTn>
+                              </p:par>
+                              <p:par>
+                                <p:cTn id="36" presetID="10" presetClass="entr" presetSubtype="0" fill="hold" grpId="0" nodeType="withEffect">
+                                  <p:stCondLst>
+                                    <p:cond delay="0"/>
+                                  </p:stCondLst>
+                                  <p:childTnLst>
+                                    <p:set>
+                                      <p:cBhvr>
+                                        <p:cTn id="37" dur="1" fill="hold">
+                                          <p:stCondLst>
+                                            <p:cond delay="0"/>
+                                          </p:stCondLst>
+                                        </p:cTn>
+                                        <p:tgtEl>
+                                          <p:spTgt spid="13"/>
+                                        </p:tgtEl>
+                                        <p:attrNameLst>
+                                          <p:attrName>style.visibility</p:attrName>
+                                        </p:attrNameLst>
+                                      </p:cBhvr>
+                                      <p:to>
+                                        <p:strVal val="visible"/>
+                                      </p:to>
+                                    </p:set>
+                                    <p:animEffect transition="in" filter="fade">
+                                      <p:cBhvr>
+                                        <p:cTn id="38" dur="500"/>
+                                        <p:tgtEl>
+                                          <p:spTgt spid="13"/>
+                                        </p:tgtEl>
+                                      </p:cBhvr>
+                                    </p:animEffect>
+                                  </p:childTnLst>
+                                </p:cTn>
+                              </p:par>
+                              <p:par>
+                                <p:cTn id="39" presetID="10" presetClass="entr" presetSubtype="0" fill="hold" grpId="0" nodeType="withEffect">
+                                  <p:stCondLst>
+                                    <p:cond delay="0"/>
+                                  </p:stCondLst>
+                                  <p:childTnLst>
+                                    <p:set>
+                                      <p:cBhvr>
+                                        <p:cTn id="40" dur="1" fill="hold">
+                                          <p:stCondLst>
+                                            <p:cond delay="0"/>
+                                          </p:stCondLst>
+                                        </p:cTn>
+                                        <p:tgtEl>
+                                          <p:spTgt spid="15"/>
+                                        </p:tgtEl>
+                                        <p:attrNameLst>
+                                          <p:attrName>style.visibility</p:attrName>
+                                        </p:attrNameLst>
+                                      </p:cBhvr>
+                                      <p:to>
+                                        <p:strVal val="visible"/>
+                                      </p:to>
+                                    </p:set>
+                                    <p:animEffect transition="in" filter="fade">
+                                      <p:cBhvr>
+                                        <p:cTn id="41" dur="500"/>
+                                        <p:tgtEl>
+                                          <p:spTgt spid="15"/>
+                                        </p:tgtEl>
+                                      </p:cBhvr>
+                                    </p:animEffect>
+                                  </p:childTnLst>
+                                </p:cTn>
+                              </p:par>
+                              <p:par>
+                                <p:cTn id="42" presetID="10" presetClass="entr" presetSubtype="0" fill="hold" grpId="0" nodeType="withEffect">
+                                  <p:stCondLst>
+                                    <p:cond delay="0"/>
+                                  </p:stCondLst>
+                                  <p:childTnLst>
+                                    <p:set>
+                                      <p:cBhvr>
+                                        <p:cTn id="43" dur="1" fill="hold">
+                                          <p:stCondLst>
+                                            <p:cond delay="0"/>
+                                          </p:stCondLst>
+                                        </p:cTn>
+                                        <p:tgtEl>
+                                          <p:spTgt spid="16"/>
+                                        </p:tgtEl>
+                                        <p:attrNameLst>
+                                          <p:attrName>style.visibility</p:attrName>
+                                        </p:attrNameLst>
+                                      </p:cBhvr>
+                                      <p:to>
+                                        <p:strVal val="visible"/>
+                                      </p:to>
+                                    </p:set>
+                                    <p:animEffect transition="in" filter="fade">
+                                      <p:cBhvr>
+                                        <p:cTn id="44" dur="500"/>
+                                        <p:tgtEl>
+                                          <p:spTgt spid="16"/>
                                         </p:tgtEl>
                                       </p:cBhvr>
                                     </p:animEffect>
@@ -21694,32 +25138,32 @@
                     </p:cTn>
                   </p:par>
                   <p:par>
-                    <p:cTn id="36" fill="hold">
+                    <p:cTn id="45" fill="hold">
                       <p:stCondLst>
                         <p:cond delay="indefinite"/>
                       </p:stCondLst>
                       <p:childTnLst>
                         <p:par>
-                          <p:cTn id="37" fill="hold">
+                          <p:cTn id="46" fill="hold">
                             <p:stCondLst>
                               <p:cond delay="0"/>
                             </p:stCondLst>
                             <p:childTnLst>
                               <p:par>
-                                <p:cTn id="38" presetID="10" presetClass="entr" presetSubtype="0" fill="hold" grpId="0" nodeType="clickEffect">
+                                <p:cTn id="47" presetID="10" presetClass="entr" presetSubtype="0" fill="hold" grpId="0" nodeType="clickEffect">
                                   <p:stCondLst>
                                     <p:cond delay="0"/>
                                   </p:stCondLst>
                                   <p:childTnLst>
                                     <p:set>
                                       <p:cBhvr>
-                                        <p:cTn id="39" dur="1" fill="hold">
+                                        <p:cTn id="48" dur="1" fill="hold">
                                           <p:stCondLst>
                                             <p:cond delay="0"/>
                                           </p:stCondLst>
                                         </p:cTn>
                                         <p:tgtEl>
-                                          <p:spTgt spid="14"/>
+                                          <p:spTgt spid="9"/>
                                         </p:tgtEl>
                                         <p:attrNameLst>
                                           <p:attrName>style.visibility</p:attrName>
@@ -21731,114 +25175,9 @@
                                     </p:set>
                                     <p:animEffect transition="in" filter="fade">
                                       <p:cBhvr>
-                                        <p:cTn id="40" dur="500"/>
-                                        <p:tgtEl>
-                                          <p:spTgt spid="14"/>
-                                        </p:tgtEl>
-                                      </p:cBhvr>
-                                    </p:animEffect>
-                                  </p:childTnLst>
-                                </p:cTn>
-                              </p:par>
-                              <p:par>
-                                <p:cTn id="41" presetID="10" presetClass="entr" presetSubtype="0" fill="hold" grpId="0" nodeType="withEffect">
-                                  <p:stCondLst>
-                                    <p:cond delay="0"/>
-                                  </p:stCondLst>
-                                  <p:childTnLst>
-                                    <p:set>
-                                      <p:cBhvr>
-                                        <p:cTn id="42" dur="1" fill="hold">
-                                          <p:stCondLst>
-                                            <p:cond delay="0"/>
-                                          </p:stCondLst>
-                                        </p:cTn>
-                                        <p:tgtEl>
-                                          <p:spTgt spid="13"/>
-                                        </p:tgtEl>
-                                        <p:attrNameLst>
-                                          <p:attrName>style.visibility</p:attrName>
-                                        </p:attrNameLst>
-                                      </p:cBhvr>
-                                      <p:to>
-                                        <p:strVal val="visible"/>
-                                      </p:to>
-                                    </p:set>
-                                    <p:animEffect transition="in" filter="fade">
-                                      <p:cBhvr>
-                                        <p:cTn id="43" dur="500"/>
-                                        <p:tgtEl>
-                                          <p:spTgt spid="13"/>
-                                        </p:tgtEl>
-                                      </p:cBhvr>
-                                    </p:animEffect>
-                                  </p:childTnLst>
-                                </p:cTn>
-                              </p:par>
-                              <p:par>
-                                <p:cTn id="44" presetID="10" presetClass="entr" presetSubtype="0" fill="hold" grpId="0" nodeType="withEffect">
-                                  <p:stCondLst>
-                                    <p:cond delay="0"/>
-                                  </p:stCondLst>
-                                  <p:childTnLst>
-                                    <p:set>
-                                      <p:cBhvr>
-                                        <p:cTn id="45" dur="1" fill="hold">
-                                          <p:stCondLst>
-                                            <p:cond delay="0"/>
-                                          </p:stCondLst>
-                                        </p:cTn>
-                                        <p:tgtEl>
-                                          <p:spTgt spid="15"/>
-                                        </p:tgtEl>
-                                        <p:attrNameLst>
-                                          <p:attrName>style.visibility</p:attrName>
-                                        </p:attrNameLst>
-                                      </p:cBhvr>
-                                      <p:to>
-                                        <p:strVal val="visible"/>
-                                      </p:to>
-                                    </p:set>
-                                    <p:animEffect transition="in" filter="fade">
-                                      <p:cBhvr>
-                                        <p:cTn id="46" dur="500"/>
-                                        <p:tgtEl>
-                                          <p:spTgt spid="15"/>
-                                        </p:tgtEl>
-                                      </p:cBhvr>
-                                    </p:animEffect>
-                                  </p:childTnLst>
-                                </p:cTn>
-                              </p:par>
-                              <p:par>
-                                <p:cTn id="47" presetID="10" presetClass="entr" presetSubtype="0" fill="hold" grpId="0" nodeType="withEffect">
-                                  <p:stCondLst>
-                                    <p:cond delay="0"/>
-                                  </p:stCondLst>
-                                  <p:childTnLst>
-                                    <p:set>
-                                      <p:cBhvr>
-                                        <p:cTn id="48" dur="1" fill="hold">
-                                          <p:stCondLst>
-                                            <p:cond delay="0"/>
-                                          </p:stCondLst>
-                                        </p:cTn>
-                                        <p:tgtEl>
-                                          <p:spTgt spid="16"/>
-                                        </p:tgtEl>
-                                        <p:attrNameLst>
-                                          <p:attrName>style.visibility</p:attrName>
-                                        </p:attrNameLst>
-                                      </p:cBhvr>
-                                      <p:to>
-                                        <p:strVal val="visible"/>
-                                      </p:to>
-                                    </p:set>
-                                    <p:animEffect transition="in" filter="fade">
-                                      <p:cBhvr>
                                         <p:cTn id="49" dur="500"/>
                                         <p:tgtEl>
-                                          <p:spTgt spid="16"/>
+                                          <p:spTgt spid="9"/>
                                         </p:tgtEl>
                                       </p:cBhvr>
                                     </p:animEffect>
@@ -21877,7 +25216,7 @@
                                           </p:stCondLst>
                                         </p:cTn>
                                         <p:tgtEl>
-                                          <p:spTgt spid="9"/>
+                                          <p:spTgt spid="10"/>
                                         </p:tgtEl>
                                         <p:attrNameLst>
                                           <p:attrName>style.visibility</p:attrName>
@@ -21891,46 +25230,28 @@
                                       <p:cBhvr>
                                         <p:cTn id="54" dur="500"/>
                                         <p:tgtEl>
-                                          <p:spTgt spid="9"/>
+                                          <p:spTgt spid="10"/>
                                         </p:tgtEl>
                                       </p:cBhvr>
                                     </p:animEffect>
                                   </p:childTnLst>
                                 </p:cTn>
                               </p:par>
-                            </p:childTnLst>
-                          </p:cTn>
-                        </p:par>
-                      </p:childTnLst>
-                    </p:cTn>
-                  </p:par>
-                  <p:par>
-                    <p:cTn id="55" fill="hold">
-                      <p:stCondLst>
-                        <p:cond delay="indefinite"/>
-                      </p:stCondLst>
-                      <p:childTnLst>
-                        <p:par>
-                          <p:cTn id="56" fill="hold">
-                            <p:stCondLst>
-                              <p:cond delay="0"/>
-                            </p:stCondLst>
-                            <p:childTnLst>
                               <p:par>
-                                <p:cTn id="57" presetID="10" presetClass="entr" presetSubtype="0" fill="hold" grpId="0" nodeType="clickEffect">
+                                <p:cTn id="55" presetID="10" presetClass="entr" presetSubtype="0" fill="hold" grpId="0" nodeType="withEffect">
                                   <p:stCondLst>
                                     <p:cond delay="0"/>
                                   </p:stCondLst>
                                   <p:childTnLst>
                                     <p:set>
                                       <p:cBhvr>
-                                        <p:cTn id="58" dur="1" fill="hold">
+                                        <p:cTn id="56" dur="1" fill="hold">
                                           <p:stCondLst>
                                             <p:cond delay="0"/>
                                           </p:stCondLst>
                                         </p:cTn>
                                         <p:tgtEl>
-                                          <p:spTgt spid="10"/>
+                                          <p:spTgt spid="11"/>
                                         </p:tgtEl>
                                         <p:attrNameLst>
                                           <p:attrName>style.visibility</p:attrName>
@@ -21942,42 +25263,7 @@
                                     </p:set>
                                     <p:animEffect transition="in" filter="fade">
                                       <p:cBhvr>
-                                        <p:cTn id="59" dur="500"/>
-                                        <p:tgtEl>
-                                          <p:spTgt spid="10"/>
-                                        </p:tgtEl>
-                                      </p:cBhvr>
-                                    </p:animEffect>
-                                  </p:childTnLst>
-                                </p:cTn>
-                              </p:par>
-                              <p:par>
-                                <p:cTn id="60" presetID="10" presetClass="entr" presetSubtype="0" fill="hold" grpId="0" nodeType="withEffect">
-                                  <p:stCondLst>
-                                    <p:cond delay="0"/>
-                                  </p:stCondLst>
-                                  <p:childTnLst>
-                                    <p:set>
-                                      <p:cBhvr>
-                                        <p:cTn id="61" dur="1" fill="hold">
-                                          <p:stCondLst>
-                                            <p:cond delay="0"/>
-                                          </p:stCondLst>
-                                        </p:cTn>
-                                        <p:tgtEl>
-                                          <p:spTgt spid="11"/>
-                                        </p:tgtEl>
-                                        <p:attrNameLst>
-                                          <p:attrName>style.visibility</p:attrName>
-                                        </p:attrNameLst>
-                                      </p:cBhvr>
-                                      <p:to>
-                                        <p:strVal val="visible"/>
-                                      </p:to>
-                                    </p:set>
-                                    <p:animEffect transition="in" filter="fade">
-                                      <p:cBhvr>
-                                        <p:cTn id="62" dur="500"/>
+                                        <p:cTn id="57" dur="500"/>
                                         <p:tgtEl>
                                           <p:spTgt spid="11"/>
                                         </p:tgtEl>

--- a/Aufgabe01_Praesentation.pptx
+++ b/Aufgabe01_Praesentation.pptx
@@ -5,7 +5,7 @@
     <p:sldMasterId id="2147483840" r:id="rId1"/>
   </p:sldMasterIdLst>
   <p:notesMasterIdLst>
-    <p:notesMasterId r:id="rId34"/>
+    <p:notesMasterId r:id="rId36"/>
   </p:notesMasterIdLst>
   <p:sldIdLst>
     <p:sldId id="257" r:id="rId2"/>
@@ -37,9 +37,11 @@
     <p:sldId id="290" r:id="rId28"/>
     <p:sldId id="291" r:id="rId29"/>
     <p:sldId id="292" r:id="rId30"/>
-    <p:sldId id="283" r:id="rId31"/>
-    <p:sldId id="284" r:id="rId32"/>
-    <p:sldId id="282" r:id="rId33"/>
+    <p:sldId id="293" r:id="rId31"/>
+    <p:sldId id="294" r:id="rId32"/>
+    <p:sldId id="283" r:id="rId33"/>
+    <p:sldId id="284" r:id="rId34"/>
+    <p:sldId id="282" r:id="rId35"/>
   </p:sldIdLst>
   <p:sldSz cx="12192000" cy="6858000"/>
   <p:notesSz cx="6858000" cy="9144000"/>
@@ -842,8 +844,19 @@
           <a:p>
             <a:r>
               <a:rPr lang="de-DE" dirty="0" smtClean="0"/>
-              <a:t>Mutter war einkaufen.</a:t>
-            </a:r>
+              <a:t>Mutter war einkaufen</a:t>
+            </a:r>
+            <a:r>
+              <a:rPr lang="de-DE" dirty="0" smtClean="0"/>
+              <a:t>.</a:t>
+            </a:r>
+          </a:p>
+          <a:p>
+            <a:r>
+              <a:rPr lang="de-DE" dirty="0" smtClean="0"/>
+              <a:t>ROSENKOHL, Karotten, Schokolade</a:t>
+            </a:r>
+            <a:endParaRPr lang="de-DE" dirty="0" smtClean="0"/>
           </a:p>
           <a:p>
             <a:r>
@@ -1218,7 +1231,7 @@
           <a:bodyPr/>
           <a:lstStyle/>
           <a:p>
-            <a:endParaRPr lang="de-DE" dirty="0"/>
+            <a:endParaRPr lang="de-DE"/>
           </a:p>
         </p:txBody>
       </p:sp>
@@ -1239,7 +1252,175 @@
           <a:p>
             <a:fld id="{810D4865-68C4-459E-8CFF-E7E8DA057A3D}" type="slidenum">
               <a:rPr lang="de-DE" smtClean="0"/>
-              <a:t>32</a:t>
+              <a:t>29</a:t>
+            </a:fld>
+            <a:endParaRPr lang="de-DE"/>
+          </a:p>
+        </p:txBody>
+      </p:sp>
+    </p:spTree>
+    <p:extLst>
+      <p:ext uri="{BB962C8B-B14F-4D97-AF65-F5344CB8AC3E}">
+        <p14:creationId xmlns:p14="http://schemas.microsoft.com/office/powerpoint/2010/main" val="3537770296"/>
+      </p:ext>
+    </p:extLst>
+  </p:cSld>
+  <p:clrMapOvr>
+    <a:masterClrMapping/>
+  </p:clrMapOvr>
+</p:notes>
+</file>
+
+<file path=ppt/notesSlides/notesSlide17.xml><?xml version="1.0" encoding="utf-8"?>
+<p:notes xmlns:a="http://schemas.openxmlformats.org/drawingml/2006/main" xmlns:r="http://schemas.openxmlformats.org/officeDocument/2006/relationships" xmlns:p="http://schemas.openxmlformats.org/presentationml/2006/main">
+  <p:cSld>
+    <p:spTree>
+      <p:nvGrpSpPr>
+        <p:cNvPr id="1" name=""/>
+        <p:cNvGrpSpPr/>
+        <p:nvPr/>
+      </p:nvGrpSpPr>
+      <p:grpSpPr>
+        <a:xfrm>
+          <a:off x="0" y="0"/>
+          <a:ext cx="0" cy="0"/>
+          <a:chOff x="0" y="0"/>
+          <a:chExt cx="0" cy="0"/>
+        </a:xfrm>
+      </p:grpSpPr>
+      <p:sp>
+        <p:nvSpPr>
+          <p:cNvPr id="2" name="Folienbildplatzhalter 1"/>
+          <p:cNvSpPr>
+            <a:spLocks noGrp="1" noRot="1" noChangeAspect="1"/>
+          </p:cNvSpPr>
+          <p:nvPr>
+            <p:ph type="sldImg"/>
+          </p:nvPr>
+        </p:nvSpPr>
+        <p:spPr/>
+      </p:sp>
+      <p:sp>
+        <p:nvSpPr>
+          <p:cNvPr id="3" name="Notizenplatzhalter 2"/>
+          <p:cNvSpPr>
+            <a:spLocks noGrp="1"/>
+          </p:cNvSpPr>
+          <p:nvPr>
+            <p:ph type="body" idx="1"/>
+          </p:nvPr>
+        </p:nvSpPr>
+        <p:spPr/>
+        <p:txBody>
+          <a:bodyPr/>
+          <a:lstStyle/>
+          <a:p>
+            <a:endParaRPr lang="de-DE" dirty="0"/>
+          </a:p>
+        </p:txBody>
+      </p:sp>
+      <p:sp>
+        <p:nvSpPr>
+          <p:cNvPr id="4" name="Foliennummernplatzhalter 3"/>
+          <p:cNvSpPr>
+            <a:spLocks noGrp="1"/>
+          </p:cNvSpPr>
+          <p:nvPr>
+            <p:ph type="sldNum" sz="quarter" idx="10"/>
+          </p:nvPr>
+        </p:nvSpPr>
+        <p:spPr/>
+        <p:txBody>
+          <a:bodyPr/>
+          <a:lstStyle/>
+          <a:p>
+            <a:fld id="{810D4865-68C4-459E-8CFF-E7E8DA057A3D}" type="slidenum">
+              <a:rPr lang="de-DE" smtClean="0"/>
+              <a:t>30</a:t>
+            </a:fld>
+            <a:endParaRPr lang="de-DE"/>
+          </a:p>
+        </p:txBody>
+      </p:sp>
+    </p:spTree>
+    <p:extLst>
+      <p:ext uri="{BB962C8B-B14F-4D97-AF65-F5344CB8AC3E}">
+        <p14:creationId xmlns:p14="http://schemas.microsoft.com/office/powerpoint/2010/main" val="372300632"/>
+      </p:ext>
+    </p:extLst>
+  </p:cSld>
+  <p:clrMapOvr>
+    <a:masterClrMapping/>
+  </p:clrMapOvr>
+</p:notes>
+</file>
+
+<file path=ppt/notesSlides/notesSlide18.xml><?xml version="1.0" encoding="utf-8"?>
+<p:notes xmlns:a="http://schemas.openxmlformats.org/drawingml/2006/main" xmlns:r="http://schemas.openxmlformats.org/officeDocument/2006/relationships" xmlns:p="http://schemas.openxmlformats.org/presentationml/2006/main">
+  <p:cSld>
+    <p:spTree>
+      <p:nvGrpSpPr>
+        <p:cNvPr id="1" name=""/>
+        <p:cNvGrpSpPr/>
+        <p:nvPr/>
+      </p:nvGrpSpPr>
+      <p:grpSpPr>
+        <a:xfrm>
+          <a:off x="0" y="0"/>
+          <a:ext cx="0" cy="0"/>
+          <a:chOff x="0" y="0"/>
+          <a:chExt cx="0" cy="0"/>
+        </a:xfrm>
+      </p:grpSpPr>
+      <p:sp>
+        <p:nvSpPr>
+          <p:cNvPr id="2" name="Folienbildplatzhalter 1"/>
+          <p:cNvSpPr>
+            <a:spLocks noGrp="1" noRot="1" noChangeAspect="1"/>
+          </p:cNvSpPr>
+          <p:nvPr>
+            <p:ph type="sldImg"/>
+          </p:nvPr>
+        </p:nvSpPr>
+        <p:spPr/>
+      </p:sp>
+      <p:sp>
+        <p:nvSpPr>
+          <p:cNvPr id="3" name="Notizenplatzhalter 2"/>
+          <p:cNvSpPr>
+            <a:spLocks noGrp="1"/>
+          </p:cNvSpPr>
+          <p:nvPr>
+            <p:ph type="body" idx="1"/>
+          </p:nvPr>
+        </p:nvSpPr>
+        <p:spPr/>
+        <p:txBody>
+          <a:bodyPr/>
+          <a:lstStyle/>
+          <a:p>
+            <a:endParaRPr lang="de-DE" dirty="0"/>
+          </a:p>
+        </p:txBody>
+      </p:sp>
+      <p:sp>
+        <p:nvSpPr>
+          <p:cNvPr id="4" name="Foliennummernplatzhalter 3"/>
+          <p:cNvSpPr>
+            <a:spLocks noGrp="1"/>
+          </p:cNvSpPr>
+          <p:nvPr>
+            <p:ph type="sldNum" sz="quarter" idx="10"/>
+          </p:nvPr>
+        </p:nvSpPr>
+        <p:spPr/>
+        <p:txBody>
+          <a:bodyPr/>
+          <a:lstStyle/>
+          <a:p>
+            <a:fld id="{810D4865-68C4-459E-8CFF-E7E8DA057A3D}" type="slidenum">
+              <a:rPr lang="de-DE" smtClean="0"/>
+              <a:t>34</a:t>
             </a:fld>
             <a:endParaRPr lang="de-DE"/>
           </a:p>
@@ -8861,7 +9042,7 @@
       </p:sp>
       <p:sp>
         <p:nvSpPr>
-          <p:cNvPr id="3" name="Textplatzhalter 2"/>
+          <p:cNvPr id="4" name="Textplatzhalter 3"/>
           <p:cNvSpPr>
             <a:spLocks noGrp="1"/>
           </p:cNvSpPr>
@@ -8874,11 +9055,7 @@
           <a:bodyPr/>
           <a:lstStyle/>
           <a:p>
-            <a:r>
-              <a:rPr lang="de-DE" dirty="0" smtClean="0"/>
-              <a:t>(Wenn halt nix mehr geht)</a:t>
-            </a:r>
-            <a:endParaRPr lang="de-DE" dirty="0"/>
+            <a:endParaRPr lang="de-DE"/>
           </a:p>
         </p:txBody>
       </p:sp>
@@ -8907,96 +9084,9 @@
   <p:timing>
     <p:tnLst>
       <p:par>
-        <p:cTn id="1" dur="indefinite" restart="never" nodeType="tmRoot">
-          <p:childTnLst>
-            <p:seq concurrent="1" nextAc="seek">
-              <p:cTn id="2" dur="indefinite" nodeType="mainSeq">
-                <p:childTnLst>
-                  <p:par>
-                    <p:cTn id="3" fill="hold">
-                      <p:stCondLst>
-                        <p:cond delay="indefinite"/>
-                      </p:stCondLst>
-                      <p:childTnLst>
-                        <p:par>
-                          <p:cTn id="4" fill="hold">
-                            <p:stCondLst>
-                              <p:cond delay="0"/>
-                            </p:stCondLst>
-                            <p:childTnLst>
-                              <p:par>
-                                <p:cTn id="5" presetID="10" presetClass="entr" presetSubtype="0" fill="hold" grpId="0" nodeType="clickEffect">
-                                  <p:stCondLst>
-                                    <p:cond delay="0"/>
-                                  </p:stCondLst>
-                                  <p:childTnLst>
-                                    <p:set>
-                                      <p:cBhvr>
-                                        <p:cTn id="6" dur="1" fill="hold">
-                                          <p:stCondLst>
-                                            <p:cond delay="0"/>
-                                          </p:stCondLst>
-                                        </p:cTn>
-                                        <p:tgtEl>
-                                          <p:spTgt spid="3">
-                                            <p:txEl>
-                                              <p:pRg st="0" end="0"/>
-                                            </p:txEl>
-                                          </p:spTgt>
-                                        </p:tgtEl>
-                                        <p:attrNameLst>
-                                          <p:attrName>style.visibility</p:attrName>
-                                        </p:attrNameLst>
-                                      </p:cBhvr>
-                                      <p:to>
-                                        <p:strVal val="visible"/>
-                                      </p:to>
-                                    </p:set>
-                                    <p:animEffect transition="in" filter="fade">
-                                      <p:cBhvr>
-                                        <p:cTn id="7" dur="500"/>
-                                        <p:tgtEl>
-                                          <p:spTgt spid="3">
-                                            <p:txEl>
-                                              <p:pRg st="0" end="0"/>
-                                            </p:txEl>
-                                          </p:spTgt>
-                                        </p:tgtEl>
-                                      </p:cBhvr>
-                                    </p:animEffect>
-                                  </p:childTnLst>
-                                </p:cTn>
-                              </p:par>
-                            </p:childTnLst>
-                          </p:cTn>
-                        </p:par>
-                      </p:childTnLst>
-                    </p:cTn>
-                  </p:par>
-                </p:childTnLst>
-              </p:cTn>
-              <p:prevCondLst>
-                <p:cond evt="onPrev" delay="0">
-                  <p:tgtEl>
-                    <p:sldTgt/>
-                  </p:tgtEl>
-                </p:cond>
-              </p:prevCondLst>
-              <p:nextCondLst>
-                <p:cond evt="onNext" delay="0">
-                  <p:tgtEl>
-                    <p:sldTgt/>
-                  </p:tgtEl>
-                </p:cond>
-              </p:nextCondLst>
-            </p:seq>
-          </p:childTnLst>
-        </p:cTn>
+        <p:cTn id="1" dur="indefinite" restart="never" nodeType="tmRoot"/>
       </p:par>
     </p:tnLst>
-    <p:bldLst>
-      <p:bldP spid="3" grpId="0" build="p"/>
-    </p:bldLst>
   </p:timing>
 </p:sld>
 </file>
@@ -18629,7 +18719,15 @@
           <a:p>
             <a:r>
               <a:rPr lang="de-DE" sz="6000" dirty="0" smtClean="0"/>
-              <a:t>Wie bauen wir jetzt so eine Mauer?</a:t>
+              <a:t>Wie </a:t>
+            </a:r>
+            <a:r>
+              <a:rPr lang="de-DE" sz="6000" dirty="0" smtClean="0"/>
+              <a:t>baut man </a:t>
+            </a:r>
+            <a:r>
+              <a:rPr lang="de-DE" sz="6000" dirty="0" smtClean="0"/>
+              <a:t>jetzt so eine Mauer?</a:t>
             </a:r>
             <a:endParaRPr lang="de-DE" sz="6000" dirty="0"/>
           </a:p>
@@ -26514,7 +26612,6 @@
               <a:rPr lang="de-DE" dirty="0"/>
               <a:t>5</a:t>
             </a:r>
-            <a:endParaRPr lang="de-DE" dirty="0"/>
           </a:p>
         </p:txBody>
       </p:sp>
@@ -26559,7 +26656,6 @@
               <a:rPr lang="de-DE" dirty="0"/>
               <a:t>5</a:t>
             </a:r>
-            <a:endParaRPr lang="de-DE" dirty="0"/>
           </a:p>
         </p:txBody>
       </p:sp>
@@ -26826,7 +26922,6 @@
               <a:rPr lang="de-DE" dirty="0"/>
               <a:t>5</a:t>
             </a:r>
-            <a:endParaRPr lang="de-DE" dirty="0"/>
           </a:p>
         </p:txBody>
       </p:sp>
@@ -26871,7 +26966,6 @@
               <a:rPr lang="de-DE" dirty="0"/>
               <a:t>5</a:t>
             </a:r>
-            <a:endParaRPr lang="de-DE" dirty="0"/>
           </a:p>
         </p:txBody>
       </p:sp>
@@ -26916,7 +27010,6 @@
               <a:rPr lang="de-DE" dirty="0"/>
               <a:t>5</a:t>
             </a:r>
-            <a:endParaRPr lang="de-DE" dirty="0"/>
           </a:p>
         </p:txBody>
       </p:sp>
@@ -28752,7 +28845,6 @@
               <a:rPr lang="de-DE" dirty="0"/>
               <a:t>1</a:t>
             </a:r>
-            <a:endParaRPr lang="de-DE" dirty="0"/>
           </a:p>
         </p:txBody>
       </p:sp>
@@ -28802,7 +28894,6 @@
               <a:rPr lang="de-DE" dirty="0"/>
               <a:t>1</a:t>
             </a:r>
-            <a:endParaRPr lang="de-DE" dirty="0"/>
           </a:p>
         </p:txBody>
       </p:sp>
@@ -28953,7 +29044,6 @@
               <a:rPr lang="de-DE" dirty="0"/>
               <a:t>1</a:t>
             </a:r>
-            <a:endParaRPr lang="de-DE" dirty="0"/>
           </a:p>
         </p:txBody>
       </p:sp>
@@ -29054,7 +29144,6 @@
               <a:rPr lang="de-DE" dirty="0"/>
               <a:t>1</a:t>
             </a:r>
-            <a:endParaRPr lang="de-DE" dirty="0"/>
           </a:p>
         </p:txBody>
       </p:sp>
@@ -30758,6 +30847,18 @@
   <p:clrMapOvr>
     <a:masterClrMapping/>
   </p:clrMapOvr>
+  <mc:AlternateContent xmlns:mc="http://schemas.openxmlformats.org/markup-compatibility/2006">
+    <mc:Choice xmlns:p14="http://schemas.microsoft.com/office/powerpoint/2010/main" Requires="p14">
+      <p:transition spd="med" p14:dur="700">
+        <p:fade/>
+      </p:transition>
+    </mc:Choice>
+    <mc:Fallback>
+      <p:transition spd="med">
+        <p:fade/>
+      </p:transition>
+    </mc:Fallback>
+  </mc:AlternateContent>
   <p:timing>
     <p:tnLst>
       <p:par>
@@ -31719,33 +31820,15 @@
                                   </p:childTnLst>
                                 </p:cTn>
                               </p:par>
-                            </p:childTnLst>
-                          </p:cTn>
-                        </p:par>
-                      </p:childTnLst>
-                    </p:cTn>
-                  </p:par>
-                  <p:par>
-                    <p:cTn id="90" fill="hold">
-                      <p:stCondLst>
-                        <p:cond delay="indefinite"/>
-                      </p:stCondLst>
-                      <p:childTnLst>
-                        <p:par>
-                          <p:cTn id="91" fill="hold">
-                            <p:stCondLst>
-                              <p:cond delay="0"/>
-                            </p:stCondLst>
-                            <p:childTnLst>
                               <p:par>
-                                <p:cTn id="92" presetID="10" presetClass="entr" presetSubtype="0" fill="hold" nodeType="clickEffect">
+                                <p:cTn id="90" presetID="10" presetClass="entr" presetSubtype="0" fill="hold" nodeType="withEffect">
                                   <p:stCondLst>
                                     <p:cond delay="0"/>
                                   </p:stCondLst>
                                   <p:childTnLst>
                                     <p:set>
                                       <p:cBhvr>
-                                        <p:cTn id="93" dur="1" fill="hold">
+                                        <p:cTn id="91" dur="1" fill="hold">
                                           <p:stCondLst>
                                             <p:cond delay="0"/>
                                           </p:stCondLst>
@@ -31763,7 +31846,7 @@
                                     </p:set>
                                     <p:animEffect transition="in" filter="fade">
                                       <p:cBhvr>
-                                        <p:cTn id="94" dur="500"/>
+                                        <p:cTn id="92" dur="500"/>
                                         <p:tgtEl>
                                           <p:spTgt spid="27"/>
                                         </p:tgtEl>
@@ -34217,6 +34300,18 @@
   <p:clrMapOvr>
     <a:masterClrMapping/>
   </p:clrMapOvr>
+  <mc:AlternateContent xmlns:mc="http://schemas.openxmlformats.org/markup-compatibility/2006">
+    <mc:Choice xmlns:p14="http://schemas.microsoft.com/office/powerpoint/2010/main" Requires="p14">
+      <p:transition spd="med" p14:dur="700">
+        <p:fade/>
+      </p:transition>
+    </mc:Choice>
+    <mc:Fallback>
+      <p:transition spd="med">
+        <p:fade/>
+      </p:transition>
+    </mc:Fallback>
+  </mc:AlternateContent>
   <p:timing>
     <p:tnLst>
       <p:par>
@@ -36012,6 +36107,18 @@
   <p:clrMapOvr>
     <a:masterClrMapping/>
   </p:clrMapOvr>
+  <mc:AlternateContent xmlns:mc="http://schemas.openxmlformats.org/markup-compatibility/2006">
+    <mc:Choice xmlns:p14="http://schemas.microsoft.com/office/powerpoint/2010/main" Requires="p14">
+      <p:transition spd="med" p14:dur="700">
+        <p:fade/>
+      </p:transition>
+    </mc:Choice>
+    <mc:Fallback>
+      <p:transition spd="med">
+        <p:fade/>
+      </p:transition>
+    </mc:Fallback>
+  </mc:AlternateContent>
   <p:timing>
     <p:tnLst>
       <p:par>
@@ -37431,13 +37538,14 @@
           <p:cNvPr id="37" name="Gerader Verbinder 36"/>
           <p:cNvCxnSpPr>
             <a:stCxn id="26" idx="4"/>
+            <a:endCxn id="41" idx="0"/>
           </p:cNvCxnSpPr>
           <p:nvPr/>
         </p:nvCxnSpPr>
         <p:spPr>
-          <a:xfrm flipH="1">
-            <a:off x="893377" y="4352072"/>
-            <a:ext cx="1" cy="802786"/>
+          <a:xfrm>
+            <a:off x="893378" y="4352072"/>
+            <a:ext cx="2240" cy="273730"/>
           </a:xfrm>
           <a:prstGeom prst="line">
             <a:avLst/>
@@ -37469,7 +37577,7 @@
         </p:nvSpPr>
         <p:spPr>
           <a:xfrm>
-            <a:off x="388879" y="5154858"/>
+            <a:off x="391121" y="4625802"/>
             <a:ext cx="1008993" cy="420413"/>
           </a:xfrm>
           <a:prstGeom prst="ellipse">
@@ -37515,6 +37623,18 @@
   <p:clrMapOvr>
     <a:masterClrMapping/>
   </p:clrMapOvr>
+  <mc:AlternateContent xmlns:mc="http://schemas.openxmlformats.org/markup-compatibility/2006">
+    <mc:Choice xmlns:p14="http://schemas.microsoft.com/office/powerpoint/2010/main" Requires="p14">
+      <p:transition spd="med" p14:dur="700">
+        <p:fade/>
+      </p:transition>
+    </mc:Choice>
+    <mc:Fallback>
+      <p:transition spd="med">
+        <p:fade/>
+      </p:transition>
+    </mc:Fallback>
+  </mc:AlternateContent>
   <p:timing>
     <p:tnLst>
       <p:par>
@@ -37536,7 +37656,7 @@
                             </p:stCondLst>
                             <p:childTnLst>
                               <p:par>
-                                <p:cTn id="5" presetID="22" presetClass="entr" presetSubtype="4" fill="hold" grpId="0" nodeType="clickEffect">
+                                <p:cTn id="5" presetID="1" presetClass="exit" presetSubtype="0" fill="hold" nodeType="clickEffect">
                                   <p:stCondLst>
                                     <p:cond delay="0"/>
                                   </p:stCondLst>
@@ -37544,59 +37664,6 @@
                                     <p:set>
                                       <p:cBhvr>
                                         <p:cTn id="6" dur="1" fill="hold">
-                                          <p:stCondLst>
-                                            <p:cond delay="0"/>
-                                          </p:stCondLst>
-                                        </p:cTn>
-                                        <p:tgtEl>
-                                          <p:spTgt spid="7"/>
-                                        </p:tgtEl>
-                                        <p:attrNameLst>
-                                          <p:attrName>style.visibility</p:attrName>
-                                        </p:attrNameLst>
-                                      </p:cBhvr>
-                                      <p:to>
-                                        <p:strVal val="visible"/>
-                                      </p:to>
-                                    </p:set>
-                                    <p:animEffect transition="in" filter="wipe(down)">
-                                      <p:cBhvr>
-                                        <p:cTn id="7" dur="500"/>
-                                        <p:tgtEl>
-                                          <p:spTgt spid="7"/>
-                                        </p:tgtEl>
-                                      </p:cBhvr>
-                                    </p:animEffect>
-                                  </p:childTnLst>
-                                </p:cTn>
-                              </p:par>
-                            </p:childTnLst>
-                          </p:cTn>
-                        </p:par>
-                      </p:childTnLst>
-                    </p:cTn>
-                  </p:par>
-                  <p:par>
-                    <p:cTn id="8" fill="hold">
-                      <p:stCondLst>
-                        <p:cond delay="indefinite"/>
-                      </p:stCondLst>
-                      <p:childTnLst>
-                        <p:par>
-                          <p:cTn id="9" fill="hold">
-                            <p:stCondLst>
-                              <p:cond delay="0"/>
-                            </p:stCondLst>
-                            <p:childTnLst>
-                              <p:par>
-                                <p:cTn id="10" presetID="1" presetClass="exit" presetSubtype="0" fill="hold" nodeType="clickEffect">
-                                  <p:stCondLst>
-                                    <p:cond delay="0"/>
-                                  </p:stCondLst>
-                                  <p:childTnLst>
-                                    <p:set>
-                                      <p:cBhvr>
-                                        <p:cTn id="11" dur="1" fill="hold">
                                           <p:stCondLst>
                                             <p:cond delay="0"/>
                                           </p:stCondLst>
@@ -37616,14 +37683,14 @@
                                 </p:cTn>
                               </p:par>
                               <p:par>
-                                <p:cTn id="12" presetID="1" presetClass="entr" presetSubtype="0" fill="hold" nodeType="withEffect">
+                                <p:cTn id="7" presetID="1" presetClass="entr" presetSubtype="0" fill="hold" nodeType="withEffect">
                                   <p:stCondLst>
                                     <p:cond delay="0"/>
                                   </p:stCondLst>
                                   <p:childTnLst>
                                     <p:set>
                                       <p:cBhvr>
-                                        <p:cTn id="13" dur="1" fill="hold">
+                                        <p:cTn id="8" dur="1" fill="hold">
                                           <p:stCondLst>
                                             <p:cond delay="0"/>
                                           </p:stCondLst>
@@ -37643,14 +37710,14 @@
                                 </p:cTn>
                               </p:par>
                               <p:par>
-                                <p:cTn id="14" presetID="1" presetClass="exit" presetSubtype="0" fill="hold" nodeType="withEffect">
+                                <p:cTn id="9" presetID="1" presetClass="exit" presetSubtype="0" fill="hold" nodeType="withEffect">
                                   <p:stCondLst>
                                     <p:cond delay="0"/>
                                   </p:stCondLst>
                                   <p:childTnLst>
                                     <p:set>
                                       <p:cBhvr>
-                                        <p:cTn id="15" dur="1" fill="hold">
+                                        <p:cTn id="10" dur="1" fill="hold">
                                           <p:stCondLst>
                                             <p:cond delay="0"/>
                                           </p:stCondLst>
@@ -37670,14 +37737,14 @@
                                 </p:cTn>
                               </p:par>
                               <p:par>
-                                <p:cTn id="16" presetID="1" presetClass="entr" presetSubtype="0" fill="hold" nodeType="withEffect">
+                                <p:cTn id="11" presetID="1" presetClass="entr" presetSubtype="0" fill="hold" nodeType="withEffect">
                                   <p:stCondLst>
                                     <p:cond delay="0"/>
                                   </p:stCondLst>
                                   <p:childTnLst>
                                     <p:set>
                                       <p:cBhvr>
-                                        <p:cTn id="17" dur="1" fill="hold">
+                                        <p:cTn id="12" dur="1" fill="hold">
                                           <p:stCondLst>
                                             <p:cond delay="0"/>
                                           </p:stCondLst>
@@ -37697,14 +37764,14 @@
                                 </p:cTn>
                               </p:par>
                               <p:par>
-                                <p:cTn id="18" presetID="10" presetClass="exit" presetSubtype="0" fill="hold" grpId="1" nodeType="withEffect">
+                                <p:cTn id="13" presetID="10" presetClass="exit" presetSubtype="0" fill="hold" grpId="1" nodeType="withEffect">
                                   <p:stCondLst>
                                     <p:cond delay="0"/>
                                   </p:stCondLst>
                                   <p:childTnLst>
                                     <p:animEffect transition="out" filter="fade">
                                       <p:cBhvr>
-                                        <p:cTn id="19" dur="500"/>
+                                        <p:cTn id="14" dur="500"/>
                                         <p:tgtEl>
                                           <p:spTgt spid="7"/>
                                         </p:tgtEl>
@@ -37712,7 +37779,7 @@
                                     </p:animEffect>
                                     <p:set>
                                       <p:cBhvr>
-                                        <p:cTn id="20" dur="1" fill="hold">
+                                        <p:cTn id="15" dur="1" fill="hold">
                                           <p:stCondLst>
                                             <p:cond delay="499"/>
                                           </p:stCondLst>
@@ -37732,14 +37799,14 @@
                                 </p:cTn>
                               </p:par>
                               <p:par>
-                                <p:cTn id="21" presetID="10" presetClass="exit" presetSubtype="0" fill="hold" nodeType="withEffect">
+                                <p:cTn id="16" presetID="10" presetClass="exit" presetSubtype="0" fill="hold" nodeType="withEffect">
                                   <p:stCondLst>
                                     <p:cond delay="0"/>
                                   </p:stCondLst>
                                   <p:childTnLst>
                                     <p:animEffect transition="out" filter="fade">
                                       <p:cBhvr>
-                                        <p:cTn id="22" dur="500"/>
+                                        <p:cTn id="17" dur="500"/>
                                         <p:tgtEl>
                                           <p:spTgt spid="35"/>
                                         </p:tgtEl>
@@ -37747,7 +37814,7 @@
                                     </p:animEffect>
                                     <p:set>
                                       <p:cBhvr>
-                                        <p:cTn id="23" dur="1" fill="hold">
+                                        <p:cTn id="18" dur="1" fill="hold">
                                           <p:stCondLst>
                                             <p:cond delay="499"/>
                                           </p:stCondLst>
@@ -37767,14 +37834,14 @@
                                 </p:cTn>
                               </p:par>
                               <p:par>
-                                <p:cTn id="24" presetID="10" presetClass="exit" presetSubtype="0" fill="hold" nodeType="withEffect">
+                                <p:cTn id="19" presetID="10" presetClass="exit" presetSubtype="0" fill="hold" nodeType="withEffect">
                                   <p:stCondLst>
                                     <p:cond delay="0"/>
                                   </p:stCondLst>
                                   <p:childTnLst>
                                     <p:animEffect transition="out" filter="fade">
                                       <p:cBhvr>
-                                        <p:cTn id="25" dur="500"/>
+                                        <p:cTn id="20" dur="500"/>
                                         <p:tgtEl>
                                           <p:spTgt spid="31"/>
                                         </p:tgtEl>
@@ -37782,7 +37849,7 @@
                                     </p:animEffect>
                                     <p:set>
                                       <p:cBhvr>
-                                        <p:cTn id="26" dur="1" fill="hold">
+                                        <p:cTn id="21" dur="1" fill="hold">
                                           <p:stCondLst>
                                             <p:cond delay="499"/>
                                           </p:stCondLst>
@@ -37808,26 +37875,26 @@
                     </p:cTn>
                   </p:par>
                   <p:par>
-                    <p:cTn id="27" fill="hold">
+                    <p:cTn id="22" fill="hold">
                       <p:stCondLst>
                         <p:cond delay="indefinite"/>
                       </p:stCondLst>
                       <p:childTnLst>
                         <p:par>
-                          <p:cTn id="28" fill="hold">
+                          <p:cTn id="23" fill="hold">
                             <p:stCondLst>
                               <p:cond delay="0"/>
                             </p:stCondLst>
                             <p:childTnLst>
                               <p:par>
-                                <p:cTn id="29" presetID="10" presetClass="exit" presetSubtype="0" fill="hold" nodeType="clickEffect">
+                                <p:cTn id="24" presetID="10" presetClass="exit" presetSubtype="0" fill="hold" nodeType="clickEffect">
                                   <p:stCondLst>
                                     <p:cond delay="0"/>
                                   </p:stCondLst>
                                   <p:childTnLst>
                                     <p:animEffect transition="out" filter="fade">
                                       <p:cBhvr>
-                                        <p:cTn id="30" dur="1500"/>
+                                        <p:cTn id="25" dur="1500"/>
                                         <p:tgtEl>
                                           <p:spTgt spid="16"/>
                                         </p:tgtEl>
@@ -37835,7 +37902,7 @@
                                     </p:animEffect>
                                     <p:set>
                                       <p:cBhvr>
-                                        <p:cTn id="31" dur="1" fill="hold">
+                                        <p:cTn id="26" dur="1" fill="hold">
                                           <p:stCondLst>
                                             <p:cond delay="1499"/>
                                           </p:stCondLst>
@@ -37855,14 +37922,14 @@
                                 </p:cTn>
                               </p:par>
                               <p:par>
-                                <p:cTn id="32" presetID="10" presetClass="exit" presetSubtype="0" fill="hold" grpId="0" nodeType="withEffect">
+                                <p:cTn id="27" presetID="10" presetClass="exit" presetSubtype="0" fill="hold" grpId="0" nodeType="withEffect">
                                   <p:stCondLst>
                                     <p:cond delay="0"/>
                                   </p:stCondLst>
                                   <p:childTnLst>
                                     <p:animEffect transition="out" filter="fade">
                                       <p:cBhvr>
-                                        <p:cTn id="33" dur="1500"/>
+                                        <p:cTn id="28" dur="1500"/>
                                         <p:tgtEl>
                                           <p:spTgt spid="3"/>
                                         </p:tgtEl>
@@ -37870,7 +37937,7 @@
                                     </p:animEffect>
                                     <p:set>
                                       <p:cBhvr>
-                                        <p:cTn id="34" dur="1" fill="hold">
+                                        <p:cTn id="29" dur="1" fill="hold">
                                           <p:stCondLst>
                                             <p:cond delay="1499"/>
                                           </p:stCondLst>
@@ -37890,14 +37957,14 @@
                                 </p:cTn>
                               </p:par>
                               <p:par>
-                                <p:cTn id="35" presetID="10" presetClass="entr" presetSubtype="0" fill="hold" grpId="0" nodeType="withEffect">
+                                <p:cTn id="30" presetID="10" presetClass="entr" presetSubtype="0" fill="hold" grpId="0" nodeType="withEffect">
                                   <p:stCondLst>
                                     <p:cond delay="0"/>
                                   </p:stCondLst>
                                   <p:childTnLst>
                                     <p:set>
                                       <p:cBhvr>
-                                        <p:cTn id="36" dur="1" fill="hold">
+                                        <p:cTn id="31" dur="1" fill="hold">
                                           <p:stCondLst>
                                             <p:cond delay="0"/>
                                           </p:stCondLst>
@@ -37915,7 +37982,7 @@
                                     </p:set>
                                     <p:animEffect transition="in" filter="fade">
                                       <p:cBhvr>
-                                        <p:cTn id="37" dur="1500"/>
+                                        <p:cTn id="32" dur="1500"/>
                                         <p:tgtEl>
                                           <p:spTgt spid="36"/>
                                         </p:tgtEl>
@@ -37925,14 +37992,14 @@
                                 </p:cTn>
                               </p:par>
                               <p:par>
-                                <p:cTn id="38" presetID="10" presetClass="exit" presetSubtype="0" fill="hold" grpId="0" nodeType="withEffect">
+                                <p:cTn id="33" presetID="10" presetClass="exit" presetSubtype="0" fill="hold" grpId="0" nodeType="withEffect">
                                   <p:stCondLst>
                                     <p:cond delay="0"/>
                                   </p:stCondLst>
                                   <p:childTnLst>
                                     <p:animEffect transition="out" filter="fade">
                                       <p:cBhvr>
-                                        <p:cTn id="39" dur="1500"/>
+                                        <p:cTn id="34" dur="1500"/>
                                         <p:tgtEl>
                                           <p:spTgt spid="6"/>
                                         </p:tgtEl>
@@ -37940,7 +38007,7 @@
                                     </p:animEffect>
                                     <p:set>
                                       <p:cBhvr>
-                                        <p:cTn id="40" dur="1" fill="hold">
+                                        <p:cTn id="35" dur="1" fill="hold">
                                           <p:stCondLst>
                                             <p:cond delay="1499"/>
                                           </p:stCondLst>
@@ -37960,14 +38027,14 @@
                                 </p:cTn>
                               </p:par>
                               <p:par>
-                                <p:cTn id="41" presetID="10" presetClass="entr" presetSubtype="0" fill="hold" nodeType="withEffect">
+                                <p:cTn id="36" presetID="10" presetClass="entr" presetSubtype="0" fill="hold" nodeType="withEffect">
                                   <p:stCondLst>
                                     <p:cond delay="0"/>
                                   </p:stCondLst>
                                   <p:childTnLst>
                                     <p:set>
                                       <p:cBhvr>
-                                        <p:cTn id="42" dur="1" fill="hold">
+                                        <p:cTn id="37" dur="1" fill="hold">
                                           <p:stCondLst>
                                             <p:cond delay="0"/>
                                           </p:stCondLst>
@@ -37985,7 +38052,7 @@
                                     </p:set>
                                     <p:animEffect transition="in" filter="fade">
                                       <p:cBhvr>
-                                        <p:cTn id="43" dur="1500"/>
+                                        <p:cTn id="38" dur="1500"/>
                                         <p:tgtEl>
                                           <p:spTgt spid="34"/>
                                         </p:tgtEl>
@@ -37995,14 +38062,14 @@
                                 </p:cTn>
                               </p:par>
                               <p:par>
-                                <p:cTn id="44" presetID="10" presetClass="exit" presetSubtype="0" fill="hold" nodeType="withEffect">
+                                <p:cTn id="39" presetID="10" presetClass="exit" presetSubtype="0" fill="hold" nodeType="withEffect">
                                   <p:stCondLst>
                                     <p:cond delay="0"/>
                                   </p:stCondLst>
                                   <p:childTnLst>
                                     <p:animEffect transition="out" filter="fade">
                                       <p:cBhvr>
-                                        <p:cTn id="45" dur="1500"/>
+                                        <p:cTn id="40" dur="1500"/>
                                         <p:tgtEl>
                                           <p:spTgt spid="14"/>
                                         </p:tgtEl>
@@ -38010,7 +38077,7 @@
                                     </p:animEffect>
                                     <p:set>
                                       <p:cBhvr>
-                                        <p:cTn id="46" dur="1" fill="hold">
+                                        <p:cTn id="41" dur="1" fill="hold">
                                           <p:stCondLst>
                                             <p:cond delay="1499"/>
                                           </p:stCondLst>
@@ -38036,26 +38103,26 @@
                     </p:cTn>
                   </p:par>
                   <p:par>
-                    <p:cTn id="47" fill="hold">
+                    <p:cTn id="42" fill="hold">
                       <p:stCondLst>
                         <p:cond delay="indefinite"/>
                       </p:stCondLst>
                       <p:childTnLst>
                         <p:par>
-                          <p:cTn id="48" fill="hold">
+                          <p:cTn id="43" fill="hold">
                             <p:stCondLst>
                               <p:cond delay="0"/>
                             </p:stCondLst>
                             <p:childTnLst>
                               <p:par>
-                                <p:cTn id="49" presetID="22" presetClass="entr" presetSubtype="1" fill="hold" nodeType="clickEffect">
+                                <p:cTn id="44" presetID="22" presetClass="entr" presetSubtype="1" fill="hold" nodeType="clickEffect">
                                   <p:stCondLst>
                                     <p:cond delay="0"/>
                                   </p:stCondLst>
                                   <p:childTnLst>
                                     <p:set>
                                       <p:cBhvr>
-                                        <p:cTn id="50" dur="1" fill="hold">
+                                        <p:cTn id="45" dur="1" fill="hold">
                                           <p:stCondLst>
                                             <p:cond delay="0"/>
                                           </p:stCondLst>
@@ -38073,7 +38140,7 @@
                                     </p:set>
                                     <p:animEffect transition="in" filter="wipe(up)">
                                       <p:cBhvr>
-                                        <p:cTn id="51" dur="500"/>
+                                        <p:cTn id="46" dur="500"/>
                                         <p:tgtEl>
                                           <p:spTgt spid="37"/>
                                         </p:tgtEl>
@@ -38083,14 +38150,14 @@
                                 </p:cTn>
                               </p:par>
                               <p:par>
-                                <p:cTn id="52" presetID="10" presetClass="entr" presetSubtype="0" fill="hold" grpId="0" nodeType="withEffect">
+                                <p:cTn id="47" presetID="10" presetClass="entr" presetSubtype="0" fill="hold" grpId="0" nodeType="withEffect">
                                   <p:stCondLst>
                                     <p:cond delay="0"/>
                                   </p:stCondLst>
                                   <p:childTnLst>
                                     <p:set>
                                       <p:cBhvr>
-                                        <p:cTn id="53" dur="1" fill="hold">
+                                        <p:cTn id="48" dur="1" fill="hold">
                                           <p:stCondLst>
                                             <p:cond delay="0"/>
                                           </p:stCondLst>
@@ -38108,7 +38175,7 @@
                                     </p:set>
                                     <p:animEffect transition="in" filter="fade">
                                       <p:cBhvr>
-                                        <p:cTn id="54" dur="500"/>
+                                        <p:cTn id="49" dur="500"/>
                                         <p:tgtEl>
                                           <p:spTgt spid="41"/>
                                         </p:tgtEl>
@@ -38148,7 +38215,6 @@
       <p:bldP spid="36" grpId="0" animBg="1"/>
       <p:bldP spid="6" grpId="0" animBg="1"/>
       <p:bldP spid="3" grpId="0"/>
-      <p:bldP spid="7" grpId="0" animBg="1"/>
       <p:bldP spid="7" grpId="1" animBg="1"/>
       <p:bldP spid="41" grpId="0" animBg="1"/>
     </p:bldLst>
@@ -38225,6 +38291,18 @@
   <p:clrMapOvr>
     <a:masterClrMapping/>
   </p:clrMapOvr>
+  <mc:AlternateContent xmlns:mc="http://schemas.openxmlformats.org/markup-compatibility/2006">
+    <mc:Choice xmlns:p14="http://schemas.microsoft.com/office/powerpoint/2010/main" Requires="p14">
+      <p:transition spd="med" p14:dur="700">
+        <p:fade/>
+      </p:transition>
+    </mc:Choice>
+    <mc:Fallback>
+      <p:transition spd="med">
+        <p:fade/>
+      </p:transition>
+    </mc:Fallback>
+  </mc:AlternateContent>
   <p:timing>
     <p:tnLst>
       <p:par>
@@ -40435,125 +40513,45 @@
           <a:p>
             <a:r>
               <a:rPr lang="de-DE" dirty="0" smtClean="0"/>
-              <a:t>Quellen</a:t>
+              <a:t>Klassendiagramm</a:t>
             </a:r>
             <a:endParaRPr lang="de-DE" dirty="0"/>
           </a:p>
         </p:txBody>
       </p:sp>
-      <p:sp>
-        <p:nvSpPr>
-          <p:cNvPr id="3" name="Inhaltsplatzhalter 2"/>
-          <p:cNvSpPr>
-            <a:spLocks noGrp="1"/>
-          </p:cNvSpPr>
+      <p:pic>
+        <p:nvPicPr>
+          <p:cNvPr id="4" name="Inhaltsplatzhalter 3"/>
+          <p:cNvPicPr>
+            <a:picLocks noGrp="1" noChangeAspect="1"/>
+          </p:cNvPicPr>
           <p:nvPr>
             <p:ph idx="1"/>
           </p:nvPr>
-        </p:nvSpPr>
-        <p:spPr/>
-        <p:txBody>
-          <a:bodyPr/>
-          <a:lstStyle/>
-          <a:p>
-            <a:pPr>
-              <a:lnSpc>
-                <a:spcPct val="100000"/>
-              </a:lnSpc>
-              <a:spcBef>
-                <a:spcPts val="200"/>
-              </a:spcBef>
-            </a:pPr>
-            <a:r>
-              <a:rPr lang="de-DE" dirty="0"/>
-              <a:t>https://</a:t>
-            </a:r>
-            <a:r>
-              <a:rPr lang="de-DE" b="1" dirty="0"/>
-              <a:t>bwinf.de</a:t>
-            </a:r>
-            <a:r>
-              <a:rPr lang="de-DE" dirty="0"/>
-              <a:t>/</a:t>
-            </a:r>
-          </a:p>
-          <a:p>
-            <a:pPr>
-              <a:lnSpc>
-                <a:spcPct val="100000"/>
-              </a:lnSpc>
-              <a:spcBef>
-                <a:spcPts val="200"/>
-              </a:spcBef>
-            </a:pPr>
-            <a:r>
-              <a:rPr lang="de-DE" dirty="0"/>
-              <a:t>http://</a:t>
-            </a:r>
-            <a:r>
-              <a:rPr lang="de-DE" b="1" dirty="0"/>
-              <a:t>mathedia.com</a:t>
-            </a:r>
-            <a:r>
-              <a:rPr lang="de-DE" dirty="0"/>
-              <a:t>/analysis/vollstaendige-induktion/gausssche-summenformel/</a:t>
-            </a:r>
-          </a:p>
-          <a:p>
-            <a:pPr>
-              <a:lnSpc>
-                <a:spcPct val="100000"/>
-              </a:lnSpc>
-              <a:spcBef>
-                <a:spcPts val="200"/>
-              </a:spcBef>
-            </a:pPr>
-            <a:r>
-              <a:rPr lang="de-DE" dirty="0"/>
-              <a:t>https://www.</a:t>
-            </a:r>
-            <a:r>
-              <a:rPr lang="de-DE" b="1" dirty="0"/>
-              <a:t>geogebra.org</a:t>
-            </a:r>
-            <a:r>
-              <a:rPr lang="de-DE" dirty="0"/>
-              <a:t>/</a:t>
-            </a:r>
-          </a:p>
-          <a:p>
-            <a:pPr>
-              <a:lnSpc>
-                <a:spcPct val="100000"/>
-              </a:lnSpc>
-              <a:spcBef>
-                <a:spcPts val="200"/>
-              </a:spcBef>
-            </a:pPr>
-            <a:r>
-              <a:rPr lang="de-DE" dirty="0"/>
-              <a:t>https://www.</a:t>
-            </a:r>
-            <a:r>
-              <a:rPr lang="de-DE" b="1" dirty="0"/>
-              <a:t>geeksforgeeks.org</a:t>
-            </a:r>
-            <a:r>
-              <a:rPr lang="de-DE" dirty="0"/>
-              <a:t>/backtracking-algorithms</a:t>
-            </a:r>
-            <a:r>
-              <a:rPr lang="de-DE" dirty="0" smtClean="0"/>
-              <a:t>/</a:t>
-            </a:r>
-            <a:endParaRPr lang="de-DE" dirty="0"/>
-          </a:p>
-        </p:txBody>
-      </p:sp>
+        </p:nvPicPr>
+        <p:blipFill>
+          <a:blip r:embed="rId3">
+            <a:extLst>
+              <a:ext uri="{28A0092B-C50C-407E-A947-70E740481C1C}">
+                <a14:useLocalDpi xmlns:a14="http://schemas.microsoft.com/office/drawing/2010/main" val="0"/>
+              </a:ext>
+            </a:extLst>
+          </a:blip>
+          <a:stretch>
+            <a:fillRect/>
+          </a:stretch>
+        </p:blipFill>
+        <p:spPr>
+          <a:xfrm>
+            <a:off x="1671147" y="1691322"/>
+            <a:ext cx="7619999" cy="5403512"/>
+          </a:xfrm>
+        </p:spPr>
+      </p:pic>
     </p:spTree>
     <p:extLst>
       <p:ext uri="{BB962C8B-B14F-4D97-AF65-F5344CB8AC3E}">
-        <p14:creationId xmlns:p14="http://schemas.microsoft.com/office/powerpoint/2010/main" val="2674753207"/>
+        <p14:creationId xmlns:p14="http://schemas.microsoft.com/office/powerpoint/2010/main" val="1356195346"/>
       </p:ext>
     </p:extLst>
   </p:cSld>
@@ -40599,6 +40597,266 @@
           <a:chExt cx="0" cy="0"/>
         </a:xfrm>
       </p:grpSpPr>
+      <p:pic>
+        <p:nvPicPr>
+          <p:cNvPr id="2" name="Grafik 1"/>
+          <p:cNvPicPr>
+            <a:picLocks noChangeAspect="1"/>
+          </p:cNvPicPr>
+          <p:nvPr/>
+        </p:nvPicPr>
+        <p:blipFill>
+          <a:blip r:embed="rId2">
+            <a:extLst>
+              <a:ext uri="{28A0092B-C50C-407E-A947-70E740481C1C}">
+                <a14:useLocalDpi xmlns:a14="http://schemas.microsoft.com/office/drawing/2010/main" val="0"/>
+              </a:ext>
+            </a:extLst>
+          </a:blip>
+          <a:stretch>
+            <a:fillRect/>
+          </a:stretch>
+        </p:blipFill>
+        <p:spPr>
+          <a:xfrm>
+            <a:off x="814478" y="0"/>
+            <a:ext cx="9722224" cy="6858000"/>
+          </a:xfrm>
+          <a:prstGeom prst="rect">
+            <a:avLst/>
+          </a:prstGeom>
+        </p:spPr>
+      </p:pic>
+    </p:spTree>
+    <p:extLst>
+      <p:ext uri="{BB962C8B-B14F-4D97-AF65-F5344CB8AC3E}">
+        <p14:creationId xmlns:p14="http://schemas.microsoft.com/office/powerpoint/2010/main" val="3479169381"/>
+      </p:ext>
+    </p:extLst>
+  </p:cSld>
+  <p:clrMapOvr>
+    <a:masterClrMapping/>
+  </p:clrMapOvr>
+  <mc:AlternateContent xmlns:mc="http://schemas.openxmlformats.org/markup-compatibility/2006">
+    <mc:Choice xmlns:p14="http://schemas.microsoft.com/office/powerpoint/2010/main" Requires="p14">
+      <p:transition spd="med" p14:dur="700">
+        <p:fade/>
+      </p:transition>
+    </mc:Choice>
+    <mc:Fallback>
+      <p:transition spd="med">
+        <p:fade/>
+      </p:transition>
+    </mc:Fallback>
+  </mc:AlternateContent>
+  <p:timing>
+    <p:tnLst>
+      <p:par>
+        <p:cTn id="1" dur="indefinite" restart="never" nodeType="tmRoot"/>
+      </p:par>
+    </p:tnLst>
+  </p:timing>
+</p:sld>
+</file>
+
+<file path=ppt/slides/slide32.xml><?xml version="1.0" encoding="utf-8"?>
+<p:sld xmlns:a="http://schemas.openxmlformats.org/drawingml/2006/main" xmlns:r="http://schemas.openxmlformats.org/officeDocument/2006/relationships" xmlns:p="http://schemas.openxmlformats.org/presentationml/2006/main">
+  <p:cSld>
+    <p:spTree>
+      <p:nvGrpSpPr>
+        <p:cNvPr id="1" name=""/>
+        <p:cNvGrpSpPr/>
+        <p:nvPr/>
+      </p:nvGrpSpPr>
+      <p:grpSpPr>
+        <a:xfrm>
+          <a:off x="0" y="0"/>
+          <a:ext cx="0" cy="0"/>
+          <a:chOff x="0" y="0"/>
+          <a:chExt cx="0" cy="0"/>
+        </a:xfrm>
+      </p:grpSpPr>
+      <p:sp>
+        <p:nvSpPr>
+          <p:cNvPr id="2" name="Titel 1"/>
+          <p:cNvSpPr>
+            <a:spLocks noGrp="1"/>
+          </p:cNvSpPr>
+          <p:nvPr>
+            <p:ph type="title"/>
+          </p:nvPr>
+        </p:nvSpPr>
+        <p:spPr/>
+        <p:txBody>
+          <a:bodyPr/>
+          <a:lstStyle/>
+          <a:p>
+            <a:r>
+              <a:rPr lang="de-DE" dirty="0" smtClean="0"/>
+              <a:t>Quellen</a:t>
+            </a:r>
+            <a:endParaRPr lang="de-DE" dirty="0"/>
+          </a:p>
+        </p:txBody>
+      </p:sp>
+      <p:sp>
+        <p:nvSpPr>
+          <p:cNvPr id="3" name="Inhaltsplatzhalter 2"/>
+          <p:cNvSpPr>
+            <a:spLocks noGrp="1"/>
+          </p:cNvSpPr>
+          <p:nvPr>
+            <p:ph idx="1"/>
+          </p:nvPr>
+        </p:nvSpPr>
+        <p:spPr/>
+        <p:txBody>
+          <a:bodyPr/>
+          <a:lstStyle/>
+          <a:p>
+            <a:pPr>
+              <a:lnSpc>
+                <a:spcPct val="100000"/>
+              </a:lnSpc>
+              <a:spcBef>
+                <a:spcPts val="200"/>
+              </a:spcBef>
+            </a:pPr>
+            <a:r>
+              <a:rPr lang="de-DE" dirty="0"/>
+              <a:t>https://</a:t>
+            </a:r>
+            <a:r>
+              <a:rPr lang="de-DE" b="1" dirty="0"/>
+              <a:t>bwinf.de</a:t>
+            </a:r>
+            <a:r>
+              <a:rPr lang="de-DE" dirty="0"/>
+              <a:t>/</a:t>
+            </a:r>
+          </a:p>
+          <a:p>
+            <a:pPr>
+              <a:lnSpc>
+                <a:spcPct val="100000"/>
+              </a:lnSpc>
+              <a:spcBef>
+                <a:spcPts val="200"/>
+              </a:spcBef>
+            </a:pPr>
+            <a:r>
+              <a:rPr lang="de-DE" dirty="0"/>
+              <a:t>http://</a:t>
+            </a:r>
+            <a:r>
+              <a:rPr lang="de-DE" b="1" dirty="0"/>
+              <a:t>mathedia.com</a:t>
+            </a:r>
+            <a:r>
+              <a:rPr lang="de-DE" dirty="0"/>
+              <a:t>/analysis/vollstaendige-induktion/gausssche-summenformel/</a:t>
+            </a:r>
+          </a:p>
+          <a:p>
+            <a:pPr>
+              <a:lnSpc>
+                <a:spcPct val="100000"/>
+              </a:lnSpc>
+              <a:spcBef>
+                <a:spcPts val="200"/>
+              </a:spcBef>
+            </a:pPr>
+            <a:r>
+              <a:rPr lang="de-DE" dirty="0"/>
+              <a:t>https://www.</a:t>
+            </a:r>
+            <a:r>
+              <a:rPr lang="de-DE" b="1" dirty="0"/>
+              <a:t>geogebra.org</a:t>
+            </a:r>
+            <a:r>
+              <a:rPr lang="de-DE" dirty="0"/>
+              <a:t>/</a:t>
+            </a:r>
+          </a:p>
+          <a:p>
+            <a:pPr>
+              <a:lnSpc>
+                <a:spcPct val="100000"/>
+              </a:lnSpc>
+              <a:spcBef>
+                <a:spcPts val="200"/>
+              </a:spcBef>
+            </a:pPr>
+            <a:r>
+              <a:rPr lang="de-DE" dirty="0"/>
+              <a:t>https://www.</a:t>
+            </a:r>
+            <a:r>
+              <a:rPr lang="de-DE" b="1" dirty="0"/>
+              <a:t>geeksforgeeks.org</a:t>
+            </a:r>
+            <a:r>
+              <a:rPr lang="de-DE" dirty="0"/>
+              <a:t>/backtracking-algorithms</a:t>
+            </a:r>
+            <a:r>
+              <a:rPr lang="de-DE" dirty="0" smtClean="0"/>
+              <a:t>/</a:t>
+            </a:r>
+            <a:endParaRPr lang="de-DE" dirty="0"/>
+          </a:p>
+        </p:txBody>
+      </p:sp>
+    </p:spTree>
+    <p:extLst>
+      <p:ext uri="{BB962C8B-B14F-4D97-AF65-F5344CB8AC3E}">
+        <p14:creationId xmlns:p14="http://schemas.microsoft.com/office/powerpoint/2010/main" val="2674753207"/>
+      </p:ext>
+    </p:extLst>
+  </p:cSld>
+  <p:clrMapOvr>
+    <a:masterClrMapping/>
+  </p:clrMapOvr>
+  <mc:AlternateContent xmlns:mc="http://schemas.openxmlformats.org/markup-compatibility/2006">
+    <mc:Choice xmlns:p14="http://schemas.microsoft.com/office/powerpoint/2010/main" Requires="p14">
+      <p:transition spd="med" p14:dur="700">
+        <p:fade/>
+      </p:transition>
+    </mc:Choice>
+    <mc:Fallback>
+      <p:transition spd="med">
+        <p:fade/>
+      </p:transition>
+    </mc:Fallback>
+  </mc:AlternateContent>
+  <p:timing>
+    <p:tnLst>
+      <p:par>
+        <p:cTn id="1" dur="indefinite" restart="never" nodeType="tmRoot"/>
+      </p:par>
+    </p:tnLst>
+  </p:timing>
+</p:sld>
+</file>
+
+<file path=ppt/slides/slide33.xml><?xml version="1.0" encoding="utf-8"?>
+<p:sld xmlns:a="http://schemas.openxmlformats.org/drawingml/2006/main" xmlns:r="http://schemas.openxmlformats.org/officeDocument/2006/relationships" xmlns:p="http://schemas.openxmlformats.org/presentationml/2006/main">
+  <p:cSld>
+    <p:spTree>
+      <p:nvGrpSpPr>
+        <p:cNvPr id="1" name=""/>
+        <p:cNvGrpSpPr/>
+        <p:nvPr/>
+      </p:nvGrpSpPr>
+      <p:grpSpPr>
+        <a:xfrm>
+          <a:off x="0" y="0"/>
+          <a:ext cx="0" cy="0"/>
+          <a:chOff x="0" y="0"/>
+          <a:chExt cx="0" cy="0"/>
+        </a:xfrm>
+      </p:grpSpPr>
       <p:sp>
         <p:nvSpPr>
           <p:cNvPr id="2" name="Titel 1"/>
@@ -40816,7 +41074,7 @@
 </p:sld>
 </file>
 
-<file path=ppt/slides/slide32.xml><?xml version="1.0" encoding="utf-8"?>
+<file path=ppt/slides/slide34.xml><?xml version="1.0" encoding="utf-8"?>
 <p:sld xmlns:a="http://schemas.openxmlformats.org/drawingml/2006/main" xmlns:r="http://schemas.openxmlformats.org/officeDocument/2006/relationships" xmlns:p="http://schemas.openxmlformats.org/presentationml/2006/main">
   <p:cSld>
     <p:spTree>

--- a/Aufgabe01_Praesentation.pptx
+++ b/Aufgabe01_Praesentation.pptx
@@ -6434,13 +6434,13 @@
   <p:clrMapOvr>
     <a:masterClrMapping/>
   </p:clrMapOvr>
-  <mc:AlternateContent xmlns:mc="http://schemas.openxmlformats.org/markup-compatibility/2006">
-    <mc:Choice xmlns:p14="http://schemas.microsoft.com/office/powerpoint/2010/main" Requires="p14">
+  <mc:AlternateContent xmlns:mc="http://schemas.openxmlformats.org/markup-compatibility/2006" xmlns:p14="http://schemas.microsoft.com/office/powerpoint/2010/main">
+    <mc:Choice Requires="p14">
       <p:transition spd="med" p14:dur="700">
         <p:fade/>
       </p:transition>
     </mc:Choice>
-    <mc:Fallback>
+    <mc:Fallback xmlns="">
       <p:transition spd="med">
         <p:fade/>
       </p:transition>
@@ -7548,13 +7548,13 @@
   <p:clrMapOvr>
     <a:masterClrMapping/>
   </p:clrMapOvr>
-  <mc:AlternateContent xmlns:mc="http://schemas.openxmlformats.org/markup-compatibility/2006">
-    <mc:Choice xmlns:p14="http://schemas.microsoft.com/office/powerpoint/2010/main" Requires="p14">
+  <mc:AlternateContent xmlns:mc="http://schemas.openxmlformats.org/markup-compatibility/2006" xmlns:p14="http://schemas.microsoft.com/office/powerpoint/2010/main">
+    <mc:Choice Requires="p14">
       <p:transition spd="med" p14:dur="700">
         <p:fade/>
       </p:transition>
     </mc:Choice>
-    <mc:Fallback>
+    <mc:Fallback xmlns="">
       <p:transition spd="med">
         <p:fade/>
       </p:transition>
@@ -9123,13 +9123,13 @@
   <p:clrMapOvr>
     <a:masterClrMapping/>
   </p:clrMapOvr>
-  <mc:AlternateContent xmlns:mc="http://schemas.openxmlformats.org/markup-compatibility/2006">
-    <mc:Choice xmlns:p14="http://schemas.microsoft.com/office/powerpoint/2010/main" Requires="p14">
+  <mc:AlternateContent xmlns:mc="http://schemas.openxmlformats.org/markup-compatibility/2006" xmlns:p14="http://schemas.microsoft.com/office/powerpoint/2010/main">
+    <mc:Choice Requires="p14">
       <p:transition spd="med" p14:dur="700">
         <p:fade/>
       </p:transition>
     </mc:Choice>
-    <mc:Fallback>
+    <mc:Fallback xmlns="">
       <p:transition spd="med">
         <p:fade/>
       </p:transition>
@@ -9680,13 +9680,13 @@
   <p:clrMapOvr>
     <a:masterClrMapping/>
   </p:clrMapOvr>
-  <mc:AlternateContent xmlns:mc="http://schemas.openxmlformats.org/markup-compatibility/2006">
-    <mc:Choice xmlns:p14="http://schemas.microsoft.com/office/powerpoint/2010/main" Requires="p14">
+  <mc:AlternateContent xmlns:mc="http://schemas.openxmlformats.org/markup-compatibility/2006" xmlns:p14="http://schemas.microsoft.com/office/powerpoint/2010/main">
+    <mc:Choice Requires="p14">
       <p:transition spd="med" p14:dur="700">
         <p:fade/>
       </p:transition>
     </mc:Choice>
-    <mc:Fallback>
+    <mc:Fallback xmlns="">
       <p:transition spd="med">
         <p:fade/>
       </p:transition>
@@ -11228,13 +11228,13 @@
   <p:clrMapOvr>
     <a:masterClrMapping/>
   </p:clrMapOvr>
-  <mc:AlternateContent xmlns:mc="http://schemas.openxmlformats.org/markup-compatibility/2006">
-    <mc:Choice xmlns:p14="http://schemas.microsoft.com/office/powerpoint/2010/main" Requires="p14">
+  <mc:AlternateContent xmlns:mc="http://schemas.openxmlformats.org/markup-compatibility/2006" xmlns:p14="http://schemas.microsoft.com/office/powerpoint/2010/main">
+    <mc:Choice Requires="p14">
       <p:transition spd="med" p14:dur="700">
         <p:fade/>
       </p:transition>
     </mc:Choice>
-    <mc:Fallback>
+    <mc:Fallback xmlns="">
       <p:transition spd="med">
         <p:fade/>
       </p:transition>
@@ -13567,13 +13567,13 @@
   <p:clrMapOvr>
     <a:masterClrMapping/>
   </p:clrMapOvr>
-  <mc:AlternateContent xmlns:mc="http://schemas.openxmlformats.org/markup-compatibility/2006">
-    <mc:Choice xmlns:p14="http://schemas.microsoft.com/office/powerpoint/2010/main" Requires="p14">
+  <mc:AlternateContent xmlns:mc="http://schemas.openxmlformats.org/markup-compatibility/2006" xmlns:p14="http://schemas.microsoft.com/office/powerpoint/2010/main">
+    <mc:Choice Requires="p14">
       <p:transition spd="med" p14:dur="700">
         <p:fade/>
       </p:transition>
     </mc:Choice>
-    <mc:Fallback>
+    <mc:Fallback xmlns="">
       <p:transition spd="med">
         <p:fade/>
       </p:transition>
@@ -15554,13 +15554,13 @@
   <p:clrMapOvr>
     <a:masterClrMapping/>
   </p:clrMapOvr>
-  <mc:AlternateContent xmlns:mc="http://schemas.openxmlformats.org/markup-compatibility/2006">
-    <mc:Choice xmlns:p14="http://schemas.microsoft.com/office/powerpoint/2010/main" Requires="p14">
+  <mc:AlternateContent xmlns:mc="http://schemas.openxmlformats.org/markup-compatibility/2006" xmlns:p14="http://schemas.microsoft.com/office/powerpoint/2010/main">
+    <mc:Choice Requires="p14">
       <p:transition spd="med" p14:dur="700">
         <p:fade/>
       </p:transition>
     </mc:Choice>
-    <mc:Fallback>
+    <mc:Fallback xmlns="">
       <p:transition spd="med">
         <p:fade/>
       </p:transition>
@@ -17082,13 +17082,13 @@
   <p:clrMapOvr>
     <a:masterClrMapping/>
   </p:clrMapOvr>
-  <mc:AlternateContent xmlns:mc="http://schemas.openxmlformats.org/markup-compatibility/2006">
-    <mc:Choice xmlns:p14="http://schemas.microsoft.com/office/powerpoint/2010/main" Requires="p14">
+  <mc:AlternateContent xmlns:mc="http://schemas.openxmlformats.org/markup-compatibility/2006" xmlns:p14="http://schemas.microsoft.com/office/powerpoint/2010/main">
+    <mc:Choice Requires="p14">
       <p:transition spd="med" p14:dur="700">
         <p:fade/>
       </p:transition>
     </mc:Choice>
-    <mc:Fallback>
+    <mc:Fallback xmlns="">
       <p:transition spd="med">
         <p:fade/>
       </p:transition>
@@ -18173,13 +18173,13 @@
   <p:clrMapOvr>
     <a:masterClrMapping/>
   </p:clrMapOvr>
-  <mc:AlternateContent xmlns:mc="http://schemas.openxmlformats.org/markup-compatibility/2006">
-    <mc:Choice xmlns:p14="http://schemas.microsoft.com/office/powerpoint/2010/main" Requires="p14">
+  <mc:AlternateContent xmlns:mc="http://schemas.openxmlformats.org/markup-compatibility/2006" xmlns:p14="http://schemas.microsoft.com/office/powerpoint/2010/main">
+    <mc:Choice Requires="p14">
       <p:transition spd="med" p14:dur="700">
         <p:fade/>
       </p:transition>
     </mc:Choice>
-    <mc:Fallback>
+    <mc:Fallback xmlns="">
       <p:transition spd="med">
         <p:fade/>
       </p:transition>
@@ -19114,13 +19114,13 @@
   <p:clrMapOvr>
     <a:masterClrMapping/>
   </p:clrMapOvr>
-  <mc:AlternateContent xmlns:mc="http://schemas.openxmlformats.org/markup-compatibility/2006">
-    <mc:Choice xmlns:p14="http://schemas.microsoft.com/office/powerpoint/2010/main" Requires="p14">
+  <mc:AlternateContent xmlns:mc="http://schemas.openxmlformats.org/markup-compatibility/2006" xmlns:p14="http://schemas.microsoft.com/office/powerpoint/2010/main">
+    <mc:Choice Requires="p14">
       <p:transition spd="med" p14:dur="700">
         <p:fade/>
       </p:transition>
     </mc:Choice>
-    <mc:Fallback>
+    <mc:Fallback xmlns="">
       <p:transition spd="med">
         <p:fade/>
       </p:transition>
@@ -19240,13 +19240,13 @@
   <p:clrMapOvr>
     <a:masterClrMapping/>
   </p:clrMapOvr>
-  <mc:AlternateContent xmlns:mc="http://schemas.openxmlformats.org/markup-compatibility/2006">
-    <mc:Choice xmlns:p14="http://schemas.microsoft.com/office/powerpoint/2010/main" Requires="p14">
+  <mc:AlternateContent xmlns:mc="http://schemas.openxmlformats.org/markup-compatibility/2006" xmlns:p14="http://schemas.microsoft.com/office/powerpoint/2010/main">
+    <mc:Choice Requires="p14">
       <p:transition spd="med" p14:dur="700">
         <p:fade/>
       </p:transition>
     </mc:Choice>
-    <mc:Fallback>
+    <mc:Fallback xmlns="">
       <p:transition spd="med">
         <p:fade/>
       </p:transition>
@@ -19588,13 +19588,13 @@
   <p:clrMapOvr>
     <a:masterClrMapping/>
   </p:clrMapOvr>
-  <mc:AlternateContent xmlns:mc="http://schemas.openxmlformats.org/markup-compatibility/2006">
-    <mc:Choice xmlns:p14="http://schemas.microsoft.com/office/powerpoint/2010/main" Requires="p14">
+  <mc:AlternateContent xmlns:mc="http://schemas.openxmlformats.org/markup-compatibility/2006" xmlns:p14="http://schemas.microsoft.com/office/powerpoint/2010/main">
+    <mc:Choice Requires="p14">
       <p:transition spd="med" p14:dur="700">
         <p:fade/>
       </p:transition>
     </mc:Choice>
-    <mc:Fallback>
+    <mc:Fallback xmlns="">
       <p:transition spd="med">
         <p:fade/>
       </p:transition>
@@ -21214,13 +21214,13 @@
   <p:clrMapOvr>
     <a:masterClrMapping/>
   </p:clrMapOvr>
-  <mc:AlternateContent xmlns:mc="http://schemas.openxmlformats.org/markup-compatibility/2006">
-    <mc:Choice xmlns:p14="http://schemas.microsoft.com/office/powerpoint/2010/main" Requires="p14">
+  <mc:AlternateContent xmlns:mc="http://schemas.openxmlformats.org/markup-compatibility/2006" xmlns:p14="http://schemas.microsoft.com/office/powerpoint/2010/main">
+    <mc:Choice Requires="p14">
       <p:transition spd="med" p14:dur="700">
         <p:fade/>
       </p:transition>
     </mc:Choice>
-    <mc:Fallback>
+    <mc:Fallback xmlns="">
       <p:transition spd="med">
         <p:fade/>
       </p:transition>
@@ -22006,13 +22006,13 @@
   <p:clrMapOvr>
     <a:masterClrMapping/>
   </p:clrMapOvr>
-  <mc:AlternateContent xmlns:mc="http://schemas.openxmlformats.org/markup-compatibility/2006">
-    <mc:Choice xmlns:p14="http://schemas.microsoft.com/office/powerpoint/2010/main" Requires="p14">
+  <mc:AlternateContent xmlns:mc="http://schemas.openxmlformats.org/markup-compatibility/2006" xmlns:p14="http://schemas.microsoft.com/office/powerpoint/2010/main">
+    <mc:Choice Requires="p14">
       <p:transition spd="med" p14:dur="700">
         <p:fade/>
       </p:transition>
     </mc:Choice>
-    <mc:Fallback>
+    <mc:Fallback xmlns="">
       <p:transition spd="med">
         <p:fade/>
       </p:transition>
@@ -23946,13 +23946,13 @@
   <p:clrMapOvr>
     <a:masterClrMapping/>
   </p:clrMapOvr>
-  <mc:AlternateContent xmlns:mc="http://schemas.openxmlformats.org/markup-compatibility/2006">
-    <mc:Choice xmlns:p14="http://schemas.microsoft.com/office/powerpoint/2010/main" Requires="p14">
+  <mc:AlternateContent xmlns:mc="http://schemas.openxmlformats.org/markup-compatibility/2006" xmlns:p14="http://schemas.microsoft.com/office/powerpoint/2010/main">
+    <mc:Choice Requires="p14">
       <p:transition spd="med" p14:dur="700">
         <p:fade/>
       </p:transition>
     </mc:Choice>
-    <mc:Fallback>
+    <mc:Fallback xmlns="">
       <p:transition spd="med">
         <p:fade/>
       </p:transition>
@@ -29063,13 +29063,13 @@
   <p:clrMapOvr>
     <a:masterClrMapping/>
   </p:clrMapOvr>
-  <mc:AlternateContent xmlns:mc="http://schemas.openxmlformats.org/markup-compatibility/2006">
-    <mc:Choice xmlns:p14="http://schemas.microsoft.com/office/powerpoint/2010/main" Requires="p14">
+  <mc:AlternateContent xmlns:mc="http://schemas.openxmlformats.org/markup-compatibility/2006" xmlns:p14="http://schemas.microsoft.com/office/powerpoint/2010/main">
+    <mc:Choice Requires="p14">
       <p:transition spd="med" p14:dur="700">
         <p:fade/>
       </p:transition>
     </mc:Choice>
-    <mc:Fallback>
+    <mc:Fallback xmlns="">
       <p:transition spd="med">
         <p:fade/>
       </p:transition>
@@ -31448,13 +31448,13 @@
   <p:clrMapOvr>
     <a:masterClrMapping/>
   </p:clrMapOvr>
-  <mc:AlternateContent xmlns:mc="http://schemas.openxmlformats.org/markup-compatibility/2006">
-    <mc:Choice xmlns:p14="http://schemas.microsoft.com/office/powerpoint/2010/main" Requires="p14">
+  <mc:AlternateContent xmlns:mc="http://schemas.openxmlformats.org/markup-compatibility/2006" xmlns:p14="http://schemas.microsoft.com/office/powerpoint/2010/main">
+    <mc:Choice Requires="p14">
       <p:transition spd="med" p14:dur="700">
         <p:fade/>
       </p:transition>
     </mc:Choice>
-    <mc:Fallback>
+    <mc:Fallback xmlns="">
       <p:transition spd="med">
         <p:fade/>
       </p:transition>
@@ -33656,13 +33656,13 @@
   <p:clrMapOvr>
     <a:masterClrMapping/>
   </p:clrMapOvr>
-  <mc:AlternateContent xmlns:mc="http://schemas.openxmlformats.org/markup-compatibility/2006">
-    <mc:Choice xmlns:p14="http://schemas.microsoft.com/office/powerpoint/2010/main" Requires="p14">
+  <mc:AlternateContent xmlns:mc="http://schemas.openxmlformats.org/markup-compatibility/2006" xmlns:p14="http://schemas.microsoft.com/office/powerpoint/2010/main">
+    <mc:Choice Requires="p14">
       <p:transition spd="med" p14:dur="700">
         <p:fade/>
       </p:transition>
     </mc:Choice>
-    <mc:Fallback>
+    <mc:Fallback xmlns="">
       <p:transition spd="med">
         <p:fade/>
       </p:transition>
@@ -35520,13 +35520,13 @@
   <p:clrMapOvr>
     <a:masterClrMapping/>
   </p:clrMapOvr>
-  <mc:AlternateContent xmlns:mc="http://schemas.openxmlformats.org/markup-compatibility/2006">
-    <mc:Choice xmlns:p14="http://schemas.microsoft.com/office/powerpoint/2010/main" Requires="p14">
+  <mc:AlternateContent xmlns:mc="http://schemas.openxmlformats.org/markup-compatibility/2006" xmlns:p14="http://schemas.microsoft.com/office/powerpoint/2010/main">
+    <mc:Choice Requires="p14">
       <p:transition spd="med" p14:dur="700">
         <p:fade/>
       </p:transition>
     </mc:Choice>
-    <mc:Fallback>
+    <mc:Fallback xmlns="">
       <p:transition spd="med">
         <p:fade/>
       </p:transition>
@@ -37306,13 +37306,13 @@
   <p:clrMapOvr>
     <a:masterClrMapping/>
   </p:clrMapOvr>
-  <mc:AlternateContent xmlns:mc="http://schemas.openxmlformats.org/markup-compatibility/2006">
-    <mc:Choice xmlns:p14="http://schemas.microsoft.com/office/powerpoint/2010/main" Requires="p14">
+  <mc:AlternateContent xmlns:mc="http://schemas.openxmlformats.org/markup-compatibility/2006" xmlns:p14="http://schemas.microsoft.com/office/powerpoint/2010/main">
+    <mc:Choice Requires="p14">
       <p:transition spd="med" p14:dur="700">
         <p:fade/>
       </p:transition>
     </mc:Choice>
-    <mc:Fallback>
+    <mc:Fallback xmlns="">
       <p:transition spd="med">
         <p:fade/>
       </p:transition>
@@ -38801,13 +38801,13 @@
   <p:clrMapOvr>
     <a:masterClrMapping/>
   </p:clrMapOvr>
-  <mc:AlternateContent xmlns:mc="http://schemas.openxmlformats.org/markup-compatibility/2006">
-    <mc:Choice xmlns:p14="http://schemas.microsoft.com/office/powerpoint/2010/main" Requires="p14">
+  <mc:AlternateContent xmlns:mc="http://schemas.openxmlformats.org/markup-compatibility/2006" xmlns:p14="http://schemas.microsoft.com/office/powerpoint/2010/main">
+    <mc:Choice Requires="p14">
       <p:transition spd="med" p14:dur="700">
         <p:fade/>
       </p:transition>
     </mc:Choice>
-    <mc:Fallback>
+    <mc:Fallback xmlns="">
       <p:transition spd="med">
         <p:fade/>
       </p:transition>
@@ -39501,13 +39501,13 @@
   <p:clrMapOvr>
     <a:masterClrMapping/>
   </p:clrMapOvr>
-  <mc:AlternateContent xmlns:mc="http://schemas.openxmlformats.org/markup-compatibility/2006">
-    <mc:Choice xmlns:p14="http://schemas.microsoft.com/office/powerpoint/2010/main" Requires="p14">
+  <mc:AlternateContent xmlns:mc="http://schemas.openxmlformats.org/markup-compatibility/2006" xmlns:p14="http://schemas.microsoft.com/office/powerpoint/2010/main">
+    <mc:Choice Requires="p14">
       <p:transition spd="med" p14:dur="700">
         <p:fade/>
       </p:transition>
     </mc:Choice>
-    <mc:Fallback>
+    <mc:Fallback xmlns="">
       <p:transition spd="med">
         <p:fade/>
       </p:transition>
@@ -40395,13 +40395,13 @@
   <p:clrMapOvr>
     <a:masterClrMapping/>
   </p:clrMapOvr>
-  <mc:AlternateContent xmlns:mc="http://schemas.openxmlformats.org/markup-compatibility/2006">
-    <mc:Choice xmlns:p14="http://schemas.microsoft.com/office/powerpoint/2010/main" Requires="p14">
+  <mc:AlternateContent xmlns:mc="http://schemas.openxmlformats.org/markup-compatibility/2006" xmlns:p14="http://schemas.microsoft.com/office/powerpoint/2010/main">
+    <mc:Choice Requires="p14">
       <p:transition spd="med" p14:dur="700">
         <p:fade/>
       </p:transition>
     </mc:Choice>
-    <mc:Fallback>
+    <mc:Fallback xmlns="">
       <p:transition spd="med">
         <p:fade/>
       </p:transition>
@@ -41735,13 +41735,13 @@
   <p:clrMapOvr>
     <a:masterClrMapping/>
   </p:clrMapOvr>
-  <mc:AlternateContent xmlns:mc="http://schemas.openxmlformats.org/markup-compatibility/2006">
-    <mc:Choice xmlns:p14="http://schemas.microsoft.com/office/powerpoint/2010/main" Requires="p14">
+  <mc:AlternateContent xmlns:mc="http://schemas.openxmlformats.org/markup-compatibility/2006" xmlns:p14="http://schemas.microsoft.com/office/powerpoint/2010/main">
+    <mc:Choice Requires="p14">
       <p:transition spd="med" p14:dur="700">
         <p:fade/>
       </p:transition>
     </mc:Choice>
-    <mc:Fallback>
+    <mc:Fallback xmlns="">
       <p:transition spd="med">
         <p:fade/>
       </p:transition>
@@ -41775,6 +41775,55 @@
           <a:chExt cx="0" cy="0"/>
         </a:xfrm>
       </p:grpSpPr>
+      <p:sp>
+        <p:nvSpPr>
+          <p:cNvPr id="2" name="Rechteck 1">
+            <a:extLst>
+              <a:ext uri="{FF2B5EF4-FFF2-40B4-BE49-F238E27FC236}">
+                <a16:creationId xmlns:a16="http://schemas.microsoft.com/office/drawing/2014/main" id="{9B83988B-490B-441F-B2F9-4E7DE8D23E16}"/>
+              </a:ext>
+            </a:extLst>
+          </p:cNvPr>
+          <p:cNvSpPr/>
+          <p:nvPr/>
+        </p:nvSpPr>
+        <p:spPr>
+          <a:xfrm>
+            <a:off x="-123825" y="-66675"/>
+            <a:ext cx="12563475" cy="7248525"/>
+          </a:xfrm>
+          <a:prstGeom prst="rect">
+            <a:avLst/>
+          </a:prstGeom>
+          <a:solidFill>
+            <a:srgbClr val="272822"/>
+          </a:solidFill>
+        </p:spPr>
+        <p:style>
+          <a:lnRef idx="2">
+            <a:schemeClr val="accent1">
+              <a:shade val="50000"/>
+            </a:schemeClr>
+          </a:lnRef>
+          <a:fillRef idx="1">
+            <a:schemeClr val="accent1"/>
+          </a:fillRef>
+          <a:effectRef idx="0">
+            <a:schemeClr val="accent1"/>
+          </a:effectRef>
+          <a:fontRef idx="minor">
+            <a:schemeClr val="lt1"/>
+          </a:fontRef>
+        </p:style>
+        <p:txBody>
+          <a:bodyPr rtlCol="0" anchor="ctr"/>
+          <a:lstStyle/>
+          <a:p>
+            <a:pPr algn="ctr"/>
+            <a:endParaRPr lang="de-DE"/>
+          </a:p>
+        </p:txBody>
+      </p:sp>
       <p:pic>
         <p:nvPicPr>
           <p:cNvPr id="5" name="Grafik 4">
@@ -41797,7 +41846,7 @@
         </p:blipFill>
         <p:spPr>
           <a:xfrm>
-            <a:off x="95250" y="280268"/>
+            <a:off x="95250" y="560536"/>
             <a:ext cx="11919857" cy="6297464"/>
           </a:xfrm>
           <a:prstGeom prst="rect">
@@ -41815,13 +41864,13 @@
   <p:clrMapOvr>
     <a:masterClrMapping/>
   </p:clrMapOvr>
-  <mc:AlternateContent xmlns:mc="http://schemas.openxmlformats.org/markup-compatibility/2006">
-    <mc:Choice xmlns:p14="http://schemas.microsoft.com/office/powerpoint/2010/main" Requires="p14">
+  <mc:AlternateContent xmlns:mc="http://schemas.openxmlformats.org/markup-compatibility/2006" xmlns:p14="http://schemas.microsoft.com/office/powerpoint/2010/main">
+    <mc:Choice Requires="p14">
       <p:transition spd="med" p14:dur="700">
         <p:fade/>
       </p:transition>
     </mc:Choice>
-    <mc:Fallback>
+    <mc:Fallback xmlns="">
       <p:transition spd="med">
         <p:fade/>
       </p:transition>
@@ -41855,6 +41904,55 @@
           <a:chExt cx="0" cy="0"/>
         </a:xfrm>
       </p:grpSpPr>
+      <p:sp>
+        <p:nvSpPr>
+          <p:cNvPr id="2" name="Rechteck 1">
+            <a:extLst>
+              <a:ext uri="{FF2B5EF4-FFF2-40B4-BE49-F238E27FC236}">
+                <a16:creationId xmlns:a16="http://schemas.microsoft.com/office/drawing/2014/main" id="{E5B8CFD5-2733-48CE-8A66-FD5709B0414D}"/>
+              </a:ext>
+            </a:extLst>
+          </p:cNvPr>
+          <p:cNvSpPr/>
+          <p:nvPr/>
+        </p:nvSpPr>
+        <p:spPr>
+          <a:xfrm>
+            <a:off x="-85725" y="-142875"/>
+            <a:ext cx="12382500" cy="7143750"/>
+          </a:xfrm>
+          <a:prstGeom prst="rect">
+            <a:avLst/>
+          </a:prstGeom>
+          <a:solidFill>
+            <a:srgbClr val="272822"/>
+          </a:solidFill>
+        </p:spPr>
+        <p:style>
+          <a:lnRef idx="2">
+            <a:schemeClr val="accent1">
+              <a:shade val="50000"/>
+            </a:schemeClr>
+          </a:lnRef>
+          <a:fillRef idx="1">
+            <a:schemeClr val="accent1"/>
+          </a:fillRef>
+          <a:effectRef idx="0">
+            <a:schemeClr val="accent1"/>
+          </a:effectRef>
+          <a:fontRef idx="minor">
+            <a:schemeClr val="lt1"/>
+          </a:fontRef>
+        </p:style>
+        <p:txBody>
+          <a:bodyPr rtlCol="0" anchor="ctr"/>
+          <a:lstStyle/>
+          <a:p>
+            <a:pPr algn="ctr"/>
+            <a:endParaRPr lang="de-DE"/>
+          </a:p>
+        </p:txBody>
+      </p:sp>
       <p:pic>
         <p:nvPicPr>
           <p:cNvPr id="5" name="Grafik 4">
@@ -41877,7 +41975,7 @@
         </p:blipFill>
         <p:spPr>
           <a:xfrm>
-            <a:off x="95250" y="60456"/>
+            <a:off x="95250" y="22356"/>
             <a:ext cx="8995175" cy="6737088"/>
           </a:xfrm>
           <a:prstGeom prst="rect">
@@ -41946,8 +42044,8 @@
           </a:p>
         </p:txBody>
       </p:sp>
-      <mc:AlternateContent xmlns:mc="http://schemas.openxmlformats.org/markup-compatibility/2006">
-        <mc:Choice xmlns:a14="http://schemas.microsoft.com/office/drawing/2010/main" Requires="a14">
+      <mc:AlternateContent xmlns:mc="http://schemas.openxmlformats.org/markup-compatibility/2006" xmlns:a14="http://schemas.microsoft.com/office/drawing/2010/main">
+        <mc:Choice Requires="a14">
           <p:sp>
             <p:nvSpPr>
               <p:cNvPr id="3" name="Inhaltsplatzhalter 2">
@@ -42024,7 +42122,7 @@
             </p:txBody>
           </p:sp>
         </mc:Choice>
-        <mc:Fallback>
+        <mc:Fallback xmlns="">
           <p:sp>
             <p:nvSpPr>
               <p:cNvPr id="3" name="Inhaltsplatzhalter 2">
@@ -42078,13 +42176,13 @@
   <p:clrMapOvr>
     <a:masterClrMapping/>
   </p:clrMapOvr>
-  <mc:AlternateContent xmlns:mc="http://schemas.openxmlformats.org/markup-compatibility/2006">
-    <mc:Choice xmlns:p14="http://schemas.microsoft.com/office/powerpoint/2010/main" Requires="p14">
+  <mc:AlternateContent xmlns:mc="http://schemas.openxmlformats.org/markup-compatibility/2006" xmlns:p14="http://schemas.microsoft.com/office/powerpoint/2010/main">
+    <mc:Choice Requires="p14">
       <p:transition spd="med" p14:dur="700">
         <p:fade/>
       </p:transition>
     </mc:Choice>
-    <mc:Fallback>
+    <mc:Fallback xmlns="">
       <p:transition spd="med">
         <p:fade/>
       </p:transition>
@@ -42158,13 +42256,13 @@
   <p:clrMapOvr>
     <a:masterClrMapping/>
   </p:clrMapOvr>
-  <mc:AlternateContent xmlns:mc="http://schemas.openxmlformats.org/markup-compatibility/2006">
-    <mc:Choice xmlns:p14="http://schemas.microsoft.com/office/powerpoint/2010/main" Requires="p14">
+  <mc:AlternateContent xmlns:mc="http://schemas.openxmlformats.org/markup-compatibility/2006" xmlns:p14="http://schemas.microsoft.com/office/powerpoint/2010/main">
+    <mc:Choice Requires="p14">
       <p:transition spd="med" p14:dur="700">
         <p:fade/>
       </p:transition>
     </mc:Choice>
-    <mc:Fallback>
+    <mc:Fallback xmlns="">
       <p:transition spd="med">
         <p:fade/>
       </p:transition>
@@ -42324,13 +42422,13 @@
   <p:clrMapOvr>
     <a:masterClrMapping/>
   </p:clrMapOvr>
-  <mc:AlternateContent xmlns:mc="http://schemas.openxmlformats.org/markup-compatibility/2006">
-    <mc:Choice xmlns:p14="http://schemas.microsoft.com/office/powerpoint/2010/main" Requires="p14">
+  <mc:AlternateContent xmlns:mc="http://schemas.openxmlformats.org/markup-compatibility/2006" xmlns:p14="http://schemas.microsoft.com/office/powerpoint/2010/main">
+    <mc:Choice Requires="p14">
       <p:transition spd="med" p14:dur="700">
         <p:fade/>
       </p:transition>
     </mc:Choice>
-    <mc:Fallback>
+    <mc:Fallback xmlns="">
       <p:transition spd="med">
         <p:fade/>
       </p:transition>
@@ -42667,13 +42765,13 @@
   <p:clrMapOvr>
     <a:masterClrMapping/>
   </p:clrMapOvr>
-  <mc:AlternateContent xmlns:mc="http://schemas.openxmlformats.org/markup-compatibility/2006">
-    <mc:Choice xmlns:p14="http://schemas.microsoft.com/office/powerpoint/2010/main" Requires="p14">
+  <mc:AlternateContent xmlns:mc="http://schemas.openxmlformats.org/markup-compatibility/2006" xmlns:p14="http://schemas.microsoft.com/office/powerpoint/2010/main">
+    <mc:Choice Requires="p14">
       <p:transition spd="med" p14:dur="700">
         <p:fade/>
       </p:transition>
     </mc:Choice>
-    <mc:Fallback>
+    <mc:Fallback xmlns="">
       <p:transition spd="med">
         <p:fade/>
       </p:transition>
@@ -42875,13 +42973,13 @@
   <p:clrMapOvr>
     <a:masterClrMapping/>
   </p:clrMapOvr>
-  <mc:AlternateContent xmlns:mc="http://schemas.openxmlformats.org/markup-compatibility/2006">
-    <mc:Choice xmlns:p14="http://schemas.microsoft.com/office/powerpoint/2010/main" Requires="p14">
+  <mc:AlternateContent xmlns:mc="http://schemas.openxmlformats.org/markup-compatibility/2006" xmlns:p14="http://schemas.microsoft.com/office/powerpoint/2010/main">
+    <mc:Choice Requires="p14">
       <p:transition spd="med" p14:dur="700">
         <p:fade/>
       </p:transition>
     </mc:Choice>
-    <mc:Fallback>
+    <mc:Fallback xmlns="">
       <p:transition spd="med">
         <p:fade/>
       </p:transition>
@@ -42962,13 +43060,13 @@
   <p:clrMapOvr>
     <a:masterClrMapping/>
   </p:clrMapOvr>
-  <mc:AlternateContent xmlns:mc="http://schemas.openxmlformats.org/markup-compatibility/2006">
-    <mc:Choice xmlns:p14="http://schemas.microsoft.com/office/powerpoint/2010/main" Requires="p14">
+  <mc:AlternateContent xmlns:mc="http://schemas.openxmlformats.org/markup-compatibility/2006" xmlns:p14="http://schemas.microsoft.com/office/powerpoint/2010/main">
+    <mc:Choice Requires="p14">
       <p:transition spd="med" p14:dur="700">
         <p:fade/>
       </p:transition>
     </mc:Choice>
-    <mc:Fallback>
+    <mc:Fallback xmlns="">
       <p:transition spd="med">
         <p:fade/>
       </p:transition>
@@ -43084,13 +43182,13 @@
   <p:clrMapOvr>
     <a:masterClrMapping/>
   </p:clrMapOvr>
-  <mc:AlternateContent xmlns:mc="http://schemas.openxmlformats.org/markup-compatibility/2006">
-    <mc:Choice xmlns:p14="http://schemas.microsoft.com/office/powerpoint/2010/main" Requires="p14">
+  <mc:AlternateContent xmlns:mc="http://schemas.openxmlformats.org/markup-compatibility/2006" xmlns:p14="http://schemas.microsoft.com/office/powerpoint/2010/main">
+    <mc:Choice Requires="p14">
       <p:transition spd="med" p14:dur="700">
         <p:fade/>
       </p:transition>
     </mc:Choice>
-    <mc:Fallback>
+    <mc:Fallback xmlns="">
       <p:transition spd="med">
         <p:fade/>
       </p:transition>
@@ -43756,13 +43854,13 @@
   <p:clrMapOvr>
     <a:masterClrMapping/>
   </p:clrMapOvr>
-  <mc:AlternateContent xmlns:mc="http://schemas.openxmlformats.org/markup-compatibility/2006">
-    <mc:Choice xmlns:p14="http://schemas.microsoft.com/office/powerpoint/2010/main" Requires="p14">
+  <mc:AlternateContent xmlns:mc="http://schemas.openxmlformats.org/markup-compatibility/2006" xmlns:p14="http://schemas.microsoft.com/office/powerpoint/2010/main">
+    <mc:Choice Requires="p14">
       <p:transition spd="med" p14:dur="700">
         <p:fade/>
       </p:transition>
     </mc:Choice>
-    <mc:Fallback>
+    <mc:Fallback xmlns="">
       <p:transition spd="med">
         <p:fade/>
       </p:transition>
@@ -44650,13 +44748,13 @@
   <p:clrMapOvr>
     <a:masterClrMapping/>
   </p:clrMapOvr>
-  <mc:AlternateContent xmlns:mc="http://schemas.openxmlformats.org/markup-compatibility/2006">
-    <mc:Choice xmlns:p14="http://schemas.microsoft.com/office/powerpoint/2010/main" Requires="p14">
+  <mc:AlternateContent xmlns:mc="http://schemas.openxmlformats.org/markup-compatibility/2006" xmlns:p14="http://schemas.microsoft.com/office/powerpoint/2010/main">
+    <mc:Choice Requires="p14">
       <p:transition spd="med" p14:dur="700">
         <p:fade/>
       </p:transition>
     </mc:Choice>
-    <mc:Fallback>
+    <mc:Fallback xmlns="">
       <p:transition spd="med">
         <p:fade/>
       </p:transition>
@@ -45314,13 +45412,13 @@
   <p:clrMapOvr>
     <a:masterClrMapping/>
   </p:clrMapOvr>
-  <mc:AlternateContent xmlns:mc="http://schemas.openxmlformats.org/markup-compatibility/2006">
-    <mc:Choice xmlns:p14="http://schemas.microsoft.com/office/powerpoint/2010/main" Requires="p14">
+  <mc:AlternateContent xmlns:mc="http://schemas.openxmlformats.org/markup-compatibility/2006" xmlns:p14="http://schemas.microsoft.com/office/powerpoint/2010/main">
+    <mc:Choice Requires="p14">
       <p:transition spd="med" p14:dur="700">
         <p:fade/>
       </p:transition>
     </mc:Choice>
-    <mc:Fallback>
+    <mc:Fallback xmlns="">
       <p:transition spd="med">
         <p:fade/>
       </p:transition>
@@ -46186,13 +46284,13 @@
   <p:clrMapOvr>
     <a:masterClrMapping/>
   </p:clrMapOvr>
-  <mc:AlternateContent xmlns:mc="http://schemas.openxmlformats.org/markup-compatibility/2006">
-    <mc:Choice xmlns:p14="http://schemas.microsoft.com/office/powerpoint/2010/main" Requires="p14">
+  <mc:AlternateContent xmlns:mc="http://schemas.openxmlformats.org/markup-compatibility/2006" xmlns:p14="http://schemas.microsoft.com/office/powerpoint/2010/main">
+    <mc:Choice Requires="p14">
       <p:transition spd="med" p14:dur="700">
         <p:fade/>
       </p:transition>
     </mc:Choice>
-    <mc:Fallback>
+    <mc:Fallback xmlns="">
       <p:transition spd="med">
         <p:fade/>
       </p:transition>
@@ -47135,13 +47233,13 @@
   <p:clrMapOvr>
     <a:masterClrMapping/>
   </p:clrMapOvr>
-  <mc:AlternateContent xmlns:mc="http://schemas.openxmlformats.org/markup-compatibility/2006">
-    <mc:Choice xmlns:p14="http://schemas.microsoft.com/office/powerpoint/2010/main" Requires="p14">
+  <mc:AlternateContent xmlns:mc="http://schemas.openxmlformats.org/markup-compatibility/2006" xmlns:p14="http://schemas.microsoft.com/office/powerpoint/2010/main">
+    <mc:Choice Requires="p14">
       <p:transition spd="med" p14:dur="700">
         <p:fade/>
       </p:transition>
     </mc:Choice>
-    <mc:Fallback>
+    <mc:Fallback xmlns="">
       <p:transition spd="med">
         <p:fade/>
       </p:transition>

--- a/Aufgabe01_Praesentation.pptx
+++ b/Aufgabe01_Praesentation.pptx
@@ -572,26 +572,6 @@
               <a:t>Internationale Informatikolympiade</a:t>
             </a:r>
           </a:p>
-          <a:p>
-            <a:r>
-              <a:rPr lang="de-DE" dirty="0"/>
-              <a:t>Einstieg</a:t>
-            </a:r>
-            <a:r>
-              <a:rPr lang="de-DE" baseline="0" dirty="0"/>
-              <a:t> zum Aufwärmen</a:t>
-            </a:r>
-          </a:p>
-          <a:p>
-            <a:r>
-              <a:rPr lang="de-DE" baseline="0" dirty="0"/>
-              <a:t>Informatik Biber 2017</a:t>
-            </a:r>
-            <a:endParaRPr lang="de-DE" dirty="0"/>
-          </a:p>
-          <a:p>
-            <a:endParaRPr lang="de-DE" dirty="0"/>
-          </a:p>
         </p:txBody>
       </p:sp>
       <p:sp>
@@ -674,14 +654,6 @@
           <a:bodyPr/>
           <a:lstStyle/>
           <a:p>
-            <a:r>
-              <a:rPr lang="de-DE" dirty="0"/>
-              <a:t>(Wenn</a:t>
-            </a:r>
-            <a:r>
-              <a:rPr lang="de-DE" baseline="0" dirty="0"/>
-              <a:t> halt nix mehr geht) – würde Computer nicht weiterhelfen…</a:t>
-            </a:r>
             <a:endParaRPr lang="de-DE" dirty="0"/>
           </a:p>
         </p:txBody>
@@ -766,14 +738,6 @@
           <a:bodyPr/>
           <a:lstStyle/>
           <a:p>
-            <a:r>
-              <a:rPr lang="de-DE" dirty="0"/>
-              <a:t>Fugenstellen ges. =</a:t>
-            </a:r>
-            <a:r>
-              <a:rPr lang="de-DE" baseline="0" dirty="0"/>
-              <a:t> eine reihe nur aus 1er Klötzen -&gt; n Fugen – 1 (Ende nicht)</a:t>
-            </a:r>
             <a:endParaRPr lang="de-DE" dirty="0"/>
           </a:p>
         </p:txBody>
@@ -858,14 +822,6 @@
           <a:bodyPr/>
           <a:lstStyle/>
           <a:p>
-            <a:r>
-              <a:rPr lang="de-DE" dirty="0"/>
-              <a:t>Fugenstell. Pro Reih.</a:t>
-            </a:r>
-            <a:r>
-              <a:rPr lang="de-DE" baseline="0" dirty="0"/>
-              <a:t> = n Klötze – 1 (Ende nicht)</a:t>
-            </a:r>
             <a:endParaRPr lang="de-DE" dirty="0"/>
           </a:p>
         </p:txBody>
@@ -950,20 +906,6 @@
           <a:bodyPr/>
           <a:lstStyle/>
           <a:p>
-            <a:r>
-              <a:rPr lang="de-DE" dirty="0"/>
-              <a:t>f (10) = 6</a:t>
-            </a:r>
-          </a:p>
-          <a:p>
-            <a:r>
-              <a:rPr lang="de-DE" dirty="0"/>
-              <a:t>f (3) ≈ 2,5</a:t>
-            </a:r>
-            <a:r>
-              <a:rPr lang="de-DE" baseline="0" dirty="0"/>
-              <a:t>   =&gt; ABRUNDEN</a:t>
-            </a:r>
             <a:endParaRPr lang="de-DE" dirty="0"/>
           </a:p>
         </p:txBody>
@@ -1049,14 +991,13 @@
           <a:lstStyle/>
           <a:p>
             <a:r>
-              <a:rPr lang="de-DE" dirty="0"/>
-              <a:t>Problem</a:t>
+              <a:rPr lang="de-DE" b="1" dirty="0"/>
+              <a:t>Bekanntes Problem: </a:t>
             </a:r>
             <a:r>
-              <a:rPr lang="de-DE" baseline="0" dirty="0"/>
-              <a:t> mit vielen Möglichkeiten</a:t>
+              <a:rPr lang="de-DE" b="0" dirty="0"/>
+              <a:t>Sehr viele Möglichkeiten!</a:t>
             </a:r>
-            <a:endParaRPr lang="de-DE" dirty="0"/>
           </a:p>
         </p:txBody>
       </p:sp>
@@ -1142,11 +1083,11 @@
           <a:p>
             <a:r>
               <a:rPr lang="de-DE" dirty="0"/>
-              <a:t>Neuer</a:t>
+              <a:t>Neue Möglichkeit </a:t>
             </a:r>
             <a:r>
               <a:rPr lang="de-DE" baseline="0" dirty="0"/>
-              <a:t> Weg durch vordefinierte Höhe</a:t>
+              <a:t>durch vordefinierte Höhe</a:t>
             </a:r>
             <a:endParaRPr lang="de-DE" dirty="0"/>
           </a:p>
@@ -1232,10 +1173,7 @@
           <a:bodyPr/>
           <a:lstStyle/>
           <a:p>
-            <a:r>
-              <a:rPr lang="de-DE" dirty="0"/>
-              <a:t>Labyrinth</a:t>
-            </a:r>
+            <a:endParaRPr lang="de-DE" dirty="0"/>
           </a:p>
         </p:txBody>
       </p:sp>
@@ -1319,26 +1257,6 @@
           <a:bodyPr/>
           <a:lstStyle/>
           <a:p>
-            <a:r>
-              <a:rPr lang="de-DE" dirty="0"/>
-              <a:t>3</a:t>
-            </a:r>
-            <a:r>
-              <a:rPr lang="de-DE" baseline="0" dirty="0"/>
-              <a:t> weitere Möglichkeiten</a:t>
-            </a:r>
-          </a:p>
-          <a:p>
-            <a:r>
-              <a:rPr lang="de-DE" baseline="0" dirty="0"/>
-              <a:t>Den richtigen nicht so einfach erkennen </a:t>
-            </a:r>
-          </a:p>
-          <a:p>
-            <a:r>
-              <a:rPr lang="de-DE" baseline="0" dirty="0"/>
-              <a:t>Backtracking</a:t>
-            </a:r>
             <a:endParaRPr lang="de-DE" dirty="0"/>
           </a:p>
         </p:txBody>
@@ -1423,14 +1341,6 @@
           <a:bodyPr/>
           <a:lstStyle/>
           <a:p>
-            <a:r>
-              <a:rPr lang="de-DE" dirty="0"/>
-              <a:t>( Reihe</a:t>
-            </a:r>
-            <a:r>
-              <a:rPr lang="de-DE" baseline="0" dirty="0"/>
-              <a:t> | Klotz )</a:t>
-            </a:r>
             <a:endParaRPr lang="de-DE" dirty="0"/>
           </a:p>
         </p:txBody>
@@ -1599,25 +1509,26 @@
           <a:bodyPr/>
           <a:lstStyle/>
           <a:p>
-            <a:r>
-              <a:rPr lang="de-DE" dirty="0"/>
-              <a:t>Anzahl</a:t>
-            </a:r>
+            <a:pPr marL="0" marR="0" lvl="0" indent="0" algn="l" defTabSz="914400" rtl="0" eaLnBrk="1" fontAlgn="auto" latinLnBrk="0" hangingPunct="1">
+              <a:lnSpc>
+                <a:spcPct val="100000"/>
+              </a:lnSpc>
+              <a:spcBef>
+                <a:spcPts val="0"/>
+              </a:spcBef>
+              <a:spcAft>
+                <a:spcPts val="0"/>
+              </a:spcAft>
+              <a:buClrTx/>
+              <a:buSzTx/>
+              <a:buFontTx/>
+              <a:buNone/>
+              <a:tabLst/>
+              <a:defRPr/>
+            </a:pPr>
             <a:r>
               <a:rPr lang="de-DE" baseline="0" dirty="0"/>
-              <a:t> Möglichkeiten für verbleibende 7 Bilder</a:t>
-            </a:r>
-          </a:p>
-          <a:p>
-            <a:r>
-              <a:rPr lang="de-DE" baseline="0" dirty="0"/>
-              <a:t>Lösungshinweis -&gt; Stock/Schild nach unten ≠ untere Reihe, Stock/Schild nach oben ≠ obere Reihe</a:t>
-            </a:r>
-          </a:p>
-          <a:p>
-            <a:r>
-              <a:rPr lang="de-DE" baseline="0" dirty="0"/>
-              <a:t>Nur ein Schild nach unten -&gt; 6! Möglichkeiten</a:t>
+              <a:t>Informatik Biber 2017</a:t>
             </a:r>
             <a:endParaRPr lang="de-DE" dirty="0"/>
           </a:p>
@@ -1703,10 +1614,7 @@
           <a:bodyPr/>
           <a:lstStyle/>
           <a:p>
-            <a:r>
-              <a:rPr lang="de-DE" sz="3600" b="1" dirty="0"/>
-              <a:t>Programm starten!</a:t>
-            </a:r>
+            <a:endParaRPr lang="de-DE" sz="3600" b="0" dirty="0"/>
           </a:p>
         </p:txBody>
       </p:sp>
@@ -2061,7 +1969,7 @@
             </a:r>
             <a:r>
               <a:rPr lang="de-DE" dirty="0"/>
-              <a:t> optimierter Algorithmus mit ~ 3 Minuten für Lösung</a:t>
+              <a:t> optimierter Algorithmus mit Lösung in ~ 3 Minuten</a:t>
             </a:r>
           </a:p>
         </p:txBody>
@@ -2230,26 +2138,6 @@
           <a:bodyPr/>
           <a:lstStyle/>
           <a:p>
-            <a:r>
-              <a:rPr lang="de-DE" dirty="0"/>
-              <a:t>3</a:t>
-            </a:r>
-            <a:r>
-              <a:rPr lang="de-DE" baseline="0" dirty="0"/>
-              <a:t> weitere Möglichkeiten</a:t>
-            </a:r>
-          </a:p>
-          <a:p>
-            <a:r>
-              <a:rPr lang="de-DE" baseline="0" dirty="0"/>
-              <a:t>Den richtigen nicht so einfach erkennen</a:t>
-            </a:r>
-          </a:p>
-          <a:p>
-            <a:r>
-              <a:rPr lang="de-DE" baseline="0" dirty="0"/>
-              <a:t>Rumprobieren (Backtracking)</a:t>
-            </a:r>
             <a:endParaRPr lang="de-DE" dirty="0"/>
           </a:p>
         </p:txBody>
@@ -2418,44 +2306,6 @@
           <a:bodyPr/>
           <a:lstStyle/>
           <a:p>
-            <a:r>
-              <a:rPr lang="de-DE" dirty="0"/>
-              <a:t>Verschiedene</a:t>
-            </a:r>
-            <a:r>
-              <a:rPr lang="de-DE" baseline="0" dirty="0"/>
-              <a:t> Längen</a:t>
-            </a:r>
-          </a:p>
-          <a:p>
-            <a:r>
-              <a:rPr lang="de-DE" baseline="0" dirty="0"/>
-              <a:t>Variable</a:t>
-            </a:r>
-          </a:p>
-          <a:p>
-            <a:r>
-              <a:rPr lang="de-DE" baseline="0" dirty="0"/>
-              <a:t>Jede Reihe gleiche Anzahl Klötzchen</a:t>
-            </a:r>
-          </a:p>
-          <a:p>
-            <a:r>
-              <a:rPr lang="de-DE" baseline="0" dirty="0"/>
-              <a:t>Längen 1 bis n</a:t>
-            </a:r>
-          </a:p>
-          <a:p>
-            <a:r>
-              <a:rPr lang="de-DE" baseline="0" dirty="0"/>
-              <a:t>Nie zwei Fugen überlappen</a:t>
-            </a:r>
-          </a:p>
-          <a:p>
-            <a:r>
-              <a:rPr lang="de-DE" baseline="0" dirty="0"/>
-              <a:t>Mauer möglichst hoch</a:t>
-            </a:r>
             <a:endParaRPr lang="de-DE" dirty="0"/>
           </a:p>
         </p:txBody>
@@ -2540,20 +2390,6 @@
           <a:bodyPr/>
           <a:lstStyle/>
           <a:p>
-            <a:r>
-              <a:rPr lang="de-DE" dirty="0"/>
-              <a:t>Aufgabenstellung</a:t>
-            </a:r>
-          </a:p>
-          <a:p>
-            <a:r>
-              <a:rPr lang="de-DE" dirty="0"/>
-              <a:t>Spätere</a:t>
-            </a:r>
-            <a:r>
-              <a:rPr lang="de-DE" baseline="0" dirty="0"/>
-              <a:t> Kontrolle</a:t>
-            </a:r>
             <a:endParaRPr lang="de-DE" dirty="0"/>
           </a:p>
         </p:txBody>
@@ -2638,20 +2474,6 @@
           <a:bodyPr/>
           <a:lstStyle/>
           <a:p>
-            <a:r>
-              <a:rPr lang="de-DE" dirty="0"/>
-              <a:t>Nur Stellen zwischen Klötzchen.</a:t>
-            </a:r>
-          </a:p>
-          <a:p>
-            <a:r>
-              <a:rPr lang="de-DE" b="1" dirty="0"/>
-              <a:t>NICHT</a:t>
-            </a:r>
-            <a:r>
-              <a:rPr lang="de-DE" baseline="0" dirty="0"/>
-              <a:t> Anfang und Ende!</a:t>
-            </a:r>
             <a:endParaRPr lang="de-DE" dirty="0"/>
           </a:p>
         </p:txBody>
@@ -2736,22 +2558,7 @@
           <a:bodyPr/>
           <a:lstStyle/>
           <a:p>
-            <a:r>
-              <a:rPr lang="de-DE" b="0" dirty="0"/>
-              <a:t>Verstanden?</a:t>
-            </a:r>
-          </a:p>
-          <a:p>
-            <a:r>
-              <a:rPr lang="de-DE" b="1" dirty="0"/>
-              <a:t>Aufgabe</a:t>
-            </a:r>
-          </a:p>
-          <a:p>
-            <a:r>
-              <a:rPr lang="de-DE" dirty="0"/>
-              <a:t>Mauer N = 4</a:t>
-            </a:r>
+            <a:endParaRPr lang="de-DE" dirty="0"/>
           </a:p>
         </p:txBody>
       </p:sp>
@@ -2837,7 +2644,7 @@
           <a:p>
             <a:r>
               <a:rPr lang="de-DE" dirty="0"/>
-              <a:t>Mehrere Lösungen</a:t>
+              <a:t>Mehrere mögliche Lösungen!</a:t>
             </a:r>
           </a:p>
         </p:txBody>
@@ -19080,7 +18887,7 @@
           <a:p>
             <a:r>
               <a:rPr lang="de-DE" sz="6000" dirty="0"/>
-              <a:t>Wie bauen wir jetzt so eine Mauer?</a:t>
+              <a:t>Wie baut man jetzt so eine Mauer?</a:t>
             </a:r>
           </a:p>
         </p:txBody>
@@ -19230,6 +19037,58 @@
           </a:p>
         </p:txBody>
       </p:sp>
+      <p:sp>
+        <p:nvSpPr>
+          <p:cNvPr id="3" name="Rechteck 2">
+            <a:extLst>
+              <a:ext uri="{FF2B5EF4-FFF2-40B4-BE49-F238E27FC236}">
+                <a16:creationId xmlns:a16="http://schemas.microsoft.com/office/drawing/2014/main" id="{A8843998-00FF-4050-83E2-C08FF641304E}"/>
+              </a:ext>
+            </a:extLst>
+          </p:cNvPr>
+          <p:cNvSpPr/>
+          <p:nvPr/>
+        </p:nvSpPr>
+        <p:spPr>
+          <a:xfrm>
+            <a:off x="6200775" y="3629026"/>
+            <a:ext cx="4643438" cy="1185862"/>
+          </a:xfrm>
+          <a:prstGeom prst="rect">
+            <a:avLst/>
+          </a:prstGeom>
+          <a:noFill/>
+          <a:ln w="76200">
+            <a:solidFill>
+              <a:srgbClr val="C00000"/>
+            </a:solidFill>
+          </a:ln>
+        </p:spPr>
+        <p:style>
+          <a:lnRef idx="2">
+            <a:schemeClr val="accent1">
+              <a:shade val="50000"/>
+            </a:schemeClr>
+          </a:lnRef>
+          <a:fillRef idx="1">
+            <a:schemeClr val="accent1"/>
+          </a:fillRef>
+          <a:effectRef idx="0">
+            <a:schemeClr val="accent1"/>
+          </a:effectRef>
+          <a:fontRef idx="minor">
+            <a:schemeClr val="lt1"/>
+          </a:fontRef>
+        </p:style>
+        <p:txBody>
+          <a:bodyPr rtlCol="0" anchor="ctr"/>
+          <a:lstStyle/>
+          <a:p>
+            <a:pPr algn="ctr"/>
+            <a:endParaRPr lang="de-DE"/>
+          </a:p>
+        </p:txBody>
+      </p:sp>
     </p:spTree>
     <p:extLst>
       <p:ext uri="{BB962C8B-B14F-4D97-AF65-F5344CB8AC3E}">
@@ -19252,6 +19111,92 @@
       </p:transition>
     </mc:Fallback>
   </mc:AlternateContent>
+  <p:timing>
+    <p:tnLst>
+      <p:par>
+        <p:cTn id="1" dur="indefinite" restart="never" nodeType="tmRoot">
+          <p:childTnLst>
+            <p:seq concurrent="1" nextAc="seek">
+              <p:cTn id="2" dur="indefinite" nodeType="mainSeq">
+                <p:childTnLst>
+                  <p:par>
+                    <p:cTn id="3" fill="hold">
+                      <p:stCondLst>
+                        <p:cond delay="indefinite"/>
+                      </p:stCondLst>
+                      <p:childTnLst>
+                        <p:par>
+                          <p:cTn id="4" fill="hold">
+                            <p:stCondLst>
+                              <p:cond delay="0"/>
+                            </p:stCondLst>
+                            <p:childTnLst>
+                              <p:par>
+                                <p:cTn id="5" presetID="10" presetClass="entr" presetSubtype="0" fill="hold" grpId="0" nodeType="clickEffect">
+                                  <p:stCondLst>
+                                    <p:cond delay="0"/>
+                                  </p:stCondLst>
+                                  <p:childTnLst>
+                                    <p:set>
+                                      <p:cBhvr>
+                                        <p:cTn id="6" dur="1" fill="hold">
+                                          <p:stCondLst>
+                                            <p:cond delay="0"/>
+                                          </p:stCondLst>
+                                        </p:cTn>
+                                        <p:tgtEl>
+                                          <p:spTgt spid="3"/>
+                                        </p:tgtEl>
+                                        <p:attrNameLst>
+                                          <p:attrName>style.visibility</p:attrName>
+                                        </p:attrNameLst>
+                                      </p:cBhvr>
+                                      <p:to>
+                                        <p:strVal val="visible"/>
+                                      </p:to>
+                                    </p:set>
+                                    <p:animEffect transition="in" filter="fade">
+                                      <p:cBhvr>
+                                        <p:cTn id="7" dur="500"/>
+                                        <p:tgtEl>
+                                          <p:spTgt spid="3"/>
+                                        </p:tgtEl>
+                                      </p:cBhvr>
+                                    </p:animEffect>
+                                  </p:childTnLst>
+                                </p:cTn>
+                              </p:par>
+                            </p:childTnLst>
+                          </p:cTn>
+                        </p:par>
+                      </p:childTnLst>
+                    </p:cTn>
+                  </p:par>
+                </p:childTnLst>
+              </p:cTn>
+              <p:prevCondLst>
+                <p:cond evt="onPrev" delay="0">
+                  <p:tgtEl>
+                    <p:sldTgt/>
+                  </p:tgtEl>
+                </p:cond>
+              </p:prevCondLst>
+              <p:nextCondLst>
+                <p:cond evt="onNext" delay="0">
+                  <p:tgtEl>
+                    <p:sldTgt/>
+                  </p:tgtEl>
+                </p:cond>
+              </p:nextCondLst>
+            </p:seq>
+          </p:childTnLst>
+        </p:cTn>
+      </p:par>
+    </p:tnLst>
+    <p:bldLst>
+      <p:bldP spid="3" grpId="0" animBg="1"/>
+    </p:bldLst>
+  </p:timing>
 </p:sld>
 </file>
 
